--- a/Transcolados Pro 16 Final Presentacion.pptx
+++ b/Transcolados Pro 16 Final Presentacion.pptx
@@ -1,49 +1,49 @@
 
 <file path=ppt/presentation.xml><?xml version="1.0" encoding="utf-8"?>
-<p:presentation xmlns:a="http://schemas.openxmlformats.org/drawingml/2006/main" xmlns:r="http://schemas.openxmlformats.org/officeDocument/2006/relationships" xmlns:mc="http://schemas.openxmlformats.org/markup-compatibility/2006" xmlns:mv="urn:schemas-microsoft-com:mac:vml" xmlns:p="http://schemas.openxmlformats.org/presentationml/2006/main" xmlns:c="http://schemas.openxmlformats.org/drawingml/2006/chart" xmlns:dgm="http://schemas.openxmlformats.org/drawingml/2006/diagram" xmlns:o="urn:schemas-microsoft-com:office:office" xmlns:v="urn:schemas-microsoft-com:vml" xmlns:pvml="urn:schemas-microsoft-com:office:powerpoint" xmlns:com="http://schemas.openxmlformats.org/drawingml/2006/compatibility" xmlns:p14="http://schemas.microsoft.com/office/powerpoint/2010/main" autoCompressPictures="0" embedTrueTypeFonts="1" strictFirstAndLastChars="0" saveSubsetFonts="1">
+<p:presentation xmlns:a="http://schemas.openxmlformats.org/drawingml/2006/main" xmlns:r="http://schemas.openxmlformats.org/officeDocument/2006/relationships" xmlns:p="http://schemas.openxmlformats.org/presentationml/2006/main" strictFirstAndLastChars="0" embedTrueTypeFonts="1" saveSubsetFonts="1" autoCompressPictures="0">
   <p:sldMasterIdLst>
-    <p:sldMasterId id="2147483659" r:id="rId3"/>
+    <p:sldMasterId id="2147483659" r:id="rId1"/>
   </p:sldMasterIdLst>
   <p:notesMasterIdLst>
-    <p:notesMasterId r:id="rId4"/>
+    <p:notesMasterId r:id="rId24"/>
   </p:notesMasterIdLst>
   <p:sldIdLst>
-    <p:sldId id="256" r:id="rId5"/>
-    <p:sldId id="257" r:id="rId6"/>
-    <p:sldId id="258" r:id="rId7"/>
-    <p:sldId id="259" r:id="rId8"/>
-    <p:sldId id="260" r:id="rId9"/>
-    <p:sldId id="261" r:id="rId10"/>
-    <p:sldId id="262" r:id="rId11"/>
-    <p:sldId id="263" r:id="rId12"/>
-    <p:sldId id="264" r:id="rId13"/>
-    <p:sldId id="265" r:id="rId14"/>
-    <p:sldId id="266" r:id="rId15"/>
-    <p:sldId id="267" r:id="rId16"/>
-    <p:sldId id="268" r:id="rId17"/>
-    <p:sldId id="269" r:id="rId18"/>
-    <p:sldId id="270" r:id="rId19"/>
-    <p:sldId id="271" r:id="rId20"/>
-    <p:sldId id="272" r:id="rId21"/>
-    <p:sldId id="273" r:id="rId22"/>
-    <p:sldId id="274" r:id="rId23"/>
-    <p:sldId id="275" r:id="rId24"/>
-    <p:sldId id="276" r:id="rId25"/>
-    <p:sldId id="277" r:id="rId26"/>
+    <p:sldId id="256" r:id="rId2"/>
+    <p:sldId id="257" r:id="rId3"/>
+    <p:sldId id="258" r:id="rId4"/>
+    <p:sldId id="259" r:id="rId5"/>
+    <p:sldId id="260" r:id="rId6"/>
+    <p:sldId id="261" r:id="rId7"/>
+    <p:sldId id="262" r:id="rId8"/>
+    <p:sldId id="263" r:id="rId9"/>
+    <p:sldId id="264" r:id="rId10"/>
+    <p:sldId id="265" r:id="rId11"/>
+    <p:sldId id="266" r:id="rId12"/>
+    <p:sldId id="267" r:id="rId13"/>
+    <p:sldId id="268" r:id="rId14"/>
+    <p:sldId id="269" r:id="rId15"/>
+    <p:sldId id="270" r:id="rId16"/>
+    <p:sldId id="271" r:id="rId17"/>
+    <p:sldId id="272" r:id="rId18"/>
+    <p:sldId id="273" r:id="rId19"/>
+    <p:sldId id="274" r:id="rId20"/>
+    <p:sldId id="275" r:id="rId21"/>
+    <p:sldId id="276" r:id="rId22"/>
+    <p:sldId id="277" r:id="rId23"/>
   </p:sldIdLst>
-  <p:sldSz cy="5143500" cx="9144000"/>
+  <p:sldSz cx="9144000" cy="5143500" type="screen16x9"/>
   <p:notesSz cx="6858000" cy="9144000"/>
   <p:embeddedFontLst>
     <p:embeddedFont>
-      <p:font typeface="Roboto"/>
-      <p:regular r:id="rId27"/>
-      <p:bold r:id="rId28"/>
-      <p:italic r:id="rId29"/>
-      <p:boldItalic r:id="rId30"/>
+      <p:font typeface="Roboto" panose="020B0604020202020204" charset="0"/>
+      <p:regular r:id="rId25"/>
+      <p:bold r:id="rId26"/>
+      <p:italic r:id="rId27"/>
+      <p:boldItalic r:id="rId28"/>
     </p:embeddedFont>
   </p:embeddedFontLst>
   <p:defaultTextStyle>
-    <a:defPPr lvl="0" marR="0" rtl="0" algn="l">
+    <a:defPPr marR="0" lvl="0" algn="l" rtl="0">
       <a:lnSpc>
         <a:spcPct val="100000"/>
       </a:lnSpc>
@@ -54,7 +54,7 @@
         <a:spcPts val="0"/>
       </a:spcAft>
     </a:defPPr>
-    <a:lvl1pPr lvl="0" marR="0" rtl="0" algn="l">
+    <a:lvl1pPr marR="0" lvl="0" algn="l" rtl="0">
       <a:lnSpc>
         <a:spcPct val="100000"/>
       </a:lnSpc>
@@ -65,7 +65,7 @@
         <a:spcPts val="0"/>
       </a:spcAft>
       <a:buNone/>
-      <a:defRPr b="0" i="0" sz="1400" u="none" cap="none" strike="noStrike">
+      <a:defRPr sz="1400" b="0" i="0" u="none" strike="noStrike" cap="none">
         <a:solidFill>
           <a:srgbClr val="000000"/>
         </a:solidFill>
@@ -75,7 +75,7 @@
         <a:sym typeface="Arial"/>
       </a:defRPr>
     </a:lvl1pPr>
-    <a:lvl2pPr lvl="1" marR="0" rtl="0" algn="l">
+    <a:lvl2pPr marR="0" lvl="1" algn="l" rtl="0">
       <a:lnSpc>
         <a:spcPct val="100000"/>
       </a:lnSpc>
@@ -86,7 +86,7 @@
         <a:spcPts val="0"/>
       </a:spcAft>
       <a:buNone/>
-      <a:defRPr b="0" i="0" sz="1400" u="none" cap="none" strike="noStrike">
+      <a:defRPr sz="1400" b="0" i="0" u="none" strike="noStrike" cap="none">
         <a:solidFill>
           <a:srgbClr val="000000"/>
         </a:solidFill>
@@ -96,7 +96,7 @@
         <a:sym typeface="Arial"/>
       </a:defRPr>
     </a:lvl2pPr>
-    <a:lvl3pPr lvl="2" marR="0" rtl="0" algn="l">
+    <a:lvl3pPr marR="0" lvl="2" algn="l" rtl="0">
       <a:lnSpc>
         <a:spcPct val="100000"/>
       </a:lnSpc>
@@ -107,7 +107,7 @@
         <a:spcPts val="0"/>
       </a:spcAft>
       <a:buNone/>
-      <a:defRPr b="0" i="0" sz="1400" u="none" cap="none" strike="noStrike">
+      <a:defRPr sz="1400" b="0" i="0" u="none" strike="noStrike" cap="none">
         <a:solidFill>
           <a:srgbClr val="000000"/>
         </a:solidFill>
@@ -117,7 +117,7 @@
         <a:sym typeface="Arial"/>
       </a:defRPr>
     </a:lvl3pPr>
-    <a:lvl4pPr lvl="3" marR="0" rtl="0" algn="l">
+    <a:lvl4pPr marR="0" lvl="3" algn="l" rtl="0">
       <a:lnSpc>
         <a:spcPct val="100000"/>
       </a:lnSpc>
@@ -128,7 +128,7 @@
         <a:spcPts val="0"/>
       </a:spcAft>
       <a:buNone/>
-      <a:defRPr b="0" i="0" sz="1400" u="none" cap="none" strike="noStrike">
+      <a:defRPr sz="1400" b="0" i="0" u="none" strike="noStrike" cap="none">
         <a:solidFill>
           <a:srgbClr val="000000"/>
         </a:solidFill>
@@ -138,7 +138,7 @@
         <a:sym typeface="Arial"/>
       </a:defRPr>
     </a:lvl4pPr>
-    <a:lvl5pPr lvl="4" marR="0" rtl="0" algn="l">
+    <a:lvl5pPr marR="0" lvl="4" algn="l" rtl="0">
       <a:lnSpc>
         <a:spcPct val="100000"/>
       </a:lnSpc>
@@ -149,7 +149,7 @@
         <a:spcPts val="0"/>
       </a:spcAft>
       <a:buNone/>
-      <a:defRPr b="0" i="0" sz="1400" u="none" cap="none" strike="noStrike">
+      <a:defRPr sz="1400" b="0" i="0" u="none" strike="noStrike" cap="none">
         <a:solidFill>
           <a:srgbClr val="000000"/>
         </a:solidFill>
@@ -159,7 +159,7 @@
         <a:sym typeface="Arial"/>
       </a:defRPr>
     </a:lvl5pPr>
-    <a:lvl6pPr lvl="5" marR="0" rtl="0" algn="l">
+    <a:lvl6pPr marR="0" lvl="5" algn="l" rtl="0">
       <a:lnSpc>
         <a:spcPct val="100000"/>
       </a:lnSpc>
@@ -170,7 +170,7 @@
         <a:spcPts val="0"/>
       </a:spcAft>
       <a:buNone/>
-      <a:defRPr b="0" i="0" sz="1400" u="none" cap="none" strike="noStrike">
+      <a:defRPr sz="1400" b="0" i="0" u="none" strike="noStrike" cap="none">
         <a:solidFill>
           <a:srgbClr val="000000"/>
         </a:solidFill>
@@ -180,7 +180,7 @@
         <a:sym typeface="Arial"/>
       </a:defRPr>
     </a:lvl6pPr>
-    <a:lvl7pPr lvl="6" marR="0" rtl="0" algn="l">
+    <a:lvl7pPr marR="0" lvl="6" algn="l" rtl="0">
       <a:lnSpc>
         <a:spcPct val="100000"/>
       </a:lnSpc>
@@ -191,7 +191,7 @@
         <a:spcPts val="0"/>
       </a:spcAft>
       <a:buNone/>
-      <a:defRPr b="0" i="0" sz="1400" u="none" cap="none" strike="noStrike">
+      <a:defRPr sz="1400" b="0" i="0" u="none" strike="noStrike" cap="none">
         <a:solidFill>
           <a:srgbClr val="000000"/>
         </a:solidFill>
@@ -201,7 +201,7 @@
         <a:sym typeface="Arial"/>
       </a:defRPr>
     </a:lvl7pPr>
-    <a:lvl8pPr lvl="7" marR="0" rtl="0" algn="l">
+    <a:lvl8pPr marR="0" lvl="7" algn="l" rtl="0">
       <a:lnSpc>
         <a:spcPct val="100000"/>
       </a:lnSpc>
@@ -212,7 +212,7 @@
         <a:spcPts val="0"/>
       </a:spcAft>
       <a:buNone/>
-      <a:defRPr b="0" i="0" sz="1400" u="none" cap="none" strike="noStrike">
+      <a:defRPr sz="1400" b="0" i="0" u="none" strike="noStrike" cap="none">
         <a:solidFill>
           <a:srgbClr val="000000"/>
         </a:solidFill>
@@ -222,7 +222,7 @@
         <a:sym typeface="Arial"/>
       </a:defRPr>
     </a:lvl8pPr>
-    <a:lvl9pPr lvl="8" marR="0" rtl="0" algn="l">
+    <a:lvl9pPr marR="0" lvl="8" algn="l" rtl="0">
       <a:lnSpc>
         <a:spcPct val="100000"/>
       </a:lnSpc>
@@ -233,7 +233,7 @@
         <a:spcPts val="0"/>
       </a:spcAft>
       <a:buNone/>
-      <a:defRPr b="0" i="0" sz="1400" u="none" cap="none" strike="noStrike">
+      <a:defRPr sz="1400" b="0" i="0" u="none" strike="noStrike" cap="none">
         <a:solidFill>
           <a:srgbClr val="000000"/>
         </a:solidFill>
@@ -248,11 +248,16 @@
 </file>
 
 <file path=ppt/notesMasters/notesMaster1.xml><?xml version="1.0" encoding="utf-8"?>
-<p:notesMaster xmlns:a="http://schemas.openxmlformats.org/drawingml/2006/main" xmlns:r="http://schemas.openxmlformats.org/officeDocument/2006/relationships" xmlns:mc="http://schemas.openxmlformats.org/markup-compatibility/2006" xmlns:mv="urn:schemas-microsoft-com:mac:vml" xmlns:p="http://schemas.openxmlformats.org/presentationml/2006/main" xmlns:c="http://schemas.openxmlformats.org/drawingml/2006/chart" xmlns:dgm="http://schemas.openxmlformats.org/drawingml/2006/diagram" xmlns:o="urn:schemas-microsoft-com:office:office" xmlns:v="urn:schemas-microsoft-com:vml" xmlns:pvml="urn:schemas-microsoft-com:office:powerpoint" xmlns:com="http://schemas.openxmlformats.org/drawingml/2006/compatibility" xmlns:p14="http://schemas.microsoft.com/office/powerpoint/2010/main">
+<p:notesMaster xmlns:a="http://schemas.openxmlformats.org/drawingml/2006/main" xmlns:r="http://schemas.openxmlformats.org/officeDocument/2006/relationships" xmlns:p="http://schemas.openxmlformats.org/presentationml/2006/main">
   <p:cSld>
+    <p:bg>
+      <p:bgRef idx="1001">
+        <a:schemeClr val="bg1"/>
+      </p:bgRef>
+    </p:bg>
     <p:spTree>
       <p:nvGrpSpPr>
-        <p:cNvPr id="2" name="Shape 2"/>
+        <p:cNvPr id="1" name="Shape 2"/>
         <p:cNvGrpSpPr/>
         <p:nvPr/>
       </p:nvGrpSpPr>
@@ -267,9 +272,11 @@
       <p:sp>
         <p:nvSpPr>
           <p:cNvPr id="3" name="Shape 3"/>
-          <p:cNvSpPr/>
+          <p:cNvSpPr>
+            <a:spLocks noGrp="1" noRot="1" noChangeAspect="1"/>
+          </p:cNvSpPr>
           <p:nvPr>
-            <p:ph idx="2" type="sldImg"/>
+            <p:ph type="sldImg" idx="2"/>
           </p:nvPr>
         </p:nvSpPr>
         <p:spPr>
@@ -278,8 +285,13 @@
             <a:ext cx="6096075" cy="3429000"/>
           </a:xfrm>
           <a:custGeom>
+            <a:avLst/>
+            <a:gdLst/>
+            <a:ahLst/>
+            <a:cxnLst/>
+            <a:rect l="0" t="0" r="0" b="0"/>
             <a:pathLst>
-              <a:path extrusionOk="0" h="120000" w="120000">
+              <a:path w="120000" h="120000" extrusionOk="0">
                 <a:moveTo>
                   <a:pt x="0" y="0"/>
                 </a:moveTo>
@@ -297,23 +309,25 @@
             </a:pathLst>
           </a:custGeom>
           <a:noFill/>
-          <a:ln cap="flat" cmpd="sng" w="9525">
+          <a:ln w="9525" cap="flat" cmpd="sng">
             <a:solidFill>
               <a:srgbClr val="000000"/>
             </a:solidFill>
             <a:prstDash val="solid"/>
             <a:round/>
-            <a:headEnd len="med" w="med" type="none"/>
-            <a:tailEnd len="med" w="med" type="none"/>
+            <a:headEnd type="none" w="med" len="med"/>
+            <a:tailEnd type="none" w="med" len="med"/>
           </a:ln>
         </p:spPr>
       </p:sp>
       <p:sp>
         <p:nvSpPr>
           <p:cNvPr id="4" name="Shape 4"/>
-          <p:cNvSpPr txBox="1"/>
+          <p:cNvSpPr txBox="1">
+            <a:spLocks noGrp="1"/>
+          </p:cNvSpPr>
           <p:nvPr>
-            <p:ph idx="1" type="body"/>
+            <p:ph type="body" idx="1"/>
           </p:nvPr>
         </p:nvSpPr>
         <p:spPr>
@@ -330,7 +344,7 @@
           </a:ln>
         </p:spPr>
         <p:txBody>
-          <a:bodyPr anchorCtr="0" anchor="t" bIns="91425" lIns="91425" rIns="91425" tIns="91425"/>
+          <a:bodyPr lIns="91425" tIns="91425" rIns="91425" bIns="91425" anchor="t" anchorCtr="0"/>
           <a:lstStyle>
             <a:lvl1pPr lvl="0">
               <a:spcBef>
@@ -387,21 +401,120 @@
               <a:defRPr sz="1100"/>
             </a:lvl9pPr>
           </a:lstStyle>
-          <a:p/>
+          <a:p>
+            <a:endParaRPr/>
+          </a:p>
         </p:txBody>
       </p:sp>
     </p:spTree>
+    <p:extLst>
+      <p:ext uri="{BB962C8B-B14F-4D97-AF65-F5344CB8AC3E}">
+        <p14:creationId xmlns:p14="http://schemas.microsoft.com/office/powerpoint/2010/main" val="1527326109"/>
+      </p:ext>
+    </p:extLst>
   </p:cSld>
-  <p:clrMap accent1="accent1" accent2="accent2" accent3="accent3" accent4="accent4" accent5="accent5" accent6="accent6" bg1="lt1" bg2="dk2" tx1="dk1" tx2="lt2" folHlink="folHlink" hlink="hlink"/>
+  <p:clrMap bg1="lt1" tx1="dk1" bg2="dk2" tx2="lt2" accent1="accent1" accent2="accent2" accent3="accent3" accent4="accent4" accent5="accent5" accent6="accent6" hlink="hlink" folHlink="folHlink"/>
+  <p:notesStyle>
+    <a:lvl1pPr marL="0" algn="l" defTabSz="914400" rtl="0" eaLnBrk="1" latinLnBrk="0" hangingPunct="1">
+      <a:defRPr sz="1200" kern="1200">
+        <a:solidFill>
+          <a:schemeClr val="tx1"/>
+        </a:solidFill>
+        <a:latin typeface="+mn-lt"/>
+        <a:ea typeface="+mn-ea"/>
+        <a:cs typeface="+mn-cs"/>
+      </a:defRPr>
+    </a:lvl1pPr>
+    <a:lvl2pPr marL="457200" algn="l" defTabSz="914400" rtl="0" eaLnBrk="1" latinLnBrk="0" hangingPunct="1">
+      <a:defRPr sz="1200" kern="1200">
+        <a:solidFill>
+          <a:schemeClr val="tx1"/>
+        </a:solidFill>
+        <a:latin typeface="+mn-lt"/>
+        <a:ea typeface="+mn-ea"/>
+        <a:cs typeface="+mn-cs"/>
+      </a:defRPr>
+    </a:lvl2pPr>
+    <a:lvl3pPr marL="914400" algn="l" defTabSz="914400" rtl="0" eaLnBrk="1" latinLnBrk="0" hangingPunct="1">
+      <a:defRPr sz="1200" kern="1200">
+        <a:solidFill>
+          <a:schemeClr val="tx1"/>
+        </a:solidFill>
+        <a:latin typeface="+mn-lt"/>
+        <a:ea typeface="+mn-ea"/>
+        <a:cs typeface="+mn-cs"/>
+      </a:defRPr>
+    </a:lvl3pPr>
+    <a:lvl4pPr marL="1371600" algn="l" defTabSz="914400" rtl="0" eaLnBrk="1" latinLnBrk="0" hangingPunct="1">
+      <a:defRPr sz="1200" kern="1200">
+        <a:solidFill>
+          <a:schemeClr val="tx1"/>
+        </a:solidFill>
+        <a:latin typeface="+mn-lt"/>
+        <a:ea typeface="+mn-ea"/>
+        <a:cs typeface="+mn-cs"/>
+      </a:defRPr>
+    </a:lvl4pPr>
+    <a:lvl5pPr marL="1828800" algn="l" defTabSz="914400" rtl="0" eaLnBrk="1" latinLnBrk="0" hangingPunct="1">
+      <a:defRPr sz="1200" kern="1200">
+        <a:solidFill>
+          <a:schemeClr val="tx1"/>
+        </a:solidFill>
+        <a:latin typeface="+mn-lt"/>
+        <a:ea typeface="+mn-ea"/>
+        <a:cs typeface="+mn-cs"/>
+      </a:defRPr>
+    </a:lvl5pPr>
+    <a:lvl6pPr marL="2286000" algn="l" defTabSz="914400" rtl="0" eaLnBrk="1" latinLnBrk="0" hangingPunct="1">
+      <a:defRPr sz="1200" kern="1200">
+        <a:solidFill>
+          <a:schemeClr val="tx1"/>
+        </a:solidFill>
+        <a:latin typeface="+mn-lt"/>
+        <a:ea typeface="+mn-ea"/>
+        <a:cs typeface="+mn-cs"/>
+      </a:defRPr>
+    </a:lvl6pPr>
+    <a:lvl7pPr marL="2743200" algn="l" defTabSz="914400" rtl="0" eaLnBrk="1" latinLnBrk="0" hangingPunct="1">
+      <a:defRPr sz="1200" kern="1200">
+        <a:solidFill>
+          <a:schemeClr val="tx1"/>
+        </a:solidFill>
+        <a:latin typeface="+mn-lt"/>
+        <a:ea typeface="+mn-ea"/>
+        <a:cs typeface="+mn-cs"/>
+      </a:defRPr>
+    </a:lvl7pPr>
+    <a:lvl8pPr marL="3200400" algn="l" defTabSz="914400" rtl="0" eaLnBrk="1" latinLnBrk="0" hangingPunct="1">
+      <a:defRPr sz="1200" kern="1200">
+        <a:solidFill>
+          <a:schemeClr val="tx1"/>
+        </a:solidFill>
+        <a:latin typeface="+mn-lt"/>
+        <a:ea typeface="+mn-ea"/>
+        <a:cs typeface="+mn-cs"/>
+      </a:defRPr>
+    </a:lvl8pPr>
+    <a:lvl9pPr marL="3657600" algn="l" defTabSz="914400" rtl="0" eaLnBrk="1" latinLnBrk="0" hangingPunct="1">
+      <a:defRPr sz="1200" kern="1200">
+        <a:solidFill>
+          <a:schemeClr val="tx1"/>
+        </a:solidFill>
+        <a:latin typeface="+mn-lt"/>
+        <a:ea typeface="+mn-ea"/>
+        <a:cs typeface="+mn-cs"/>
+      </a:defRPr>
+    </a:lvl9pPr>
+  </p:notesStyle>
 </p:notesMaster>
 </file>
 
 <file path=ppt/notesSlides/notesSlide1.xml><?xml version="1.0" encoding="utf-8"?>
-<p:notes xmlns:a="http://schemas.openxmlformats.org/drawingml/2006/main" xmlns:r="http://schemas.openxmlformats.org/officeDocument/2006/relationships" xmlns:mc="http://schemas.openxmlformats.org/markup-compatibility/2006" xmlns:mv="urn:schemas-microsoft-com:mac:vml" xmlns:p="http://schemas.openxmlformats.org/presentationml/2006/main" xmlns:c="http://schemas.openxmlformats.org/drawingml/2006/chart" xmlns:dgm="http://schemas.openxmlformats.org/drawingml/2006/diagram" xmlns:o="urn:schemas-microsoft-com:office:office" xmlns:v="urn:schemas-microsoft-com:vml" xmlns:pvml="urn:schemas-microsoft-com:office:powerpoint" xmlns:com="http://schemas.openxmlformats.org/drawingml/2006/compatibility" xmlns:p14="http://schemas.microsoft.com/office/powerpoint/2010/main" showMasterPhAnim="0" showMasterSp="0">
+<p:notes xmlns:a="http://schemas.openxmlformats.org/drawingml/2006/main" xmlns:r="http://schemas.openxmlformats.org/officeDocument/2006/relationships" xmlns:p="http://schemas.openxmlformats.org/presentationml/2006/main" showMasterSp="0" showMasterPhAnim="0">
   <p:cSld>
     <p:spTree>
       <p:nvGrpSpPr>
-        <p:cNvPr id="81" name="Shape 81"/>
+        <p:cNvPr id="1" name="Shape 81"/>
         <p:cNvGrpSpPr/>
         <p:nvPr/>
       </p:nvGrpSpPr>
@@ -416,9 +529,11 @@
       <p:sp>
         <p:nvSpPr>
           <p:cNvPr id="82" name="Shape 82"/>
-          <p:cNvSpPr/>
+          <p:cNvSpPr>
+            <a:spLocks noGrp="1" noRot="1" noChangeAspect="1"/>
+          </p:cNvSpPr>
           <p:nvPr>
-            <p:ph idx="2" type="sldImg"/>
+            <p:ph type="sldImg" idx="2"/>
           </p:nvPr>
         </p:nvSpPr>
         <p:spPr>
@@ -427,8 +542,13 @@
             <a:ext cx="6096075" cy="3429000"/>
           </a:xfrm>
           <a:custGeom>
+            <a:avLst/>
+            <a:gdLst/>
+            <a:ahLst/>
+            <a:cxnLst/>
+            <a:rect l="0" t="0" r="0" b="0"/>
             <a:pathLst>
-              <a:path extrusionOk="0" h="120000" w="120000">
+              <a:path w="120000" h="120000" extrusionOk="0">
                 <a:moveTo>
                   <a:pt x="0" y="0"/>
                 </a:moveTo>
@@ -450,9 +570,11 @@
       <p:sp>
         <p:nvSpPr>
           <p:cNvPr id="83" name="Shape 83"/>
-          <p:cNvSpPr txBox="1"/>
+          <p:cNvSpPr txBox="1">
+            <a:spLocks noGrp="1"/>
+          </p:cNvSpPr>
           <p:nvPr>
-            <p:ph idx="1" type="body"/>
+            <p:ph type="body" idx="1"/>
           </p:nvPr>
         </p:nvSpPr>
         <p:spPr>
@@ -465,7 +587,7 @@
           </a:prstGeom>
         </p:spPr>
         <p:txBody>
-          <a:bodyPr anchorCtr="0" anchor="t" bIns="91425" lIns="91425" rIns="91425" tIns="91425">
+          <a:bodyPr lIns="91425" tIns="91425" rIns="91425" bIns="91425" anchor="t" anchorCtr="0">
             <a:noAutofit/>
           </a:bodyPr>
           <a:lstStyle/>
@@ -476,14 +598,16 @@
               </a:spcBef>
               <a:buNone/>
             </a:pPr>
-            <a:r>
-              <a:t/>
-            </a:r>
             <a:endParaRPr/>
           </a:p>
         </p:txBody>
       </p:sp>
     </p:spTree>
+    <p:extLst>
+      <p:ext uri="{BB962C8B-B14F-4D97-AF65-F5344CB8AC3E}">
+        <p14:creationId xmlns:p14="http://schemas.microsoft.com/office/powerpoint/2010/main" val="3033333874"/>
+      </p:ext>
+    </p:extLst>
   </p:cSld>
   <p:clrMapOvr>
     <a:masterClrMapping/>
@@ -492,11 +616,11 @@
 </file>
 
 <file path=ppt/notesSlides/notesSlide10.xml><?xml version="1.0" encoding="utf-8"?>
-<p:notes xmlns:a="http://schemas.openxmlformats.org/drawingml/2006/main" xmlns:r="http://schemas.openxmlformats.org/officeDocument/2006/relationships" xmlns:mc="http://schemas.openxmlformats.org/markup-compatibility/2006" xmlns:mv="urn:schemas-microsoft-com:mac:vml" xmlns:p="http://schemas.openxmlformats.org/presentationml/2006/main" xmlns:c="http://schemas.openxmlformats.org/drawingml/2006/chart" xmlns:dgm="http://schemas.openxmlformats.org/drawingml/2006/diagram" xmlns:o="urn:schemas-microsoft-com:office:office" xmlns:v="urn:schemas-microsoft-com:vml" xmlns:pvml="urn:schemas-microsoft-com:office:powerpoint" xmlns:com="http://schemas.openxmlformats.org/drawingml/2006/compatibility" xmlns:p14="http://schemas.microsoft.com/office/powerpoint/2010/main" showMasterPhAnim="0" showMasterSp="0">
+<p:notes xmlns:a="http://schemas.openxmlformats.org/drawingml/2006/main" xmlns:r="http://schemas.openxmlformats.org/officeDocument/2006/relationships" xmlns:p="http://schemas.openxmlformats.org/presentationml/2006/main" showMasterSp="0" showMasterPhAnim="0">
   <p:cSld>
     <p:spTree>
       <p:nvGrpSpPr>
-        <p:cNvPr id="140" name="Shape 140"/>
+        <p:cNvPr id="1" name="Shape 140"/>
         <p:cNvGrpSpPr/>
         <p:nvPr/>
       </p:nvGrpSpPr>
@@ -511,9 +635,11 @@
       <p:sp>
         <p:nvSpPr>
           <p:cNvPr id="141" name="Shape 141"/>
-          <p:cNvSpPr/>
+          <p:cNvSpPr>
+            <a:spLocks noGrp="1" noRot="1" noChangeAspect="1"/>
+          </p:cNvSpPr>
           <p:nvPr>
-            <p:ph idx="2" type="sldImg"/>
+            <p:ph type="sldImg" idx="2"/>
           </p:nvPr>
         </p:nvSpPr>
         <p:spPr>
@@ -522,8 +648,13 @@
             <a:ext cx="6096000" cy="3429000"/>
           </a:xfrm>
           <a:custGeom>
+            <a:avLst/>
+            <a:gdLst/>
+            <a:ahLst/>
+            <a:cxnLst/>
+            <a:rect l="0" t="0" r="0" b="0"/>
             <a:pathLst>
-              <a:path extrusionOk="0" h="120000" w="120000">
+              <a:path w="120000" h="120000" extrusionOk="0">
                 <a:moveTo>
                   <a:pt x="0" y="0"/>
                 </a:moveTo>
@@ -545,9 +676,11 @@
       <p:sp>
         <p:nvSpPr>
           <p:cNvPr id="142" name="Shape 142"/>
-          <p:cNvSpPr txBox="1"/>
+          <p:cNvSpPr txBox="1">
+            <a:spLocks noGrp="1"/>
+          </p:cNvSpPr>
           <p:nvPr>
-            <p:ph idx="1" type="body"/>
+            <p:ph type="body" idx="1"/>
           </p:nvPr>
         </p:nvSpPr>
         <p:spPr>
@@ -560,7 +693,7 @@
           </a:prstGeom>
         </p:spPr>
         <p:txBody>
-          <a:bodyPr anchorCtr="0" anchor="t" bIns="91425" lIns="91425" rIns="91425" tIns="91425">
+          <a:bodyPr lIns="91425" tIns="91425" rIns="91425" bIns="91425" anchor="t" anchorCtr="0">
             <a:noAutofit/>
           </a:bodyPr>
           <a:lstStyle/>
@@ -571,14 +704,16 @@
               </a:spcBef>
               <a:buNone/>
             </a:pPr>
-            <a:r>
-              <a:t/>
-            </a:r>
             <a:endParaRPr/>
           </a:p>
         </p:txBody>
       </p:sp>
     </p:spTree>
+    <p:extLst>
+      <p:ext uri="{BB962C8B-B14F-4D97-AF65-F5344CB8AC3E}">
+        <p14:creationId xmlns:p14="http://schemas.microsoft.com/office/powerpoint/2010/main" val="2596589956"/>
+      </p:ext>
+    </p:extLst>
   </p:cSld>
   <p:clrMapOvr>
     <a:masterClrMapping/>
@@ -587,11 +722,11 @@
 </file>
 
 <file path=ppt/notesSlides/notesSlide11.xml><?xml version="1.0" encoding="utf-8"?>
-<p:notes xmlns:a="http://schemas.openxmlformats.org/drawingml/2006/main" xmlns:r="http://schemas.openxmlformats.org/officeDocument/2006/relationships" xmlns:mc="http://schemas.openxmlformats.org/markup-compatibility/2006" xmlns:mv="urn:schemas-microsoft-com:mac:vml" xmlns:p="http://schemas.openxmlformats.org/presentationml/2006/main" xmlns:c="http://schemas.openxmlformats.org/drawingml/2006/chart" xmlns:dgm="http://schemas.openxmlformats.org/drawingml/2006/diagram" xmlns:o="urn:schemas-microsoft-com:office:office" xmlns:v="urn:schemas-microsoft-com:vml" xmlns:pvml="urn:schemas-microsoft-com:office:powerpoint" xmlns:com="http://schemas.openxmlformats.org/drawingml/2006/compatibility" xmlns:p14="http://schemas.microsoft.com/office/powerpoint/2010/main" showMasterPhAnim="0" showMasterSp="0">
+<p:notes xmlns:a="http://schemas.openxmlformats.org/drawingml/2006/main" xmlns:r="http://schemas.openxmlformats.org/officeDocument/2006/relationships" xmlns:p="http://schemas.openxmlformats.org/presentationml/2006/main" showMasterSp="0" showMasterPhAnim="0">
   <p:cSld>
     <p:spTree>
       <p:nvGrpSpPr>
-        <p:cNvPr id="146" name="Shape 146"/>
+        <p:cNvPr id="1" name="Shape 146"/>
         <p:cNvGrpSpPr/>
         <p:nvPr/>
       </p:nvGrpSpPr>
@@ -606,9 +741,11 @@
       <p:sp>
         <p:nvSpPr>
           <p:cNvPr id="147" name="Shape 147"/>
-          <p:cNvSpPr/>
+          <p:cNvSpPr>
+            <a:spLocks noGrp="1" noRot="1" noChangeAspect="1"/>
+          </p:cNvSpPr>
           <p:nvPr>
-            <p:ph idx="2" type="sldImg"/>
+            <p:ph type="sldImg" idx="2"/>
           </p:nvPr>
         </p:nvSpPr>
         <p:spPr>
@@ -617,8 +754,13 @@
             <a:ext cx="6096000" cy="3429000"/>
           </a:xfrm>
           <a:custGeom>
+            <a:avLst/>
+            <a:gdLst/>
+            <a:ahLst/>
+            <a:cxnLst/>
+            <a:rect l="0" t="0" r="0" b="0"/>
             <a:pathLst>
-              <a:path extrusionOk="0" h="120000" w="120000">
+              <a:path w="120000" h="120000" extrusionOk="0">
                 <a:moveTo>
                   <a:pt x="0" y="0"/>
                 </a:moveTo>
@@ -640,9 +782,11 @@
       <p:sp>
         <p:nvSpPr>
           <p:cNvPr id="148" name="Shape 148"/>
-          <p:cNvSpPr txBox="1"/>
+          <p:cNvSpPr txBox="1">
+            <a:spLocks noGrp="1"/>
+          </p:cNvSpPr>
           <p:nvPr>
-            <p:ph idx="1" type="body"/>
+            <p:ph type="body" idx="1"/>
           </p:nvPr>
         </p:nvSpPr>
         <p:spPr>
@@ -655,7 +799,7 @@
           </a:prstGeom>
         </p:spPr>
         <p:txBody>
-          <a:bodyPr anchorCtr="0" anchor="t" bIns="91425" lIns="91425" rIns="91425" tIns="91425">
+          <a:bodyPr lIns="91425" tIns="91425" rIns="91425" bIns="91425" anchor="t" anchorCtr="0">
             <a:noAutofit/>
           </a:bodyPr>
           <a:lstStyle/>
@@ -666,14 +810,16 @@
               </a:spcBef>
               <a:buNone/>
             </a:pPr>
-            <a:r>
-              <a:t/>
-            </a:r>
             <a:endParaRPr/>
           </a:p>
         </p:txBody>
       </p:sp>
     </p:spTree>
+    <p:extLst>
+      <p:ext uri="{BB962C8B-B14F-4D97-AF65-F5344CB8AC3E}">
+        <p14:creationId xmlns:p14="http://schemas.microsoft.com/office/powerpoint/2010/main" val="898202663"/>
+      </p:ext>
+    </p:extLst>
   </p:cSld>
   <p:clrMapOvr>
     <a:masterClrMapping/>
@@ -682,11 +828,11 @@
 </file>
 
 <file path=ppt/notesSlides/notesSlide12.xml><?xml version="1.0" encoding="utf-8"?>
-<p:notes xmlns:a="http://schemas.openxmlformats.org/drawingml/2006/main" xmlns:r="http://schemas.openxmlformats.org/officeDocument/2006/relationships" xmlns:mc="http://schemas.openxmlformats.org/markup-compatibility/2006" xmlns:mv="urn:schemas-microsoft-com:mac:vml" xmlns:p="http://schemas.openxmlformats.org/presentationml/2006/main" xmlns:c="http://schemas.openxmlformats.org/drawingml/2006/chart" xmlns:dgm="http://schemas.openxmlformats.org/drawingml/2006/diagram" xmlns:o="urn:schemas-microsoft-com:office:office" xmlns:v="urn:schemas-microsoft-com:vml" xmlns:pvml="urn:schemas-microsoft-com:office:powerpoint" xmlns:com="http://schemas.openxmlformats.org/drawingml/2006/compatibility" xmlns:p14="http://schemas.microsoft.com/office/powerpoint/2010/main" showMasterPhAnim="0" showMasterSp="0">
+<p:notes xmlns:a="http://schemas.openxmlformats.org/drawingml/2006/main" xmlns:r="http://schemas.openxmlformats.org/officeDocument/2006/relationships" xmlns:p="http://schemas.openxmlformats.org/presentationml/2006/main" showMasterSp="0" showMasterPhAnim="0">
   <p:cSld>
     <p:spTree>
       <p:nvGrpSpPr>
-        <p:cNvPr id="153" name="Shape 153"/>
+        <p:cNvPr id="1" name="Shape 153"/>
         <p:cNvGrpSpPr/>
         <p:nvPr/>
       </p:nvGrpSpPr>
@@ -701,19 +847,26 @@
       <p:sp>
         <p:nvSpPr>
           <p:cNvPr id="154" name="Shape 154"/>
-          <p:cNvSpPr/>
+          <p:cNvSpPr>
+            <a:spLocks noGrp="1" noRot="1" noChangeAspect="1"/>
+          </p:cNvSpPr>
           <p:nvPr>
-            <p:ph idx="2" type="sldImg"/>
+            <p:ph type="sldImg" idx="2"/>
           </p:nvPr>
         </p:nvSpPr>
         <p:spPr>
           <a:xfrm>
-            <a:off x="381300" y="685800"/>
+            <a:off x="381000" y="685800"/>
             <a:ext cx="6096000" cy="3429000"/>
           </a:xfrm>
           <a:custGeom>
+            <a:avLst/>
+            <a:gdLst/>
+            <a:ahLst/>
+            <a:cxnLst/>
+            <a:rect l="0" t="0" r="0" b="0"/>
             <a:pathLst>
-              <a:path extrusionOk="0" h="120000" w="120000">
+              <a:path w="120000" h="120000" extrusionOk="0">
                 <a:moveTo>
                   <a:pt x="0" y="0"/>
                 </a:moveTo>
@@ -735,9 +888,11 @@
       <p:sp>
         <p:nvSpPr>
           <p:cNvPr id="155" name="Shape 155"/>
-          <p:cNvSpPr txBox="1"/>
+          <p:cNvSpPr txBox="1">
+            <a:spLocks noGrp="1"/>
+          </p:cNvSpPr>
           <p:nvPr>
-            <p:ph idx="1" type="body"/>
+            <p:ph type="body" idx="1"/>
           </p:nvPr>
         </p:nvSpPr>
         <p:spPr>
@@ -750,7 +905,7 @@
           </a:prstGeom>
         </p:spPr>
         <p:txBody>
-          <a:bodyPr anchorCtr="0" anchor="t" bIns="91425" lIns="91425" rIns="91425" tIns="91425">
+          <a:bodyPr lIns="91425" tIns="91425" rIns="91425" bIns="91425" anchor="t" anchorCtr="0">
             <a:noAutofit/>
           </a:bodyPr>
           <a:lstStyle/>
@@ -761,14 +916,16 @@
               </a:spcBef>
               <a:buNone/>
             </a:pPr>
-            <a:r>
-              <a:t/>
-            </a:r>
             <a:endParaRPr/>
           </a:p>
         </p:txBody>
       </p:sp>
     </p:spTree>
+    <p:extLst>
+      <p:ext uri="{BB962C8B-B14F-4D97-AF65-F5344CB8AC3E}">
+        <p14:creationId xmlns:p14="http://schemas.microsoft.com/office/powerpoint/2010/main" val="281657839"/>
+      </p:ext>
+    </p:extLst>
   </p:cSld>
   <p:clrMapOvr>
     <a:masterClrMapping/>
@@ -777,11 +934,11 @@
 </file>
 
 <file path=ppt/notesSlides/notesSlide13.xml><?xml version="1.0" encoding="utf-8"?>
-<p:notes xmlns:a="http://schemas.openxmlformats.org/drawingml/2006/main" xmlns:r="http://schemas.openxmlformats.org/officeDocument/2006/relationships" xmlns:mc="http://schemas.openxmlformats.org/markup-compatibility/2006" xmlns:mv="urn:schemas-microsoft-com:mac:vml" xmlns:p="http://schemas.openxmlformats.org/presentationml/2006/main" xmlns:c="http://schemas.openxmlformats.org/drawingml/2006/chart" xmlns:dgm="http://schemas.openxmlformats.org/drawingml/2006/diagram" xmlns:o="urn:schemas-microsoft-com:office:office" xmlns:v="urn:schemas-microsoft-com:vml" xmlns:pvml="urn:schemas-microsoft-com:office:powerpoint" xmlns:com="http://schemas.openxmlformats.org/drawingml/2006/compatibility" xmlns:p14="http://schemas.microsoft.com/office/powerpoint/2010/main" showMasterPhAnim="0" showMasterSp="0">
+<p:notes xmlns:a="http://schemas.openxmlformats.org/drawingml/2006/main" xmlns:r="http://schemas.openxmlformats.org/officeDocument/2006/relationships" xmlns:p="http://schemas.openxmlformats.org/presentationml/2006/main" showMasterSp="0" showMasterPhAnim="0">
   <p:cSld>
     <p:spTree>
       <p:nvGrpSpPr>
-        <p:cNvPr id="159" name="Shape 159"/>
+        <p:cNvPr id="1" name="Shape 159"/>
         <p:cNvGrpSpPr/>
         <p:nvPr/>
       </p:nvGrpSpPr>
@@ -796,9 +953,11 @@
       <p:sp>
         <p:nvSpPr>
           <p:cNvPr id="160" name="Shape 160"/>
-          <p:cNvSpPr/>
+          <p:cNvSpPr>
+            <a:spLocks noGrp="1" noRot="1" noChangeAspect="1"/>
+          </p:cNvSpPr>
           <p:nvPr>
-            <p:ph idx="2" type="sldImg"/>
+            <p:ph type="sldImg" idx="2"/>
           </p:nvPr>
         </p:nvSpPr>
         <p:spPr>
@@ -807,8 +966,13 @@
             <a:ext cx="6096000" cy="3429000"/>
           </a:xfrm>
           <a:custGeom>
+            <a:avLst/>
+            <a:gdLst/>
+            <a:ahLst/>
+            <a:cxnLst/>
+            <a:rect l="0" t="0" r="0" b="0"/>
             <a:pathLst>
-              <a:path extrusionOk="0" h="120000" w="120000">
+              <a:path w="120000" h="120000" extrusionOk="0">
                 <a:moveTo>
                   <a:pt x="0" y="0"/>
                 </a:moveTo>
@@ -830,9 +994,11 @@
       <p:sp>
         <p:nvSpPr>
           <p:cNvPr id="161" name="Shape 161"/>
-          <p:cNvSpPr txBox="1"/>
+          <p:cNvSpPr txBox="1">
+            <a:spLocks noGrp="1"/>
+          </p:cNvSpPr>
           <p:nvPr>
-            <p:ph idx="1" type="body"/>
+            <p:ph type="body" idx="1"/>
           </p:nvPr>
         </p:nvSpPr>
         <p:spPr>
@@ -845,7 +1011,7 @@
           </a:prstGeom>
         </p:spPr>
         <p:txBody>
-          <a:bodyPr anchorCtr="0" anchor="t" bIns="91425" lIns="91425" rIns="91425" tIns="91425">
+          <a:bodyPr lIns="91425" tIns="91425" rIns="91425" bIns="91425" anchor="t" anchorCtr="0">
             <a:noAutofit/>
           </a:bodyPr>
           <a:lstStyle/>
@@ -856,14 +1022,16 @@
               </a:spcBef>
               <a:buNone/>
             </a:pPr>
-            <a:r>
-              <a:t/>
-            </a:r>
             <a:endParaRPr/>
           </a:p>
         </p:txBody>
       </p:sp>
     </p:spTree>
+    <p:extLst>
+      <p:ext uri="{BB962C8B-B14F-4D97-AF65-F5344CB8AC3E}">
+        <p14:creationId xmlns:p14="http://schemas.microsoft.com/office/powerpoint/2010/main" val="1386860270"/>
+      </p:ext>
+    </p:extLst>
   </p:cSld>
   <p:clrMapOvr>
     <a:masterClrMapping/>
@@ -872,11 +1040,11 @@
 </file>
 
 <file path=ppt/notesSlides/notesSlide14.xml><?xml version="1.0" encoding="utf-8"?>
-<p:notes xmlns:a="http://schemas.openxmlformats.org/drawingml/2006/main" xmlns:r="http://schemas.openxmlformats.org/officeDocument/2006/relationships" xmlns:mc="http://schemas.openxmlformats.org/markup-compatibility/2006" xmlns:mv="urn:schemas-microsoft-com:mac:vml" xmlns:p="http://schemas.openxmlformats.org/presentationml/2006/main" xmlns:c="http://schemas.openxmlformats.org/drawingml/2006/chart" xmlns:dgm="http://schemas.openxmlformats.org/drawingml/2006/diagram" xmlns:o="urn:schemas-microsoft-com:office:office" xmlns:v="urn:schemas-microsoft-com:vml" xmlns:pvml="urn:schemas-microsoft-com:office:powerpoint" xmlns:com="http://schemas.openxmlformats.org/drawingml/2006/compatibility" xmlns:p14="http://schemas.microsoft.com/office/powerpoint/2010/main" showMasterPhAnim="0" showMasterSp="0">
+<p:notes xmlns:a="http://schemas.openxmlformats.org/drawingml/2006/main" xmlns:r="http://schemas.openxmlformats.org/officeDocument/2006/relationships" xmlns:p="http://schemas.openxmlformats.org/presentationml/2006/main" showMasterSp="0" showMasterPhAnim="0">
   <p:cSld>
     <p:spTree>
       <p:nvGrpSpPr>
-        <p:cNvPr id="165" name="Shape 165"/>
+        <p:cNvPr id="1" name="Shape 165"/>
         <p:cNvGrpSpPr/>
         <p:nvPr/>
       </p:nvGrpSpPr>
@@ -891,9 +1059,11 @@
       <p:sp>
         <p:nvSpPr>
           <p:cNvPr id="166" name="Shape 166"/>
-          <p:cNvSpPr/>
+          <p:cNvSpPr>
+            <a:spLocks noGrp="1" noRot="1" noChangeAspect="1"/>
+          </p:cNvSpPr>
           <p:nvPr>
-            <p:ph idx="2" type="sldImg"/>
+            <p:ph type="sldImg" idx="2"/>
           </p:nvPr>
         </p:nvSpPr>
         <p:spPr>
@@ -902,8 +1072,13 @@
             <a:ext cx="6096000" cy="3429000"/>
           </a:xfrm>
           <a:custGeom>
+            <a:avLst/>
+            <a:gdLst/>
+            <a:ahLst/>
+            <a:cxnLst/>
+            <a:rect l="0" t="0" r="0" b="0"/>
             <a:pathLst>
-              <a:path extrusionOk="0" h="120000" w="120000">
+              <a:path w="120000" h="120000" extrusionOk="0">
                 <a:moveTo>
                   <a:pt x="0" y="0"/>
                 </a:moveTo>
@@ -925,9 +1100,11 @@
       <p:sp>
         <p:nvSpPr>
           <p:cNvPr id="167" name="Shape 167"/>
-          <p:cNvSpPr txBox="1"/>
+          <p:cNvSpPr txBox="1">
+            <a:spLocks noGrp="1"/>
+          </p:cNvSpPr>
           <p:nvPr>
-            <p:ph idx="1" type="body"/>
+            <p:ph type="body" idx="1"/>
           </p:nvPr>
         </p:nvSpPr>
         <p:spPr>
@@ -940,7 +1117,7 @@
           </a:prstGeom>
         </p:spPr>
         <p:txBody>
-          <a:bodyPr anchorCtr="0" anchor="t" bIns="91425" lIns="91425" rIns="91425" tIns="91425">
+          <a:bodyPr lIns="91425" tIns="91425" rIns="91425" bIns="91425" anchor="t" anchorCtr="0">
             <a:noAutofit/>
           </a:bodyPr>
           <a:lstStyle/>
@@ -951,14 +1128,16 @@
               </a:spcBef>
               <a:buNone/>
             </a:pPr>
-            <a:r>
-              <a:t/>
-            </a:r>
             <a:endParaRPr/>
           </a:p>
         </p:txBody>
       </p:sp>
     </p:spTree>
+    <p:extLst>
+      <p:ext uri="{BB962C8B-B14F-4D97-AF65-F5344CB8AC3E}">
+        <p14:creationId xmlns:p14="http://schemas.microsoft.com/office/powerpoint/2010/main" val="49911963"/>
+      </p:ext>
+    </p:extLst>
   </p:cSld>
   <p:clrMapOvr>
     <a:masterClrMapping/>
@@ -967,11 +1146,11 @@
 </file>
 
 <file path=ppt/notesSlides/notesSlide15.xml><?xml version="1.0" encoding="utf-8"?>
-<p:notes xmlns:a="http://schemas.openxmlformats.org/drawingml/2006/main" xmlns:r="http://schemas.openxmlformats.org/officeDocument/2006/relationships" xmlns:mc="http://schemas.openxmlformats.org/markup-compatibility/2006" xmlns:mv="urn:schemas-microsoft-com:mac:vml" xmlns:p="http://schemas.openxmlformats.org/presentationml/2006/main" xmlns:c="http://schemas.openxmlformats.org/drawingml/2006/chart" xmlns:dgm="http://schemas.openxmlformats.org/drawingml/2006/diagram" xmlns:o="urn:schemas-microsoft-com:office:office" xmlns:v="urn:schemas-microsoft-com:vml" xmlns:pvml="urn:schemas-microsoft-com:office:powerpoint" xmlns:com="http://schemas.openxmlformats.org/drawingml/2006/compatibility" xmlns:p14="http://schemas.microsoft.com/office/powerpoint/2010/main" showMasterPhAnim="0" showMasterSp="0">
+<p:notes xmlns:a="http://schemas.openxmlformats.org/drawingml/2006/main" xmlns:r="http://schemas.openxmlformats.org/officeDocument/2006/relationships" xmlns:p="http://schemas.openxmlformats.org/presentationml/2006/main" showMasterSp="0" showMasterPhAnim="0">
   <p:cSld>
     <p:spTree>
       <p:nvGrpSpPr>
-        <p:cNvPr id="171" name="Shape 171"/>
+        <p:cNvPr id="1" name="Shape 171"/>
         <p:cNvGrpSpPr/>
         <p:nvPr/>
       </p:nvGrpSpPr>
@@ -986,9 +1165,11 @@
       <p:sp>
         <p:nvSpPr>
           <p:cNvPr id="172" name="Shape 172"/>
-          <p:cNvSpPr/>
+          <p:cNvSpPr>
+            <a:spLocks noGrp="1" noRot="1" noChangeAspect="1"/>
+          </p:cNvSpPr>
           <p:nvPr>
-            <p:ph idx="2" type="sldImg"/>
+            <p:ph type="sldImg" idx="2"/>
           </p:nvPr>
         </p:nvSpPr>
         <p:spPr>
@@ -997,8 +1178,13 @@
             <a:ext cx="6096000" cy="3429000"/>
           </a:xfrm>
           <a:custGeom>
+            <a:avLst/>
+            <a:gdLst/>
+            <a:ahLst/>
+            <a:cxnLst/>
+            <a:rect l="0" t="0" r="0" b="0"/>
             <a:pathLst>
-              <a:path extrusionOk="0" h="120000" w="120000">
+              <a:path w="120000" h="120000" extrusionOk="0">
                 <a:moveTo>
                   <a:pt x="0" y="0"/>
                 </a:moveTo>
@@ -1020,9 +1206,11 @@
       <p:sp>
         <p:nvSpPr>
           <p:cNvPr id="173" name="Shape 173"/>
-          <p:cNvSpPr txBox="1"/>
+          <p:cNvSpPr txBox="1">
+            <a:spLocks noGrp="1"/>
+          </p:cNvSpPr>
           <p:nvPr>
-            <p:ph idx="1" type="body"/>
+            <p:ph type="body" idx="1"/>
           </p:nvPr>
         </p:nvSpPr>
         <p:spPr>
@@ -1035,7 +1223,7 @@
           </a:prstGeom>
         </p:spPr>
         <p:txBody>
-          <a:bodyPr anchorCtr="0" anchor="t" bIns="91425" lIns="91425" rIns="91425" tIns="91425">
+          <a:bodyPr lIns="91425" tIns="91425" rIns="91425" bIns="91425" anchor="t" anchorCtr="0">
             <a:noAutofit/>
           </a:bodyPr>
           <a:lstStyle/>
@@ -1046,14 +1234,16 @@
               </a:spcBef>
               <a:buNone/>
             </a:pPr>
-            <a:r>
-              <a:t/>
-            </a:r>
             <a:endParaRPr/>
           </a:p>
         </p:txBody>
       </p:sp>
     </p:spTree>
+    <p:extLst>
+      <p:ext uri="{BB962C8B-B14F-4D97-AF65-F5344CB8AC3E}">
+        <p14:creationId xmlns:p14="http://schemas.microsoft.com/office/powerpoint/2010/main" val="794741085"/>
+      </p:ext>
+    </p:extLst>
   </p:cSld>
   <p:clrMapOvr>
     <a:masterClrMapping/>
@@ -1062,11 +1252,11 @@
 </file>
 
 <file path=ppt/notesSlides/notesSlide16.xml><?xml version="1.0" encoding="utf-8"?>
-<p:notes xmlns:a="http://schemas.openxmlformats.org/drawingml/2006/main" xmlns:r="http://schemas.openxmlformats.org/officeDocument/2006/relationships" xmlns:mc="http://schemas.openxmlformats.org/markup-compatibility/2006" xmlns:mv="urn:schemas-microsoft-com:mac:vml" xmlns:p="http://schemas.openxmlformats.org/presentationml/2006/main" xmlns:c="http://schemas.openxmlformats.org/drawingml/2006/chart" xmlns:dgm="http://schemas.openxmlformats.org/drawingml/2006/diagram" xmlns:o="urn:schemas-microsoft-com:office:office" xmlns:v="urn:schemas-microsoft-com:vml" xmlns:pvml="urn:schemas-microsoft-com:office:powerpoint" xmlns:com="http://schemas.openxmlformats.org/drawingml/2006/compatibility" xmlns:p14="http://schemas.microsoft.com/office/powerpoint/2010/main" showMasterPhAnim="0" showMasterSp="0">
+<p:notes xmlns:a="http://schemas.openxmlformats.org/drawingml/2006/main" xmlns:r="http://schemas.openxmlformats.org/officeDocument/2006/relationships" xmlns:p="http://schemas.openxmlformats.org/presentationml/2006/main" showMasterSp="0" showMasterPhAnim="0">
   <p:cSld>
     <p:spTree>
       <p:nvGrpSpPr>
-        <p:cNvPr id="177" name="Shape 177"/>
+        <p:cNvPr id="1" name="Shape 177"/>
         <p:cNvGrpSpPr/>
         <p:nvPr/>
       </p:nvGrpSpPr>
@@ -1081,9 +1271,11 @@
       <p:sp>
         <p:nvSpPr>
           <p:cNvPr id="178" name="Shape 178"/>
-          <p:cNvSpPr/>
+          <p:cNvSpPr>
+            <a:spLocks noGrp="1" noRot="1" noChangeAspect="1"/>
+          </p:cNvSpPr>
           <p:nvPr>
-            <p:ph idx="2" type="sldImg"/>
+            <p:ph type="sldImg" idx="2"/>
           </p:nvPr>
         </p:nvSpPr>
         <p:spPr>
@@ -1092,8 +1284,13 @@
             <a:ext cx="6096000" cy="3429000"/>
           </a:xfrm>
           <a:custGeom>
+            <a:avLst/>
+            <a:gdLst/>
+            <a:ahLst/>
+            <a:cxnLst/>
+            <a:rect l="0" t="0" r="0" b="0"/>
             <a:pathLst>
-              <a:path extrusionOk="0" h="120000" w="120000">
+              <a:path w="120000" h="120000" extrusionOk="0">
                 <a:moveTo>
                   <a:pt x="0" y="0"/>
                 </a:moveTo>
@@ -1115,9 +1312,11 @@
       <p:sp>
         <p:nvSpPr>
           <p:cNvPr id="179" name="Shape 179"/>
-          <p:cNvSpPr txBox="1"/>
+          <p:cNvSpPr txBox="1">
+            <a:spLocks noGrp="1"/>
+          </p:cNvSpPr>
           <p:nvPr>
-            <p:ph idx="1" type="body"/>
+            <p:ph type="body" idx="1"/>
           </p:nvPr>
         </p:nvSpPr>
         <p:spPr>
@@ -1130,7 +1329,7 @@
           </a:prstGeom>
         </p:spPr>
         <p:txBody>
-          <a:bodyPr anchorCtr="0" anchor="t" bIns="91425" lIns="91425" rIns="91425" tIns="91425">
+          <a:bodyPr lIns="91425" tIns="91425" rIns="91425" bIns="91425" anchor="t" anchorCtr="0">
             <a:noAutofit/>
           </a:bodyPr>
           <a:lstStyle/>
@@ -1141,14 +1340,16 @@
               </a:spcBef>
               <a:buNone/>
             </a:pPr>
-            <a:r>
-              <a:t/>
-            </a:r>
             <a:endParaRPr/>
           </a:p>
         </p:txBody>
       </p:sp>
     </p:spTree>
+    <p:extLst>
+      <p:ext uri="{BB962C8B-B14F-4D97-AF65-F5344CB8AC3E}">
+        <p14:creationId xmlns:p14="http://schemas.microsoft.com/office/powerpoint/2010/main" val="3844715451"/>
+      </p:ext>
+    </p:extLst>
   </p:cSld>
   <p:clrMapOvr>
     <a:masterClrMapping/>
@@ -1157,11 +1358,11 @@
 </file>
 
 <file path=ppt/notesSlides/notesSlide17.xml><?xml version="1.0" encoding="utf-8"?>
-<p:notes xmlns:a="http://schemas.openxmlformats.org/drawingml/2006/main" xmlns:r="http://schemas.openxmlformats.org/officeDocument/2006/relationships" xmlns:mc="http://schemas.openxmlformats.org/markup-compatibility/2006" xmlns:mv="urn:schemas-microsoft-com:mac:vml" xmlns:p="http://schemas.openxmlformats.org/presentationml/2006/main" xmlns:c="http://schemas.openxmlformats.org/drawingml/2006/chart" xmlns:dgm="http://schemas.openxmlformats.org/drawingml/2006/diagram" xmlns:o="urn:schemas-microsoft-com:office:office" xmlns:v="urn:schemas-microsoft-com:vml" xmlns:pvml="urn:schemas-microsoft-com:office:powerpoint" xmlns:com="http://schemas.openxmlformats.org/drawingml/2006/compatibility" xmlns:p14="http://schemas.microsoft.com/office/powerpoint/2010/main" showMasterPhAnim="0" showMasterSp="0">
+<p:notes xmlns:a="http://schemas.openxmlformats.org/drawingml/2006/main" xmlns:r="http://schemas.openxmlformats.org/officeDocument/2006/relationships" xmlns:p="http://schemas.openxmlformats.org/presentationml/2006/main" showMasterSp="0" showMasterPhAnim="0">
   <p:cSld>
     <p:spTree>
       <p:nvGrpSpPr>
-        <p:cNvPr id="185" name="Shape 185"/>
+        <p:cNvPr id="1" name="Shape 185"/>
         <p:cNvGrpSpPr/>
         <p:nvPr/>
       </p:nvGrpSpPr>
@@ -1176,9 +1377,11 @@
       <p:sp>
         <p:nvSpPr>
           <p:cNvPr id="186" name="Shape 186"/>
-          <p:cNvSpPr/>
+          <p:cNvSpPr>
+            <a:spLocks noGrp="1" noRot="1" noChangeAspect="1"/>
+          </p:cNvSpPr>
           <p:nvPr>
-            <p:ph idx="2" type="sldImg"/>
+            <p:ph type="sldImg" idx="2"/>
           </p:nvPr>
         </p:nvSpPr>
         <p:spPr>
@@ -1187,8 +1390,13 @@
             <a:ext cx="6096000" cy="3429000"/>
           </a:xfrm>
           <a:custGeom>
+            <a:avLst/>
+            <a:gdLst/>
+            <a:ahLst/>
+            <a:cxnLst/>
+            <a:rect l="0" t="0" r="0" b="0"/>
             <a:pathLst>
-              <a:path extrusionOk="0" h="120000" w="120000">
+              <a:path w="120000" h="120000" extrusionOk="0">
                 <a:moveTo>
                   <a:pt x="0" y="0"/>
                 </a:moveTo>
@@ -1210,9 +1418,11 @@
       <p:sp>
         <p:nvSpPr>
           <p:cNvPr id="187" name="Shape 187"/>
-          <p:cNvSpPr txBox="1"/>
+          <p:cNvSpPr txBox="1">
+            <a:spLocks noGrp="1"/>
+          </p:cNvSpPr>
           <p:nvPr>
-            <p:ph idx="1" type="body"/>
+            <p:ph type="body" idx="1"/>
           </p:nvPr>
         </p:nvSpPr>
         <p:spPr>
@@ -1225,7 +1435,7 @@
           </a:prstGeom>
         </p:spPr>
         <p:txBody>
-          <a:bodyPr anchorCtr="0" anchor="t" bIns="91425" lIns="91425" rIns="91425" tIns="91425">
+          <a:bodyPr lIns="91425" tIns="91425" rIns="91425" bIns="91425" anchor="t" anchorCtr="0">
             <a:noAutofit/>
           </a:bodyPr>
           <a:lstStyle/>
@@ -1236,14 +1446,16 @@
               </a:spcBef>
               <a:buNone/>
             </a:pPr>
-            <a:r>
-              <a:t/>
-            </a:r>
             <a:endParaRPr/>
           </a:p>
         </p:txBody>
       </p:sp>
     </p:spTree>
+    <p:extLst>
+      <p:ext uri="{BB962C8B-B14F-4D97-AF65-F5344CB8AC3E}">
+        <p14:creationId xmlns:p14="http://schemas.microsoft.com/office/powerpoint/2010/main" val="2234714685"/>
+      </p:ext>
+    </p:extLst>
   </p:cSld>
   <p:clrMapOvr>
     <a:masterClrMapping/>
@@ -1252,11 +1464,11 @@
 </file>
 
 <file path=ppt/notesSlides/notesSlide18.xml><?xml version="1.0" encoding="utf-8"?>
-<p:notes xmlns:a="http://schemas.openxmlformats.org/drawingml/2006/main" xmlns:r="http://schemas.openxmlformats.org/officeDocument/2006/relationships" xmlns:mc="http://schemas.openxmlformats.org/markup-compatibility/2006" xmlns:mv="urn:schemas-microsoft-com:mac:vml" xmlns:p="http://schemas.openxmlformats.org/presentationml/2006/main" xmlns:c="http://schemas.openxmlformats.org/drawingml/2006/chart" xmlns:dgm="http://schemas.openxmlformats.org/drawingml/2006/diagram" xmlns:o="urn:schemas-microsoft-com:office:office" xmlns:v="urn:schemas-microsoft-com:vml" xmlns:pvml="urn:schemas-microsoft-com:office:powerpoint" xmlns:com="http://schemas.openxmlformats.org/drawingml/2006/compatibility" xmlns:p14="http://schemas.microsoft.com/office/powerpoint/2010/main" showMasterPhAnim="0" showMasterSp="0">
+<p:notes xmlns:a="http://schemas.openxmlformats.org/drawingml/2006/main" xmlns:r="http://schemas.openxmlformats.org/officeDocument/2006/relationships" xmlns:p="http://schemas.openxmlformats.org/presentationml/2006/main" showMasterSp="0" showMasterPhAnim="0">
   <p:cSld>
     <p:spTree>
       <p:nvGrpSpPr>
-        <p:cNvPr id="193" name="Shape 193"/>
+        <p:cNvPr id="1" name="Shape 193"/>
         <p:cNvGrpSpPr/>
         <p:nvPr/>
       </p:nvGrpSpPr>
@@ -1271,9 +1483,11 @@
       <p:sp>
         <p:nvSpPr>
           <p:cNvPr id="194" name="Shape 194"/>
-          <p:cNvSpPr/>
+          <p:cNvSpPr>
+            <a:spLocks noGrp="1" noRot="1" noChangeAspect="1"/>
+          </p:cNvSpPr>
           <p:nvPr>
-            <p:ph idx="2" type="sldImg"/>
+            <p:ph type="sldImg" idx="2"/>
           </p:nvPr>
         </p:nvSpPr>
         <p:spPr>
@@ -1282,8 +1496,13 @@
             <a:ext cx="6096000" cy="3429000"/>
           </a:xfrm>
           <a:custGeom>
+            <a:avLst/>
+            <a:gdLst/>
+            <a:ahLst/>
+            <a:cxnLst/>
+            <a:rect l="0" t="0" r="0" b="0"/>
             <a:pathLst>
-              <a:path extrusionOk="0" h="120000" w="120000">
+              <a:path w="120000" h="120000" extrusionOk="0">
                 <a:moveTo>
                   <a:pt x="0" y="0"/>
                 </a:moveTo>
@@ -1305,9 +1524,11 @@
       <p:sp>
         <p:nvSpPr>
           <p:cNvPr id="195" name="Shape 195"/>
-          <p:cNvSpPr txBox="1"/>
+          <p:cNvSpPr txBox="1">
+            <a:spLocks noGrp="1"/>
+          </p:cNvSpPr>
           <p:nvPr>
-            <p:ph idx="1" type="body"/>
+            <p:ph type="body" idx="1"/>
           </p:nvPr>
         </p:nvSpPr>
         <p:spPr>
@@ -1320,7 +1541,7 @@
           </a:prstGeom>
         </p:spPr>
         <p:txBody>
-          <a:bodyPr anchorCtr="0" anchor="t" bIns="91425" lIns="91425" rIns="91425" tIns="91425">
+          <a:bodyPr lIns="91425" tIns="91425" rIns="91425" bIns="91425" anchor="t" anchorCtr="0">
             <a:noAutofit/>
           </a:bodyPr>
           <a:lstStyle/>
@@ -1331,14 +1552,16 @@
               </a:spcBef>
               <a:buNone/>
             </a:pPr>
-            <a:r>
-              <a:t/>
-            </a:r>
             <a:endParaRPr/>
           </a:p>
         </p:txBody>
       </p:sp>
     </p:spTree>
+    <p:extLst>
+      <p:ext uri="{BB962C8B-B14F-4D97-AF65-F5344CB8AC3E}">
+        <p14:creationId xmlns:p14="http://schemas.microsoft.com/office/powerpoint/2010/main" val="1462135182"/>
+      </p:ext>
+    </p:extLst>
   </p:cSld>
   <p:clrMapOvr>
     <a:masterClrMapping/>
@@ -1347,11 +1570,11 @@
 </file>
 
 <file path=ppt/notesSlides/notesSlide19.xml><?xml version="1.0" encoding="utf-8"?>
-<p:notes xmlns:a="http://schemas.openxmlformats.org/drawingml/2006/main" xmlns:r="http://schemas.openxmlformats.org/officeDocument/2006/relationships" xmlns:mc="http://schemas.openxmlformats.org/markup-compatibility/2006" xmlns:mv="urn:schemas-microsoft-com:mac:vml" xmlns:p="http://schemas.openxmlformats.org/presentationml/2006/main" xmlns:c="http://schemas.openxmlformats.org/drawingml/2006/chart" xmlns:dgm="http://schemas.openxmlformats.org/drawingml/2006/diagram" xmlns:o="urn:schemas-microsoft-com:office:office" xmlns:v="urn:schemas-microsoft-com:vml" xmlns:pvml="urn:schemas-microsoft-com:office:powerpoint" xmlns:com="http://schemas.openxmlformats.org/drawingml/2006/compatibility" xmlns:p14="http://schemas.microsoft.com/office/powerpoint/2010/main" showMasterPhAnim="0" showMasterSp="0">
+<p:notes xmlns:a="http://schemas.openxmlformats.org/drawingml/2006/main" xmlns:r="http://schemas.openxmlformats.org/officeDocument/2006/relationships" xmlns:p="http://schemas.openxmlformats.org/presentationml/2006/main" showMasterSp="0" showMasterPhAnim="0">
   <p:cSld>
     <p:spTree>
       <p:nvGrpSpPr>
-        <p:cNvPr id="199" name="Shape 199"/>
+        <p:cNvPr id="1" name="Shape 199"/>
         <p:cNvGrpSpPr/>
         <p:nvPr/>
       </p:nvGrpSpPr>
@@ -1366,9 +1589,11 @@
       <p:sp>
         <p:nvSpPr>
           <p:cNvPr id="200" name="Shape 200"/>
-          <p:cNvSpPr/>
+          <p:cNvSpPr>
+            <a:spLocks noGrp="1" noRot="1" noChangeAspect="1"/>
+          </p:cNvSpPr>
           <p:nvPr>
-            <p:ph idx="2" type="sldImg"/>
+            <p:ph type="sldImg" idx="2"/>
           </p:nvPr>
         </p:nvSpPr>
         <p:spPr>
@@ -1377,8 +1602,13 @@
             <a:ext cx="6096000" cy="3429000"/>
           </a:xfrm>
           <a:custGeom>
+            <a:avLst/>
+            <a:gdLst/>
+            <a:ahLst/>
+            <a:cxnLst/>
+            <a:rect l="0" t="0" r="0" b="0"/>
             <a:pathLst>
-              <a:path extrusionOk="0" h="120000" w="120000">
+              <a:path w="120000" h="120000" extrusionOk="0">
                 <a:moveTo>
                   <a:pt x="0" y="0"/>
                 </a:moveTo>
@@ -1400,9 +1630,11 @@
       <p:sp>
         <p:nvSpPr>
           <p:cNvPr id="201" name="Shape 201"/>
-          <p:cNvSpPr txBox="1"/>
+          <p:cNvSpPr txBox="1">
+            <a:spLocks noGrp="1"/>
+          </p:cNvSpPr>
           <p:nvPr>
-            <p:ph idx="1" type="body"/>
+            <p:ph type="body" idx="1"/>
           </p:nvPr>
         </p:nvSpPr>
         <p:spPr>
@@ -1415,7 +1647,7 @@
           </a:prstGeom>
         </p:spPr>
         <p:txBody>
-          <a:bodyPr anchorCtr="0" anchor="t" bIns="91425" lIns="91425" rIns="91425" tIns="91425">
+          <a:bodyPr lIns="91425" tIns="91425" rIns="91425" bIns="91425" anchor="t" anchorCtr="0">
             <a:noAutofit/>
           </a:bodyPr>
           <a:lstStyle/>
@@ -1426,14 +1658,16 @@
               </a:spcBef>
               <a:buNone/>
             </a:pPr>
-            <a:r>
-              <a:t/>
-            </a:r>
             <a:endParaRPr/>
           </a:p>
         </p:txBody>
       </p:sp>
     </p:spTree>
+    <p:extLst>
+      <p:ext uri="{BB962C8B-B14F-4D97-AF65-F5344CB8AC3E}">
+        <p14:creationId xmlns:p14="http://schemas.microsoft.com/office/powerpoint/2010/main" val="661928960"/>
+      </p:ext>
+    </p:extLst>
   </p:cSld>
   <p:clrMapOvr>
     <a:masterClrMapping/>
@@ -1442,11 +1676,11 @@
 </file>
 
 <file path=ppt/notesSlides/notesSlide2.xml><?xml version="1.0" encoding="utf-8"?>
-<p:notes xmlns:a="http://schemas.openxmlformats.org/drawingml/2006/main" xmlns:r="http://schemas.openxmlformats.org/officeDocument/2006/relationships" xmlns:mc="http://schemas.openxmlformats.org/markup-compatibility/2006" xmlns:mv="urn:schemas-microsoft-com:mac:vml" xmlns:p="http://schemas.openxmlformats.org/presentationml/2006/main" xmlns:c="http://schemas.openxmlformats.org/drawingml/2006/chart" xmlns:dgm="http://schemas.openxmlformats.org/drawingml/2006/diagram" xmlns:o="urn:schemas-microsoft-com:office:office" xmlns:v="urn:schemas-microsoft-com:vml" xmlns:pvml="urn:schemas-microsoft-com:office:powerpoint" xmlns:com="http://schemas.openxmlformats.org/drawingml/2006/compatibility" xmlns:p14="http://schemas.microsoft.com/office/powerpoint/2010/main" showMasterPhAnim="0" showMasterSp="0">
+<p:notes xmlns:a="http://schemas.openxmlformats.org/drawingml/2006/main" xmlns:r="http://schemas.openxmlformats.org/officeDocument/2006/relationships" xmlns:p="http://schemas.openxmlformats.org/presentationml/2006/main" showMasterSp="0" showMasterPhAnim="0">
   <p:cSld>
     <p:spTree>
       <p:nvGrpSpPr>
-        <p:cNvPr id="87" name="Shape 87"/>
+        <p:cNvPr id="1" name="Shape 87"/>
         <p:cNvGrpSpPr/>
         <p:nvPr/>
       </p:nvGrpSpPr>
@@ -1461,9 +1695,11 @@
       <p:sp>
         <p:nvSpPr>
           <p:cNvPr id="88" name="Shape 88"/>
-          <p:cNvSpPr/>
+          <p:cNvSpPr>
+            <a:spLocks noGrp="1" noRot="1" noChangeAspect="1"/>
+          </p:cNvSpPr>
           <p:nvPr>
-            <p:ph idx="2" type="sldImg"/>
+            <p:ph type="sldImg" idx="2"/>
           </p:nvPr>
         </p:nvSpPr>
         <p:spPr>
@@ -1472,8 +1708,13 @@
             <a:ext cx="6096000" cy="3429000"/>
           </a:xfrm>
           <a:custGeom>
+            <a:avLst/>
+            <a:gdLst/>
+            <a:ahLst/>
+            <a:cxnLst/>
+            <a:rect l="0" t="0" r="0" b="0"/>
             <a:pathLst>
-              <a:path extrusionOk="0" h="120000" w="120000">
+              <a:path w="120000" h="120000" extrusionOk="0">
                 <a:moveTo>
                   <a:pt x="0" y="0"/>
                 </a:moveTo>
@@ -1495,9 +1736,11 @@
       <p:sp>
         <p:nvSpPr>
           <p:cNvPr id="89" name="Shape 89"/>
-          <p:cNvSpPr txBox="1"/>
+          <p:cNvSpPr txBox="1">
+            <a:spLocks noGrp="1"/>
+          </p:cNvSpPr>
           <p:nvPr>
-            <p:ph idx="1" type="body"/>
+            <p:ph type="body" idx="1"/>
           </p:nvPr>
         </p:nvSpPr>
         <p:spPr>
@@ -1510,7 +1753,7 @@
           </a:prstGeom>
         </p:spPr>
         <p:txBody>
-          <a:bodyPr anchorCtr="0" anchor="t" bIns="91425" lIns="91425" rIns="91425" tIns="91425">
+          <a:bodyPr lIns="91425" tIns="91425" rIns="91425" bIns="91425" anchor="t" anchorCtr="0">
             <a:noAutofit/>
           </a:bodyPr>
           <a:lstStyle/>
@@ -1521,14 +1764,16 @@
               </a:spcBef>
               <a:buNone/>
             </a:pPr>
-            <a:r>
-              <a:t/>
-            </a:r>
             <a:endParaRPr/>
           </a:p>
         </p:txBody>
       </p:sp>
     </p:spTree>
+    <p:extLst>
+      <p:ext uri="{BB962C8B-B14F-4D97-AF65-F5344CB8AC3E}">
+        <p14:creationId xmlns:p14="http://schemas.microsoft.com/office/powerpoint/2010/main" val="2046504684"/>
+      </p:ext>
+    </p:extLst>
   </p:cSld>
   <p:clrMapOvr>
     <a:masterClrMapping/>
@@ -1537,11 +1782,11 @@
 </file>
 
 <file path=ppt/notesSlides/notesSlide20.xml><?xml version="1.0" encoding="utf-8"?>
-<p:notes xmlns:a="http://schemas.openxmlformats.org/drawingml/2006/main" xmlns:r="http://schemas.openxmlformats.org/officeDocument/2006/relationships" xmlns:mc="http://schemas.openxmlformats.org/markup-compatibility/2006" xmlns:mv="urn:schemas-microsoft-com:mac:vml" xmlns:p="http://schemas.openxmlformats.org/presentationml/2006/main" xmlns:c="http://schemas.openxmlformats.org/drawingml/2006/chart" xmlns:dgm="http://schemas.openxmlformats.org/drawingml/2006/diagram" xmlns:o="urn:schemas-microsoft-com:office:office" xmlns:v="urn:schemas-microsoft-com:vml" xmlns:pvml="urn:schemas-microsoft-com:office:powerpoint" xmlns:com="http://schemas.openxmlformats.org/drawingml/2006/compatibility" xmlns:p14="http://schemas.microsoft.com/office/powerpoint/2010/main" showMasterPhAnim="0" showMasterSp="0">
+<p:notes xmlns:a="http://schemas.openxmlformats.org/drawingml/2006/main" xmlns:r="http://schemas.openxmlformats.org/officeDocument/2006/relationships" xmlns:p="http://schemas.openxmlformats.org/presentationml/2006/main" showMasterSp="0" showMasterPhAnim="0">
   <p:cSld>
     <p:spTree>
       <p:nvGrpSpPr>
-        <p:cNvPr id="206" name="Shape 206"/>
+        <p:cNvPr id="1" name="Shape 206"/>
         <p:cNvGrpSpPr/>
         <p:nvPr/>
       </p:nvGrpSpPr>
@@ -1556,9 +1801,11 @@
       <p:sp>
         <p:nvSpPr>
           <p:cNvPr id="207" name="Shape 207"/>
-          <p:cNvSpPr/>
+          <p:cNvSpPr>
+            <a:spLocks noGrp="1" noRot="1" noChangeAspect="1"/>
+          </p:cNvSpPr>
           <p:nvPr>
-            <p:ph idx="2" type="sldImg"/>
+            <p:ph type="sldImg" idx="2"/>
           </p:nvPr>
         </p:nvSpPr>
         <p:spPr>
@@ -1567,8 +1814,13 @@
             <a:ext cx="6096000" cy="3429000"/>
           </a:xfrm>
           <a:custGeom>
+            <a:avLst/>
+            <a:gdLst/>
+            <a:ahLst/>
+            <a:cxnLst/>
+            <a:rect l="0" t="0" r="0" b="0"/>
             <a:pathLst>
-              <a:path extrusionOk="0" h="120000" w="120000">
+              <a:path w="120000" h="120000" extrusionOk="0">
                 <a:moveTo>
                   <a:pt x="0" y="0"/>
                 </a:moveTo>
@@ -1590,9 +1842,11 @@
       <p:sp>
         <p:nvSpPr>
           <p:cNvPr id="208" name="Shape 208"/>
-          <p:cNvSpPr txBox="1"/>
+          <p:cNvSpPr txBox="1">
+            <a:spLocks noGrp="1"/>
+          </p:cNvSpPr>
           <p:nvPr>
-            <p:ph idx="1" type="body"/>
+            <p:ph type="body" idx="1"/>
           </p:nvPr>
         </p:nvSpPr>
         <p:spPr>
@@ -1605,7 +1859,7 @@
           </a:prstGeom>
         </p:spPr>
         <p:txBody>
-          <a:bodyPr anchorCtr="0" anchor="t" bIns="91425" lIns="91425" rIns="91425" tIns="91425">
+          <a:bodyPr lIns="91425" tIns="91425" rIns="91425" bIns="91425" anchor="t" anchorCtr="0">
             <a:noAutofit/>
           </a:bodyPr>
           <a:lstStyle/>
@@ -1616,14 +1870,16 @@
               </a:spcBef>
               <a:buNone/>
             </a:pPr>
-            <a:r>
-              <a:t/>
-            </a:r>
             <a:endParaRPr/>
           </a:p>
         </p:txBody>
       </p:sp>
     </p:spTree>
+    <p:extLst>
+      <p:ext uri="{BB962C8B-B14F-4D97-AF65-F5344CB8AC3E}">
+        <p14:creationId xmlns:p14="http://schemas.microsoft.com/office/powerpoint/2010/main" val="1485678803"/>
+      </p:ext>
+    </p:extLst>
   </p:cSld>
   <p:clrMapOvr>
     <a:masterClrMapping/>
@@ -1632,11 +1888,11 @@
 </file>
 
 <file path=ppt/notesSlides/notesSlide21.xml><?xml version="1.0" encoding="utf-8"?>
-<p:notes xmlns:a="http://schemas.openxmlformats.org/drawingml/2006/main" xmlns:r="http://schemas.openxmlformats.org/officeDocument/2006/relationships" xmlns:mc="http://schemas.openxmlformats.org/markup-compatibility/2006" xmlns:mv="urn:schemas-microsoft-com:mac:vml" xmlns:p="http://schemas.openxmlformats.org/presentationml/2006/main" xmlns:c="http://schemas.openxmlformats.org/drawingml/2006/chart" xmlns:dgm="http://schemas.openxmlformats.org/drawingml/2006/diagram" xmlns:o="urn:schemas-microsoft-com:office:office" xmlns:v="urn:schemas-microsoft-com:vml" xmlns:pvml="urn:schemas-microsoft-com:office:powerpoint" xmlns:com="http://schemas.openxmlformats.org/drawingml/2006/compatibility" xmlns:p14="http://schemas.microsoft.com/office/powerpoint/2010/main" showMasterPhAnim="0" showMasterSp="0">
+<p:notes xmlns:a="http://schemas.openxmlformats.org/drawingml/2006/main" xmlns:r="http://schemas.openxmlformats.org/officeDocument/2006/relationships" xmlns:p="http://schemas.openxmlformats.org/presentationml/2006/main" showMasterSp="0" showMasterPhAnim="0">
   <p:cSld>
     <p:spTree>
       <p:nvGrpSpPr>
-        <p:cNvPr id="213" name="Shape 213"/>
+        <p:cNvPr id="1" name="Shape 213"/>
         <p:cNvGrpSpPr/>
         <p:nvPr/>
       </p:nvGrpSpPr>
@@ -1651,9 +1907,11 @@
       <p:sp>
         <p:nvSpPr>
           <p:cNvPr id="214" name="Shape 214"/>
-          <p:cNvSpPr/>
+          <p:cNvSpPr>
+            <a:spLocks noGrp="1" noRot="1" noChangeAspect="1"/>
+          </p:cNvSpPr>
           <p:nvPr>
-            <p:ph idx="2" type="sldImg"/>
+            <p:ph type="sldImg" idx="2"/>
           </p:nvPr>
         </p:nvSpPr>
         <p:spPr>
@@ -1662,8 +1920,13 @@
             <a:ext cx="6096000" cy="3429000"/>
           </a:xfrm>
           <a:custGeom>
+            <a:avLst/>
+            <a:gdLst/>
+            <a:ahLst/>
+            <a:cxnLst/>
+            <a:rect l="0" t="0" r="0" b="0"/>
             <a:pathLst>
-              <a:path extrusionOk="0" h="120000" w="120000">
+              <a:path w="120000" h="120000" extrusionOk="0">
                 <a:moveTo>
                   <a:pt x="0" y="0"/>
                 </a:moveTo>
@@ -1685,9 +1948,11 @@
       <p:sp>
         <p:nvSpPr>
           <p:cNvPr id="215" name="Shape 215"/>
-          <p:cNvSpPr txBox="1"/>
+          <p:cNvSpPr txBox="1">
+            <a:spLocks noGrp="1"/>
+          </p:cNvSpPr>
           <p:nvPr>
-            <p:ph idx="1" type="body"/>
+            <p:ph type="body" idx="1"/>
           </p:nvPr>
         </p:nvSpPr>
         <p:spPr>
@@ -1700,7 +1965,7 @@
           </a:prstGeom>
         </p:spPr>
         <p:txBody>
-          <a:bodyPr anchorCtr="0" anchor="t" bIns="91425" lIns="91425" rIns="91425" tIns="91425">
+          <a:bodyPr lIns="91425" tIns="91425" rIns="91425" bIns="91425" anchor="t" anchorCtr="0">
             <a:noAutofit/>
           </a:bodyPr>
           <a:lstStyle/>
@@ -1711,14 +1976,16 @@
               </a:spcBef>
               <a:buNone/>
             </a:pPr>
-            <a:r>
-              <a:t/>
-            </a:r>
             <a:endParaRPr/>
           </a:p>
         </p:txBody>
       </p:sp>
     </p:spTree>
+    <p:extLst>
+      <p:ext uri="{BB962C8B-B14F-4D97-AF65-F5344CB8AC3E}">
+        <p14:creationId xmlns:p14="http://schemas.microsoft.com/office/powerpoint/2010/main" val="2115399889"/>
+      </p:ext>
+    </p:extLst>
   </p:cSld>
   <p:clrMapOvr>
     <a:masterClrMapping/>
@@ -1727,11 +1994,11 @@
 </file>
 
 <file path=ppt/notesSlides/notesSlide22.xml><?xml version="1.0" encoding="utf-8"?>
-<p:notes xmlns:a="http://schemas.openxmlformats.org/drawingml/2006/main" xmlns:r="http://schemas.openxmlformats.org/officeDocument/2006/relationships" xmlns:mc="http://schemas.openxmlformats.org/markup-compatibility/2006" xmlns:mv="urn:schemas-microsoft-com:mac:vml" xmlns:p="http://schemas.openxmlformats.org/presentationml/2006/main" xmlns:c="http://schemas.openxmlformats.org/drawingml/2006/chart" xmlns:dgm="http://schemas.openxmlformats.org/drawingml/2006/diagram" xmlns:o="urn:schemas-microsoft-com:office:office" xmlns:v="urn:schemas-microsoft-com:vml" xmlns:pvml="urn:schemas-microsoft-com:office:powerpoint" xmlns:com="http://schemas.openxmlformats.org/drawingml/2006/compatibility" xmlns:p14="http://schemas.microsoft.com/office/powerpoint/2010/main" showMasterPhAnim="0" showMasterSp="0">
+<p:notes xmlns:a="http://schemas.openxmlformats.org/drawingml/2006/main" xmlns:r="http://schemas.openxmlformats.org/officeDocument/2006/relationships" xmlns:p="http://schemas.openxmlformats.org/presentationml/2006/main" showMasterSp="0" showMasterPhAnim="0">
   <p:cSld>
     <p:spTree>
       <p:nvGrpSpPr>
-        <p:cNvPr id="222" name="Shape 222"/>
+        <p:cNvPr id="1" name="Shape 222"/>
         <p:cNvGrpSpPr/>
         <p:nvPr/>
       </p:nvGrpSpPr>
@@ -1746,9 +2013,11 @@
       <p:sp>
         <p:nvSpPr>
           <p:cNvPr id="223" name="Shape 223"/>
-          <p:cNvSpPr/>
+          <p:cNvSpPr>
+            <a:spLocks noGrp="1" noRot="1" noChangeAspect="1"/>
+          </p:cNvSpPr>
           <p:nvPr>
-            <p:ph idx="2" type="sldImg"/>
+            <p:ph type="sldImg" idx="2"/>
           </p:nvPr>
         </p:nvSpPr>
         <p:spPr>
@@ -1757,8 +2026,13 @@
             <a:ext cx="6096000" cy="3429000"/>
           </a:xfrm>
           <a:custGeom>
+            <a:avLst/>
+            <a:gdLst/>
+            <a:ahLst/>
+            <a:cxnLst/>
+            <a:rect l="0" t="0" r="0" b="0"/>
             <a:pathLst>
-              <a:path extrusionOk="0" h="120000" w="120000">
+              <a:path w="120000" h="120000" extrusionOk="0">
                 <a:moveTo>
                   <a:pt x="0" y="0"/>
                 </a:moveTo>
@@ -1780,9 +2054,11 @@
       <p:sp>
         <p:nvSpPr>
           <p:cNvPr id="224" name="Shape 224"/>
-          <p:cNvSpPr txBox="1"/>
+          <p:cNvSpPr txBox="1">
+            <a:spLocks noGrp="1"/>
+          </p:cNvSpPr>
           <p:nvPr>
-            <p:ph idx="1" type="body"/>
+            <p:ph type="body" idx="1"/>
           </p:nvPr>
         </p:nvSpPr>
         <p:spPr>
@@ -1795,7 +2071,7 @@
           </a:prstGeom>
         </p:spPr>
         <p:txBody>
-          <a:bodyPr anchorCtr="0" anchor="t" bIns="91425" lIns="91425" rIns="91425" tIns="91425">
+          <a:bodyPr lIns="91425" tIns="91425" rIns="91425" bIns="91425" anchor="t" anchorCtr="0">
             <a:noAutofit/>
           </a:bodyPr>
           <a:lstStyle/>
@@ -1806,14 +2082,16 @@
               </a:spcBef>
               <a:buNone/>
             </a:pPr>
-            <a:r>
-              <a:t/>
-            </a:r>
             <a:endParaRPr/>
           </a:p>
         </p:txBody>
       </p:sp>
     </p:spTree>
+    <p:extLst>
+      <p:ext uri="{BB962C8B-B14F-4D97-AF65-F5344CB8AC3E}">
+        <p14:creationId xmlns:p14="http://schemas.microsoft.com/office/powerpoint/2010/main" val="3818508424"/>
+      </p:ext>
+    </p:extLst>
   </p:cSld>
   <p:clrMapOvr>
     <a:masterClrMapping/>
@@ -1822,11 +2100,11 @@
 </file>
 
 <file path=ppt/notesSlides/notesSlide3.xml><?xml version="1.0" encoding="utf-8"?>
-<p:notes xmlns:a="http://schemas.openxmlformats.org/drawingml/2006/main" xmlns:r="http://schemas.openxmlformats.org/officeDocument/2006/relationships" xmlns:mc="http://schemas.openxmlformats.org/markup-compatibility/2006" xmlns:mv="urn:schemas-microsoft-com:mac:vml" xmlns:p="http://schemas.openxmlformats.org/presentationml/2006/main" xmlns:c="http://schemas.openxmlformats.org/drawingml/2006/chart" xmlns:dgm="http://schemas.openxmlformats.org/drawingml/2006/diagram" xmlns:o="urn:schemas-microsoft-com:office:office" xmlns:v="urn:schemas-microsoft-com:vml" xmlns:pvml="urn:schemas-microsoft-com:office:powerpoint" xmlns:com="http://schemas.openxmlformats.org/drawingml/2006/compatibility" xmlns:p14="http://schemas.microsoft.com/office/powerpoint/2010/main" showMasterPhAnim="0" showMasterSp="0">
+<p:notes xmlns:a="http://schemas.openxmlformats.org/drawingml/2006/main" xmlns:r="http://schemas.openxmlformats.org/officeDocument/2006/relationships" xmlns:p="http://schemas.openxmlformats.org/presentationml/2006/main" showMasterSp="0" showMasterPhAnim="0">
   <p:cSld>
     <p:spTree>
       <p:nvGrpSpPr>
-        <p:cNvPr id="94" name="Shape 94"/>
+        <p:cNvPr id="1" name="Shape 94"/>
         <p:cNvGrpSpPr/>
         <p:nvPr/>
       </p:nvGrpSpPr>
@@ -1841,9 +2119,11 @@
       <p:sp>
         <p:nvSpPr>
           <p:cNvPr id="95" name="Shape 95"/>
-          <p:cNvSpPr/>
+          <p:cNvSpPr>
+            <a:spLocks noGrp="1" noRot="1" noChangeAspect="1"/>
+          </p:cNvSpPr>
           <p:nvPr>
-            <p:ph idx="2" type="sldImg"/>
+            <p:ph type="sldImg" idx="2"/>
           </p:nvPr>
         </p:nvSpPr>
         <p:spPr>
@@ -1852,8 +2132,13 @@
             <a:ext cx="6096000" cy="3429000"/>
           </a:xfrm>
           <a:custGeom>
+            <a:avLst/>
+            <a:gdLst/>
+            <a:ahLst/>
+            <a:cxnLst/>
+            <a:rect l="0" t="0" r="0" b="0"/>
             <a:pathLst>
-              <a:path extrusionOk="0" h="120000" w="120000">
+              <a:path w="120000" h="120000" extrusionOk="0">
                 <a:moveTo>
                   <a:pt x="0" y="0"/>
                 </a:moveTo>
@@ -1875,9 +2160,11 @@
       <p:sp>
         <p:nvSpPr>
           <p:cNvPr id="96" name="Shape 96"/>
-          <p:cNvSpPr txBox="1"/>
+          <p:cNvSpPr txBox="1">
+            <a:spLocks noGrp="1"/>
+          </p:cNvSpPr>
           <p:nvPr>
-            <p:ph idx="1" type="body"/>
+            <p:ph type="body" idx="1"/>
           </p:nvPr>
         </p:nvSpPr>
         <p:spPr>
@@ -1890,7 +2177,7 @@
           </a:prstGeom>
         </p:spPr>
         <p:txBody>
-          <a:bodyPr anchorCtr="0" anchor="t" bIns="91425" lIns="91425" rIns="91425" tIns="91425">
+          <a:bodyPr lIns="91425" tIns="91425" rIns="91425" bIns="91425" anchor="t" anchorCtr="0">
             <a:noAutofit/>
           </a:bodyPr>
           <a:lstStyle/>
@@ -1901,14 +2188,16 @@
               </a:spcBef>
               <a:buNone/>
             </a:pPr>
-            <a:r>
-              <a:t/>
-            </a:r>
             <a:endParaRPr/>
           </a:p>
         </p:txBody>
       </p:sp>
     </p:spTree>
+    <p:extLst>
+      <p:ext uri="{BB962C8B-B14F-4D97-AF65-F5344CB8AC3E}">
+        <p14:creationId xmlns:p14="http://schemas.microsoft.com/office/powerpoint/2010/main" val="847231255"/>
+      </p:ext>
+    </p:extLst>
   </p:cSld>
   <p:clrMapOvr>
     <a:masterClrMapping/>
@@ -1917,11 +2206,11 @@
 </file>
 
 <file path=ppt/notesSlides/notesSlide4.xml><?xml version="1.0" encoding="utf-8"?>
-<p:notes xmlns:a="http://schemas.openxmlformats.org/drawingml/2006/main" xmlns:r="http://schemas.openxmlformats.org/officeDocument/2006/relationships" xmlns:mc="http://schemas.openxmlformats.org/markup-compatibility/2006" xmlns:mv="urn:schemas-microsoft-com:mac:vml" xmlns:p="http://schemas.openxmlformats.org/presentationml/2006/main" xmlns:c="http://schemas.openxmlformats.org/drawingml/2006/chart" xmlns:dgm="http://schemas.openxmlformats.org/drawingml/2006/diagram" xmlns:o="urn:schemas-microsoft-com:office:office" xmlns:v="urn:schemas-microsoft-com:vml" xmlns:pvml="urn:schemas-microsoft-com:office:powerpoint" xmlns:com="http://schemas.openxmlformats.org/drawingml/2006/compatibility" xmlns:p14="http://schemas.microsoft.com/office/powerpoint/2010/main" showMasterPhAnim="0" showMasterSp="0">
+<p:notes xmlns:a="http://schemas.openxmlformats.org/drawingml/2006/main" xmlns:r="http://schemas.openxmlformats.org/officeDocument/2006/relationships" xmlns:p="http://schemas.openxmlformats.org/presentationml/2006/main" showMasterSp="0" showMasterPhAnim="0">
   <p:cSld>
     <p:spTree>
       <p:nvGrpSpPr>
-        <p:cNvPr id="103" name="Shape 103"/>
+        <p:cNvPr id="1" name="Shape 103"/>
         <p:cNvGrpSpPr/>
         <p:nvPr/>
       </p:nvGrpSpPr>
@@ -1936,9 +2225,11 @@
       <p:sp>
         <p:nvSpPr>
           <p:cNvPr id="104" name="Shape 104"/>
-          <p:cNvSpPr/>
+          <p:cNvSpPr>
+            <a:spLocks noGrp="1" noRot="1" noChangeAspect="1"/>
+          </p:cNvSpPr>
           <p:nvPr>
-            <p:ph idx="2" type="sldImg"/>
+            <p:ph type="sldImg" idx="2"/>
           </p:nvPr>
         </p:nvSpPr>
         <p:spPr>
@@ -1947,8 +2238,13 @@
             <a:ext cx="6096000" cy="3429000"/>
           </a:xfrm>
           <a:custGeom>
+            <a:avLst/>
+            <a:gdLst/>
+            <a:ahLst/>
+            <a:cxnLst/>
+            <a:rect l="0" t="0" r="0" b="0"/>
             <a:pathLst>
-              <a:path extrusionOk="0" h="120000" w="120000">
+              <a:path w="120000" h="120000" extrusionOk="0">
                 <a:moveTo>
                   <a:pt x="0" y="0"/>
                 </a:moveTo>
@@ -1970,9 +2266,11 @@
       <p:sp>
         <p:nvSpPr>
           <p:cNvPr id="105" name="Shape 105"/>
-          <p:cNvSpPr txBox="1"/>
+          <p:cNvSpPr txBox="1">
+            <a:spLocks noGrp="1"/>
+          </p:cNvSpPr>
           <p:nvPr>
-            <p:ph idx="1" type="body"/>
+            <p:ph type="body" idx="1"/>
           </p:nvPr>
         </p:nvSpPr>
         <p:spPr>
@@ -1985,7 +2283,7 @@
           </a:prstGeom>
         </p:spPr>
         <p:txBody>
-          <a:bodyPr anchorCtr="0" anchor="t" bIns="91425" lIns="91425" rIns="91425" tIns="91425">
+          <a:bodyPr lIns="91425" tIns="91425" rIns="91425" bIns="91425" anchor="t" anchorCtr="0">
             <a:noAutofit/>
           </a:bodyPr>
           <a:lstStyle/>
@@ -1996,14 +2294,16 @@
               </a:spcBef>
               <a:buNone/>
             </a:pPr>
-            <a:r>
-              <a:t/>
-            </a:r>
             <a:endParaRPr/>
           </a:p>
         </p:txBody>
       </p:sp>
     </p:spTree>
+    <p:extLst>
+      <p:ext uri="{BB962C8B-B14F-4D97-AF65-F5344CB8AC3E}">
+        <p14:creationId xmlns:p14="http://schemas.microsoft.com/office/powerpoint/2010/main" val="3775708473"/>
+      </p:ext>
+    </p:extLst>
   </p:cSld>
   <p:clrMapOvr>
     <a:masterClrMapping/>
@@ -2012,11 +2312,11 @@
 </file>
 
 <file path=ppt/notesSlides/notesSlide5.xml><?xml version="1.0" encoding="utf-8"?>
-<p:notes xmlns:a="http://schemas.openxmlformats.org/drawingml/2006/main" xmlns:r="http://schemas.openxmlformats.org/officeDocument/2006/relationships" xmlns:mc="http://schemas.openxmlformats.org/markup-compatibility/2006" xmlns:mv="urn:schemas-microsoft-com:mac:vml" xmlns:p="http://schemas.openxmlformats.org/presentationml/2006/main" xmlns:c="http://schemas.openxmlformats.org/drawingml/2006/chart" xmlns:dgm="http://schemas.openxmlformats.org/drawingml/2006/diagram" xmlns:o="urn:schemas-microsoft-com:office:office" xmlns:v="urn:schemas-microsoft-com:vml" xmlns:pvml="urn:schemas-microsoft-com:office:powerpoint" xmlns:com="http://schemas.openxmlformats.org/drawingml/2006/compatibility" xmlns:p14="http://schemas.microsoft.com/office/powerpoint/2010/main" showMasterPhAnim="0" showMasterSp="0">
+<p:notes xmlns:a="http://schemas.openxmlformats.org/drawingml/2006/main" xmlns:r="http://schemas.openxmlformats.org/officeDocument/2006/relationships" xmlns:p="http://schemas.openxmlformats.org/presentationml/2006/main" showMasterSp="0" showMasterPhAnim="0">
   <p:cSld>
     <p:spTree>
       <p:nvGrpSpPr>
-        <p:cNvPr id="109" name="Shape 109"/>
+        <p:cNvPr id="1" name="Shape 109"/>
         <p:cNvGrpSpPr/>
         <p:nvPr/>
       </p:nvGrpSpPr>
@@ -2031,9 +2331,11 @@
       <p:sp>
         <p:nvSpPr>
           <p:cNvPr id="110" name="Shape 110"/>
-          <p:cNvSpPr/>
+          <p:cNvSpPr>
+            <a:spLocks noGrp="1" noRot="1" noChangeAspect="1"/>
+          </p:cNvSpPr>
           <p:nvPr>
-            <p:ph idx="2" type="sldImg"/>
+            <p:ph type="sldImg" idx="2"/>
           </p:nvPr>
         </p:nvSpPr>
         <p:spPr>
@@ -2042,8 +2344,13 @@
             <a:ext cx="6096000" cy="3429000"/>
           </a:xfrm>
           <a:custGeom>
+            <a:avLst/>
+            <a:gdLst/>
+            <a:ahLst/>
+            <a:cxnLst/>
+            <a:rect l="0" t="0" r="0" b="0"/>
             <a:pathLst>
-              <a:path extrusionOk="0" h="120000" w="120000">
+              <a:path w="120000" h="120000" extrusionOk="0">
                 <a:moveTo>
                   <a:pt x="0" y="0"/>
                 </a:moveTo>
@@ -2065,9 +2372,11 @@
       <p:sp>
         <p:nvSpPr>
           <p:cNvPr id="111" name="Shape 111"/>
-          <p:cNvSpPr txBox="1"/>
+          <p:cNvSpPr txBox="1">
+            <a:spLocks noGrp="1"/>
+          </p:cNvSpPr>
           <p:nvPr>
-            <p:ph idx="1" type="body"/>
+            <p:ph type="body" idx="1"/>
           </p:nvPr>
         </p:nvSpPr>
         <p:spPr>
@@ -2080,7 +2389,7 @@
           </a:prstGeom>
         </p:spPr>
         <p:txBody>
-          <a:bodyPr anchorCtr="0" anchor="t" bIns="91425" lIns="91425" rIns="91425" tIns="91425">
+          <a:bodyPr lIns="91425" tIns="91425" rIns="91425" bIns="91425" anchor="t" anchorCtr="0">
             <a:noAutofit/>
           </a:bodyPr>
           <a:lstStyle/>
@@ -2091,14 +2400,16 @@
               </a:spcBef>
               <a:buNone/>
             </a:pPr>
-            <a:r>
-              <a:t/>
-            </a:r>
             <a:endParaRPr/>
           </a:p>
         </p:txBody>
       </p:sp>
     </p:spTree>
+    <p:extLst>
+      <p:ext uri="{BB962C8B-B14F-4D97-AF65-F5344CB8AC3E}">
+        <p14:creationId xmlns:p14="http://schemas.microsoft.com/office/powerpoint/2010/main" val="2520222057"/>
+      </p:ext>
+    </p:extLst>
   </p:cSld>
   <p:clrMapOvr>
     <a:masterClrMapping/>
@@ -2107,11 +2418,11 @@
 </file>
 
 <file path=ppt/notesSlides/notesSlide6.xml><?xml version="1.0" encoding="utf-8"?>
-<p:notes xmlns:a="http://schemas.openxmlformats.org/drawingml/2006/main" xmlns:r="http://schemas.openxmlformats.org/officeDocument/2006/relationships" xmlns:mc="http://schemas.openxmlformats.org/markup-compatibility/2006" xmlns:mv="urn:schemas-microsoft-com:mac:vml" xmlns:p="http://schemas.openxmlformats.org/presentationml/2006/main" xmlns:c="http://schemas.openxmlformats.org/drawingml/2006/chart" xmlns:dgm="http://schemas.openxmlformats.org/drawingml/2006/diagram" xmlns:o="urn:schemas-microsoft-com:office:office" xmlns:v="urn:schemas-microsoft-com:vml" xmlns:pvml="urn:schemas-microsoft-com:office:powerpoint" xmlns:com="http://schemas.openxmlformats.org/drawingml/2006/compatibility" xmlns:p14="http://schemas.microsoft.com/office/powerpoint/2010/main" showMasterPhAnim="0" showMasterSp="0">
+<p:notes xmlns:a="http://schemas.openxmlformats.org/drawingml/2006/main" xmlns:r="http://schemas.openxmlformats.org/officeDocument/2006/relationships" xmlns:p="http://schemas.openxmlformats.org/presentationml/2006/main" showMasterSp="0" showMasterPhAnim="0">
   <p:cSld>
     <p:spTree>
       <p:nvGrpSpPr>
-        <p:cNvPr id="115" name="Shape 115"/>
+        <p:cNvPr id="1" name="Shape 115"/>
         <p:cNvGrpSpPr/>
         <p:nvPr/>
       </p:nvGrpSpPr>
@@ -2126,9 +2437,11 @@
       <p:sp>
         <p:nvSpPr>
           <p:cNvPr id="116" name="Shape 116"/>
-          <p:cNvSpPr/>
+          <p:cNvSpPr>
+            <a:spLocks noGrp="1" noRot="1" noChangeAspect="1"/>
+          </p:cNvSpPr>
           <p:nvPr>
-            <p:ph idx="2" type="sldImg"/>
+            <p:ph type="sldImg" idx="2"/>
           </p:nvPr>
         </p:nvSpPr>
         <p:spPr>
@@ -2137,8 +2450,13 @@
             <a:ext cx="6096000" cy="3429000"/>
           </a:xfrm>
           <a:custGeom>
+            <a:avLst/>
+            <a:gdLst/>
+            <a:ahLst/>
+            <a:cxnLst/>
+            <a:rect l="0" t="0" r="0" b="0"/>
             <a:pathLst>
-              <a:path extrusionOk="0" h="120000" w="120000">
+              <a:path w="120000" h="120000" extrusionOk="0">
                 <a:moveTo>
                   <a:pt x="0" y="0"/>
                 </a:moveTo>
@@ -2160,9 +2478,11 @@
       <p:sp>
         <p:nvSpPr>
           <p:cNvPr id="117" name="Shape 117"/>
-          <p:cNvSpPr txBox="1"/>
+          <p:cNvSpPr txBox="1">
+            <a:spLocks noGrp="1"/>
+          </p:cNvSpPr>
           <p:nvPr>
-            <p:ph idx="1" type="body"/>
+            <p:ph type="body" idx="1"/>
           </p:nvPr>
         </p:nvSpPr>
         <p:spPr>
@@ -2175,7 +2495,7 @@
           </a:prstGeom>
         </p:spPr>
         <p:txBody>
-          <a:bodyPr anchorCtr="0" anchor="t" bIns="91425" lIns="91425" rIns="91425" tIns="91425">
+          <a:bodyPr lIns="91425" tIns="91425" rIns="91425" bIns="91425" anchor="t" anchorCtr="0">
             <a:noAutofit/>
           </a:bodyPr>
           <a:lstStyle/>
@@ -2186,14 +2506,16 @@
               </a:spcBef>
               <a:buNone/>
             </a:pPr>
-            <a:r>
-              <a:t/>
-            </a:r>
             <a:endParaRPr/>
           </a:p>
         </p:txBody>
       </p:sp>
     </p:spTree>
+    <p:extLst>
+      <p:ext uri="{BB962C8B-B14F-4D97-AF65-F5344CB8AC3E}">
+        <p14:creationId xmlns:p14="http://schemas.microsoft.com/office/powerpoint/2010/main" val="2979904022"/>
+      </p:ext>
+    </p:extLst>
   </p:cSld>
   <p:clrMapOvr>
     <a:masterClrMapping/>
@@ -2202,11 +2524,11 @@
 </file>
 
 <file path=ppt/notesSlides/notesSlide7.xml><?xml version="1.0" encoding="utf-8"?>
-<p:notes xmlns:a="http://schemas.openxmlformats.org/drawingml/2006/main" xmlns:r="http://schemas.openxmlformats.org/officeDocument/2006/relationships" xmlns:mc="http://schemas.openxmlformats.org/markup-compatibility/2006" xmlns:mv="urn:schemas-microsoft-com:mac:vml" xmlns:p="http://schemas.openxmlformats.org/presentationml/2006/main" xmlns:c="http://schemas.openxmlformats.org/drawingml/2006/chart" xmlns:dgm="http://schemas.openxmlformats.org/drawingml/2006/diagram" xmlns:o="urn:schemas-microsoft-com:office:office" xmlns:v="urn:schemas-microsoft-com:vml" xmlns:pvml="urn:schemas-microsoft-com:office:powerpoint" xmlns:com="http://schemas.openxmlformats.org/drawingml/2006/compatibility" xmlns:p14="http://schemas.microsoft.com/office/powerpoint/2010/main" showMasterPhAnim="0" showMasterSp="0">
+<p:notes xmlns:a="http://schemas.openxmlformats.org/drawingml/2006/main" xmlns:r="http://schemas.openxmlformats.org/officeDocument/2006/relationships" xmlns:p="http://schemas.openxmlformats.org/presentationml/2006/main" showMasterSp="0" showMasterPhAnim="0">
   <p:cSld>
     <p:spTree>
       <p:nvGrpSpPr>
-        <p:cNvPr id="122" name="Shape 122"/>
+        <p:cNvPr id="1" name="Shape 122"/>
         <p:cNvGrpSpPr/>
         <p:nvPr/>
       </p:nvGrpSpPr>
@@ -2221,9 +2543,11 @@
       <p:sp>
         <p:nvSpPr>
           <p:cNvPr id="123" name="Shape 123"/>
-          <p:cNvSpPr/>
+          <p:cNvSpPr>
+            <a:spLocks noGrp="1" noRot="1" noChangeAspect="1"/>
+          </p:cNvSpPr>
           <p:nvPr>
-            <p:ph idx="2" type="sldImg"/>
+            <p:ph type="sldImg" idx="2"/>
           </p:nvPr>
         </p:nvSpPr>
         <p:spPr>
@@ -2232,8 +2556,13 @@
             <a:ext cx="6096000" cy="3429000"/>
           </a:xfrm>
           <a:custGeom>
+            <a:avLst/>
+            <a:gdLst/>
+            <a:ahLst/>
+            <a:cxnLst/>
+            <a:rect l="0" t="0" r="0" b="0"/>
             <a:pathLst>
-              <a:path extrusionOk="0" h="120000" w="120000">
+              <a:path w="120000" h="120000" extrusionOk="0">
                 <a:moveTo>
                   <a:pt x="0" y="0"/>
                 </a:moveTo>
@@ -2255,9 +2584,11 @@
       <p:sp>
         <p:nvSpPr>
           <p:cNvPr id="124" name="Shape 124"/>
-          <p:cNvSpPr txBox="1"/>
+          <p:cNvSpPr txBox="1">
+            <a:spLocks noGrp="1"/>
+          </p:cNvSpPr>
           <p:nvPr>
-            <p:ph idx="1" type="body"/>
+            <p:ph type="body" idx="1"/>
           </p:nvPr>
         </p:nvSpPr>
         <p:spPr>
@@ -2270,7 +2601,7 @@
           </a:prstGeom>
         </p:spPr>
         <p:txBody>
-          <a:bodyPr anchorCtr="0" anchor="t" bIns="91425" lIns="91425" rIns="91425" tIns="91425">
+          <a:bodyPr lIns="91425" tIns="91425" rIns="91425" bIns="91425" anchor="t" anchorCtr="0">
             <a:noAutofit/>
           </a:bodyPr>
           <a:lstStyle/>
@@ -2281,14 +2612,16 @@
               </a:spcBef>
               <a:buNone/>
             </a:pPr>
-            <a:r>
-              <a:t/>
-            </a:r>
             <a:endParaRPr/>
           </a:p>
         </p:txBody>
       </p:sp>
     </p:spTree>
+    <p:extLst>
+      <p:ext uri="{BB962C8B-B14F-4D97-AF65-F5344CB8AC3E}">
+        <p14:creationId xmlns:p14="http://schemas.microsoft.com/office/powerpoint/2010/main" val="3816802450"/>
+      </p:ext>
+    </p:extLst>
   </p:cSld>
   <p:clrMapOvr>
     <a:masterClrMapping/>
@@ -2297,11 +2630,11 @@
 </file>
 
 <file path=ppt/notesSlides/notesSlide8.xml><?xml version="1.0" encoding="utf-8"?>
-<p:notes xmlns:a="http://schemas.openxmlformats.org/drawingml/2006/main" xmlns:r="http://schemas.openxmlformats.org/officeDocument/2006/relationships" xmlns:mc="http://schemas.openxmlformats.org/markup-compatibility/2006" xmlns:mv="urn:schemas-microsoft-com:mac:vml" xmlns:p="http://schemas.openxmlformats.org/presentationml/2006/main" xmlns:c="http://schemas.openxmlformats.org/drawingml/2006/chart" xmlns:dgm="http://schemas.openxmlformats.org/drawingml/2006/diagram" xmlns:o="urn:schemas-microsoft-com:office:office" xmlns:v="urn:schemas-microsoft-com:vml" xmlns:pvml="urn:schemas-microsoft-com:office:powerpoint" xmlns:com="http://schemas.openxmlformats.org/drawingml/2006/compatibility" xmlns:p14="http://schemas.microsoft.com/office/powerpoint/2010/main" showMasterPhAnim="0" showMasterSp="0">
+<p:notes xmlns:a="http://schemas.openxmlformats.org/drawingml/2006/main" xmlns:r="http://schemas.openxmlformats.org/officeDocument/2006/relationships" xmlns:p="http://schemas.openxmlformats.org/presentationml/2006/main" showMasterSp="0" showMasterPhAnim="0">
   <p:cSld>
     <p:spTree>
       <p:nvGrpSpPr>
-        <p:cNvPr id="128" name="Shape 128"/>
+        <p:cNvPr id="1" name="Shape 128"/>
         <p:cNvGrpSpPr/>
         <p:nvPr/>
       </p:nvGrpSpPr>
@@ -2316,9 +2649,11 @@
       <p:sp>
         <p:nvSpPr>
           <p:cNvPr id="129" name="Shape 129"/>
-          <p:cNvSpPr/>
+          <p:cNvSpPr>
+            <a:spLocks noGrp="1" noRot="1" noChangeAspect="1"/>
+          </p:cNvSpPr>
           <p:nvPr>
-            <p:ph idx="2" type="sldImg"/>
+            <p:ph type="sldImg" idx="2"/>
           </p:nvPr>
         </p:nvSpPr>
         <p:spPr>
@@ -2327,8 +2662,13 @@
             <a:ext cx="6096000" cy="3429000"/>
           </a:xfrm>
           <a:custGeom>
+            <a:avLst/>
+            <a:gdLst/>
+            <a:ahLst/>
+            <a:cxnLst/>
+            <a:rect l="0" t="0" r="0" b="0"/>
             <a:pathLst>
-              <a:path extrusionOk="0" h="120000" w="120000">
+              <a:path w="120000" h="120000" extrusionOk="0">
                 <a:moveTo>
                   <a:pt x="0" y="0"/>
                 </a:moveTo>
@@ -2350,9 +2690,11 @@
       <p:sp>
         <p:nvSpPr>
           <p:cNvPr id="130" name="Shape 130"/>
-          <p:cNvSpPr txBox="1"/>
+          <p:cNvSpPr txBox="1">
+            <a:spLocks noGrp="1"/>
+          </p:cNvSpPr>
           <p:nvPr>
-            <p:ph idx="1" type="body"/>
+            <p:ph type="body" idx="1"/>
           </p:nvPr>
         </p:nvSpPr>
         <p:spPr>
@@ -2365,7 +2707,7 @@
           </a:prstGeom>
         </p:spPr>
         <p:txBody>
-          <a:bodyPr anchorCtr="0" anchor="t" bIns="91425" lIns="91425" rIns="91425" tIns="91425">
+          <a:bodyPr lIns="91425" tIns="91425" rIns="91425" bIns="91425" anchor="t" anchorCtr="0">
             <a:noAutofit/>
           </a:bodyPr>
           <a:lstStyle/>
@@ -2376,14 +2718,16 @@
               </a:spcBef>
               <a:buNone/>
             </a:pPr>
-            <a:r>
-              <a:t/>
-            </a:r>
             <a:endParaRPr/>
           </a:p>
         </p:txBody>
       </p:sp>
     </p:spTree>
+    <p:extLst>
+      <p:ext uri="{BB962C8B-B14F-4D97-AF65-F5344CB8AC3E}">
+        <p14:creationId xmlns:p14="http://schemas.microsoft.com/office/powerpoint/2010/main" val="2365779722"/>
+      </p:ext>
+    </p:extLst>
   </p:cSld>
   <p:clrMapOvr>
     <a:masterClrMapping/>
@@ -2392,11 +2736,11 @@
 </file>
 
 <file path=ppt/notesSlides/notesSlide9.xml><?xml version="1.0" encoding="utf-8"?>
-<p:notes xmlns:a="http://schemas.openxmlformats.org/drawingml/2006/main" xmlns:r="http://schemas.openxmlformats.org/officeDocument/2006/relationships" xmlns:mc="http://schemas.openxmlformats.org/markup-compatibility/2006" xmlns:mv="urn:schemas-microsoft-com:mac:vml" xmlns:p="http://schemas.openxmlformats.org/presentationml/2006/main" xmlns:c="http://schemas.openxmlformats.org/drawingml/2006/chart" xmlns:dgm="http://schemas.openxmlformats.org/drawingml/2006/diagram" xmlns:o="urn:schemas-microsoft-com:office:office" xmlns:v="urn:schemas-microsoft-com:vml" xmlns:pvml="urn:schemas-microsoft-com:office:powerpoint" xmlns:com="http://schemas.openxmlformats.org/drawingml/2006/compatibility" xmlns:p14="http://schemas.microsoft.com/office/powerpoint/2010/main" showMasterPhAnim="0" showMasterSp="0">
+<p:notes xmlns:a="http://schemas.openxmlformats.org/drawingml/2006/main" xmlns:r="http://schemas.openxmlformats.org/officeDocument/2006/relationships" xmlns:p="http://schemas.openxmlformats.org/presentationml/2006/main" showMasterSp="0" showMasterPhAnim="0">
   <p:cSld>
     <p:spTree>
       <p:nvGrpSpPr>
-        <p:cNvPr id="134" name="Shape 134"/>
+        <p:cNvPr id="1" name="Shape 134"/>
         <p:cNvGrpSpPr/>
         <p:nvPr/>
       </p:nvGrpSpPr>
@@ -2411,9 +2755,11 @@
       <p:sp>
         <p:nvSpPr>
           <p:cNvPr id="135" name="Shape 135"/>
-          <p:cNvSpPr/>
+          <p:cNvSpPr>
+            <a:spLocks noGrp="1" noRot="1" noChangeAspect="1"/>
+          </p:cNvSpPr>
           <p:nvPr>
-            <p:ph idx="2" type="sldImg"/>
+            <p:ph type="sldImg" idx="2"/>
           </p:nvPr>
         </p:nvSpPr>
         <p:spPr>
@@ -2422,8 +2768,13 @@
             <a:ext cx="6096000" cy="3429000"/>
           </a:xfrm>
           <a:custGeom>
+            <a:avLst/>
+            <a:gdLst/>
+            <a:ahLst/>
+            <a:cxnLst/>
+            <a:rect l="0" t="0" r="0" b="0"/>
             <a:pathLst>
-              <a:path extrusionOk="0" h="120000" w="120000">
+              <a:path w="120000" h="120000" extrusionOk="0">
                 <a:moveTo>
                   <a:pt x="0" y="0"/>
                 </a:moveTo>
@@ -2445,9 +2796,11 @@
       <p:sp>
         <p:nvSpPr>
           <p:cNvPr id="136" name="Shape 136"/>
-          <p:cNvSpPr txBox="1"/>
+          <p:cNvSpPr txBox="1">
+            <a:spLocks noGrp="1"/>
+          </p:cNvSpPr>
           <p:nvPr>
-            <p:ph idx="1" type="body"/>
+            <p:ph type="body" idx="1"/>
           </p:nvPr>
         </p:nvSpPr>
         <p:spPr>
@@ -2460,7 +2813,7 @@
           </a:prstGeom>
         </p:spPr>
         <p:txBody>
-          <a:bodyPr anchorCtr="0" anchor="t" bIns="91425" lIns="91425" rIns="91425" tIns="91425">
+          <a:bodyPr lIns="91425" tIns="91425" rIns="91425" bIns="91425" anchor="t" anchorCtr="0">
             <a:noAutofit/>
           </a:bodyPr>
           <a:lstStyle/>
@@ -2471,14 +2824,16 @@
               </a:spcBef>
               <a:buNone/>
             </a:pPr>
-            <a:r>
-              <a:t/>
-            </a:r>
             <a:endParaRPr/>
           </a:p>
         </p:txBody>
       </p:sp>
     </p:spTree>
+    <p:extLst>
+      <p:ext uri="{BB962C8B-B14F-4D97-AF65-F5344CB8AC3E}">
+        <p14:creationId xmlns:p14="http://schemas.microsoft.com/office/powerpoint/2010/main" val="1917072102"/>
+      </p:ext>
+    </p:extLst>
   </p:cSld>
   <p:clrMapOvr>
     <a:masterClrMapping/>
@@ -2487,18 +2842,19 @@
 </file>
 
 <file path=ppt/slideLayouts/slideLayout1.xml><?xml version="1.0" encoding="utf-8"?>
-<p:sldLayout xmlns:a="http://schemas.openxmlformats.org/drawingml/2006/main" xmlns:r="http://schemas.openxmlformats.org/officeDocument/2006/relationships" xmlns:mc="http://schemas.openxmlformats.org/markup-compatibility/2006" xmlns:mv="urn:schemas-microsoft-com:mac:vml" xmlns:p="http://schemas.openxmlformats.org/presentationml/2006/main" xmlns:c="http://schemas.openxmlformats.org/drawingml/2006/chart" xmlns:dgm="http://schemas.openxmlformats.org/drawingml/2006/diagram" xmlns:o="urn:schemas-microsoft-com:office:office" xmlns:v="urn:schemas-microsoft-com:vml" xmlns:pvml="urn:schemas-microsoft-com:office:powerpoint" xmlns:com="http://schemas.openxmlformats.org/drawingml/2006/compatibility" xmlns:p14="http://schemas.microsoft.com/office/powerpoint/2010/main" type="title">
+<p:sldLayout xmlns:a="http://schemas.openxmlformats.org/drawingml/2006/main" xmlns:r="http://schemas.openxmlformats.org/officeDocument/2006/relationships" xmlns:p="http://schemas.openxmlformats.org/presentationml/2006/main" type="title">
   <p:cSld name="Title slide">
     <p:bg>
       <p:bgPr>
         <a:solidFill>
           <a:schemeClr val="dk1"/>
         </a:solidFill>
+        <a:effectLst/>
       </p:bgPr>
     </p:bg>
     <p:spTree>
       <p:nvGrpSpPr>
-        <p:cNvPr id="9" name="Shape 9"/>
+        <p:cNvPr id="1" name="Shape 9"/>
         <p:cNvGrpSpPr/>
         <p:nvPr/>
       </p:nvGrpSpPr>
@@ -2546,7 +2902,7 @@
             </a:ln>
           </p:spPr>
           <p:txBody>
-            <a:bodyPr anchorCtr="0" anchor="ctr" bIns="91425" lIns="91425" rIns="91425" tIns="91425">
+            <a:bodyPr lIns="91425" tIns="91425" rIns="91425" bIns="91425" anchor="ctr" anchorCtr="0">
               <a:noAutofit/>
             </a:bodyPr>
             <a:lstStyle/>
@@ -2557,9 +2913,6 @@
                 </a:spcBef>
                 <a:buNone/>
               </a:pPr>
-              <a:r>
-                <a:t/>
-              </a:r>
               <a:endParaRPr/>
             </a:p>
           </p:txBody>
@@ -2586,7 +2939,7 @@
             </a:ln>
           </p:spPr>
           <p:txBody>
-            <a:bodyPr anchorCtr="0" anchor="ctr" bIns="91425" lIns="91425" rIns="91425" tIns="91425">
+            <a:bodyPr lIns="91425" tIns="91425" rIns="91425" bIns="91425" anchor="ctr" anchorCtr="0">
               <a:noAutofit/>
             </a:bodyPr>
             <a:lstStyle/>
@@ -2597,9 +2950,6 @@
                 </a:spcBef>
                 <a:buNone/>
               </a:pPr>
-              <a:r>
-                <a:t/>
-              </a:r>
               <a:endParaRPr/>
             </a:p>
           </p:txBody>
@@ -2611,7 +2961,7 @@
             <p:nvPr/>
           </p:nvSpPr>
           <p:spPr>
-            <a:xfrm flipH="1" rot="10800000">
+            <a:xfrm rot="10800000" flipH="1">
               <a:off x="7113588" y="106"/>
               <a:ext cx="1015200" cy="1015200"/>
             </a:xfrm>
@@ -2626,7 +2976,7 @@
             </a:ln>
           </p:spPr>
           <p:txBody>
-            <a:bodyPr anchorCtr="0" anchor="ctr" bIns="91425" lIns="91425" rIns="91425" tIns="91425">
+            <a:bodyPr lIns="91425" tIns="91425" rIns="91425" bIns="91425" anchor="ctr" anchorCtr="0">
               <a:noAutofit/>
             </a:bodyPr>
             <a:lstStyle/>
@@ -2637,9 +2987,6 @@
                 </a:spcBef>
                 <a:buNone/>
               </a:pPr>
-              <a:r>
-                <a:t/>
-              </a:r>
               <a:endParaRPr/>
             </a:p>
           </p:txBody>
@@ -2666,7 +3013,7 @@
             </a:ln>
           </p:spPr>
           <p:txBody>
-            <a:bodyPr anchorCtr="0" anchor="ctr" bIns="91425" lIns="91425" rIns="91425" tIns="91425">
+            <a:bodyPr lIns="91425" tIns="91425" rIns="91425" bIns="91425" anchor="ctr" anchorCtr="0">
               <a:noAutofit/>
             </a:bodyPr>
             <a:lstStyle/>
@@ -2677,9 +3024,6 @@
                 </a:spcBef>
                 <a:buNone/>
               </a:pPr>
-              <a:r>
-                <a:t/>
-              </a:r>
               <a:endParaRPr/>
             </a:p>
           </p:txBody>
@@ -2706,7 +3050,7 @@
             </a:ln>
           </p:spPr>
           <p:txBody>
-            <a:bodyPr anchorCtr="0" anchor="ctr" bIns="91425" lIns="91425" rIns="91425" tIns="91425">
+            <a:bodyPr lIns="91425" tIns="91425" rIns="91425" bIns="91425" anchor="ctr" anchorCtr="0">
               <a:noAutofit/>
             </a:bodyPr>
             <a:lstStyle/>
@@ -2717,9 +3061,6 @@
                 </a:spcBef>
                 <a:buNone/>
               </a:pPr>
-              <a:r>
-                <a:t/>
-              </a:r>
               <a:endParaRPr/>
             </a:p>
           </p:txBody>
@@ -2728,7 +3069,9 @@
       <p:sp>
         <p:nvSpPr>
           <p:cNvPr id="16" name="Shape 16"/>
-          <p:cNvSpPr txBox="1"/>
+          <p:cNvSpPr txBox="1">
+            <a:spLocks noGrp="1"/>
+          </p:cNvSpPr>
           <p:nvPr>
             <p:ph type="ctrTitle"/>
           </p:nvPr>
@@ -2743,7 +3086,7 @@
           </a:prstGeom>
         </p:spPr>
         <p:txBody>
-          <a:bodyPr anchorCtr="0" anchor="b" bIns="91425" lIns="91425" rIns="91425" tIns="91425"/>
+          <a:bodyPr lIns="91425" tIns="91425" rIns="91425" bIns="91425" anchor="b" anchorCtr="0"/>
           <a:lstStyle>
             <a:lvl1pPr lvl="0">
               <a:spcBef>
@@ -2872,15 +3215,19 @@
               </a:defRPr>
             </a:lvl9pPr>
           </a:lstStyle>
-          <a:p/>
+          <a:p>
+            <a:endParaRPr/>
+          </a:p>
         </p:txBody>
       </p:sp>
       <p:sp>
         <p:nvSpPr>
           <p:cNvPr id="17" name="Shape 17"/>
-          <p:cNvSpPr txBox="1"/>
+          <p:cNvSpPr txBox="1">
+            <a:spLocks noGrp="1"/>
+          </p:cNvSpPr>
           <p:nvPr>
-            <p:ph idx="1" type="subTitle"/>
+            <p:ph type="subTitle" idx="1"/>
           </p:nvPr>
         </p:nvSpPr>
         <p:spPr>
@@ -2893,7 +3240,7 @@
           </a:prstGeom>
         </p:spPr>
         <p:txBody>
-          <a:bodyPr anchorCtr="0" anchor="t" bIns="91425" lIns="91425" rIns="91425" tIns="91425"/>
+          <a:bodyPr lIns="91425" tIns="91425" rIns="91425" bIns="91425" anchor="t" anchorCtr="0"/>
           <a:lstStyle>
             <a:lvl1pPr lvl="0">
               <a:lnSpc>
@@ -3085,15 +3432,19 @@
               </a:defRPr>
             </a:lvl9pPr>
           </a:lstStyle>
-          <a:p/>
+          <a:p>
+            <a:endParaRPr/>
+          </a:p>
         </p:txBody>
       </p:sp>
       <p:sp>
         <p:nvSpPr>
           <p:cNvPr id="18" name="Shape 18"/>
-          <p:cNvSpPr txBox="1"/>
+          <p:cNvSpPr txBox="1">
+            <a:spLocks noGrp="1"/>
+          </p:cNvSpPr>
           <p:nvPr>
-            <p:ph idx="12" type="sldNum"/>
+            <p:ph type="sldNum" idx="12"/>
           </p:nvPr>
         </p:nvSpPr>
         <p:spPr>
@@ -3106,7 +3457,7 @@
           </a:prstGeom>
         </p:spPr>
         <p:txBody>
-          <a:bodyPr anchorCtr="0" anchor="ctr" bIns="91425" lIns="91425" rIns="91425" tIns="91425">
+          <a:bodyPr lIns="91425" tIns="91425" rIns="91425" bIns="91425" anchor="ctr" anchorCtr="0">
             <a:noAutofit/>
           </a:bodyPr>
           <a:lstStyle/>
@@ -3119,8 +3470,9 @@
             </a:pPr>
             <a:fld id="{00000000-1234-1234-1234-123412341234}" type="slidenum">
               <a:rPr lang="es"/>
-              <a:t>‹#›</a:t>
+              <a:t>‹Nº›</a:t>
             </a:fld>
+            <a:endParaRPr lang="es"/>
           </a:p>
         </p:txBody>
       </p:sp>
@@ -3133,18 +3485,19 @@
 </file>
 
 <file path=ppt/slideLayouts/slideLayout10.xml><?xml version="1.0" encoding="utf-8"?>
-<p:sldLayout xmlns:a="http://schemas.openxmlformats.org/drawingml/2006/main" xmlns:r="http://schemas.openxmlformats.org/officeDocument/2006/relationships" xmlns:mc="http://schemas.openxmlformats.org/markup-compatibility/2006" xmlns:mv="urn:schemas-microsoft-com:mac:vml" xmlns:p="http://schemas.openxmlformats.org/presentationml/2006/main" xmlns:c="http://schemas.openxmlformats.org/drawingml/2006/chart" xmlns:dgm="http://schemas.openxmlformats.org/drawingml/2006/diagram" xmlns:o="urn:schemas-microsoft-com:office:office" xmlns:v="urn:schemas-microsoft-com:vml" xmlns:pvml="urn:schemas-microsoft-com:office:powerpoint" xmlns:com="http://schemas.openxmlformats.org/drawingml/2006/compatibility" xmlns:p14="http://schemas.microsoft.com/office/powerpoint/2010/main">
+<p:sldLayout xmlns:a="http://schemas.openxmlformats.org/drawingml/2006/main" xmlns:r="http://schemas.openxmlformats.org/officeDocument/2006/relationships" xmlns:p="http://schemas.openxmlformats.org/presentationml/2006/main">
   <p:cSld name="Big number">
     <p:bg>
       <p:bgPr>
         <a:solidFill>
           <a:schemeClr val="dk1"/>
         </a:solidFill>
+        <a:effectLst/>
       </p:bgPr>
     </p:bg>
     <p:spTree>
       <p:nvGrpSpPr>
-        <p:cNvPr id="69" name="Shape 69"/>
+        <p:cNvPr id="1" name="Shape 69"/>
         <p:cNvGrpSpPr/>
         <p:nvPr/>
       </p:nvGrpSpPr>
@@ -3192,7 +3545,7 @@
             </a:ln>
           </p:spPr>
           <p:txBody>
-            <a:bodyPr anchorCtr="0" anchor="ctr" bIns="91425" lIns="91425" rIns="91425" tIns="91425">
+            <a:bodyPr lIns="91425" tIns="91425" rIns="91425" bIns="91425" anchor="ctr" anchorCtr="0">
               <a:noAutofit/>
             </a:bodyPr>
             <a:lstStyle/>
@@ -3203,9 +3556,6 @@
                 </a:spcBef>
                 <a:buNone/>
               </a:pPr>
-              <a:r>
-                <a:t/>
-              </a:r>
               <a:endParaRPr/>
             </a:p>
           </p:txBody>
@@ -3232,7 +3582,7 @@
             </a:ln>
           </p:spPr>
           <p:txBody>
-            <a:bodyPr anchorCtr="0" anchor="ctr" bIns="91425" lIns="91425" rIns="91425" tIns="91425">
+            <a:bodyPr lIns="91425" tIns="91425" rIns="91425" bIns="91425" anchor="ctr" anchorCtr="0">
               <a:noAutofit/>
             </a:bodyPr>
             <a:lstStyle/>
@@ -3243,9 +3593,6 @@
                 </a:spcBef>
                 <a:buNone/>
               </a:pPr>
-              <a:r>
-                <a:t/>
-              </a:r>
               <a:endParaRPr/>
             </a:p>
           </p:txBody>
@@ -3257,7 +3604,7 @@
             <p:nvPr/>
           </p:nvSpPr>
           <p:spPr>
-            <a:xfrm flipH="1" rot="10800000">
+            <a:xfrm rot="10800000" flipH="1">
               <a:off x="7113588" y="106"/>
               <a:ext cx="1015200" cy="1015200"/>
             </a:xfrm>
@@ -3272,7 +3619,7 @@
             </a:ln>
           </p:spPr>
           <p:txBody>
-            <a:bodyPr anchorCtr="0" anchor="ctr" bIns="91425" lIns="91425" rIns="91425" tIns="91425">
+            <a:bodyPr lIns="91425" tIns="91425" rIns="91425" bIns="91425" anchor="ctr" anchorCtr="0">
               <a:noAutofit/>
             </a:bodyPr>
             <a:lstStyle/>
@@ -3283,9 +3630,6 @@
                 </a:spcBef>
                 <a:buNone/>
               </a:pPr>
-              <a:r>
-                <a:t/>
-              </a:r>
               <a:endParaRPr/>
             </a:p>
           </p:txBody>
@@ -3312,7 +3656,7 @@
             </a:ln>
           </p:spPr>
           <p:txBody>
-            <a:bodyPr anchorCtr="0" anchor="ctr" bIns="91425" lIns="91425" rIns="91425" tIns="91425">
+            <a:bodyPr lIns="91425" tIns="91425" rIns="91425" bIns="91425" anchor="ctr" anchorCtr="0">
               <a:noAutofit/>
             </a:bodyPr>
             <a:lstStyle/>
@@ -3323,9 +3667,6 @@
                 </a:spcBef>
                 <a:buNone/>
               </a:pPr>
-              <a:r>
-                <a:t/>
-              </a:r>
               <a:endParaRPr/>
             </a:p>
           </p:txBody>
@@ -3352,7 +3693,7 @@
             </a:ln>
           </p:spPr>
           <p:txBody>
-            <a:bodyPr anchorCtr="0" anchor="ctr" bIns="91425" lIns="91425" rIns="91425" tIns="91425">
+            <a:bodyPr lIns="91425" tIns="91425" rIns="91425" bIns="91425" anchor="ctr" anchorCtr="0">
               <a:noAutofit/>
             </a:bodyPr>
             <a:lstStyle/>
@@ -3363,9 +3704,6 @@
                 </a:spcBef>
                 <a:buNone/>
               </a:pPr>
-              <a:r>
-                <a:t/>
-              </a:r>
               <a:endParaRPr/>
             </a:p>
           </p:txBody>
@@ -3374,7 +3712,9 @@
       <p:sp>
         <p:nvSpPr>
           <p:cNvPr id="76" name="Shape 76"/>
-          <p:cNvSpPr txBox="1"/>
+          <p:cNvSpPr txBox="1">
+            <a:spLocks noGrp="1"/>
+          </p:cNvSpPr>
           <p:nvPr>
             <p:ph type="title"/>
           </p:nvPr>
@@ -3389,7 +3729,7 @@
           </a:prstGeom>
         </p:spPr>
         <p:txBody>
-          <a:bodyPr anchorCtr="0" anchor="b" bIns="91425" lIns="91425" rIns="91425" tIns="91425"/>
+          <a:bodyPr lIns="91425" tIns="91425" rIns="91425" bIns="91425" anchor="b" anchorCtr="0"/>
           <a:lstStyle>
             <a:lvl1pPr lvl="0" algn="ctr">
               <a:spcBef>
@@ -3518,15 +3858,19 @@
               </a:defRPr>
             </a:lvl9pPr>
           </a:lstStyle>
-          <a:p/>
+          <a:p>
+            <a:endParaRPr/>
+          </a:p>
         </p:txBody>
       </p:sp>
       <p:sp>
         <p:nvSpPr>
           <p:cNvPr id="77" name="Shape 77"/>
-          <p:cNvSpPr txBox="1"/>
+          <p:cNvSpPr txBox="1">
+            <a:spLocks noGrp="1"/>
+          </p:cNvSpPr>
           <p:nvPr>
-            <p:ph idx="1" type="body"/>
+            <p:ph type="body" idx="1"/>
           </p:nvPr>
         </p:nvSpPr>
         <p:spPr>
@@ -3539,7 +3883,7 @@
           </a:prstGeom>
         </p:spPr>
         <p:txBody>
-          <a:bodyPr anchorCtr="0" anchor="t" bIns="91425" lIns="91425" rIns="91425" tIns="91425"/>
+          <a:bodyPr lIns="91425" tIns="91425" rIns="91425" bIns="91425" anchor="t" anchorCtr="0"/>
           <a:lstStyle>
             <a:lvl1pPr lvl="0" algn="ctr">
               <a:spcBef>
@@ -3659,15 +4003,19 @@
               </a:defRPr>
             </a:lvl9pPr>
           </a:lstStyle>
-          <a:p/>
+          <a:p>
+            <a:endParaRPr/>
+          </a:p>
         </p:txBody>
       </p:sp>
       <p:sp>
         <p:nvSpPr>
           <p:cNvPr id="78" name="Shape 78"/>
-          <p:cNvSpPr txBox="1"/>
+          <p:cNvSpPr txBox="1">
+            <a:spLocks noGrp="1"/>
+          </p:cNvSpPr>
           <p:nvPr>
-            <p:ph idx="12" type="sldNum"/>
+            <p:ph type="sldNum" idx="12"/>
           </p:nvPr>
         </p:nvSpPr>
         <p:spPr>
@@ -3680,7 +4028,7 @@
           </a:prstGeom>
         </p:spPr>
         <p:txBody>
-          <a:bodyPr anchorCtr="0" anchor="ctr" bIns="91425" lIns="91425" rIns="91425" tIns="91425">
+          <a:bodyPr lIns="91425" tIns="91425" rIns="91425" bIns="91425" anchor="ctr" anchorCtr="0">
             <a:noAutofit/>
           </a:bodyPr>
           <a:lstStyle/>
@@ -3693,8 +4041,9 @@
             </a:pPr>
             <a:fld id="{00000000-1234-1234-1234-123412341234}" type="slidenum">
               <a:rPr lang="es"/>
-              <a:t>‹#›</a:t>
+              <a:t>‹Nº›</a:t>
             </a:fld>
+            <a:endParaRPr lang="es"/>
           </a:p>
         </p:txBody>
       </p:sp>
@@ -3707,11 +4056,11 @@
 </file>
 
 <file path=ppt/slideLayouts/slideLayout11.xml><?xml version="1.0" encoding="utf-8"?>
-<p:sldLayout xmlns:a="http://schemas.openxmlformats.org/drawingml/2006/main" xmlns:r="http://schemas.openxmlformats.org/officeDocument/2006/relationships" xmlns:mc="http://schemas.openxmlformats.org/markup-compatibility/2006" xmlns:mv="urn:schemas-microsoft-com:mac:vml" xmlns:p="http://schemas.openxmlformats.org/presentationml/2006/main" xmlns:c="http://schemas.openxmlformats.org/drawingml/2006/chart" xmlns:dgm="http://schemas.openxmlformats.org/drawingml/2006/diagram" xmlns:o="urn:schemas-microsoft-com:office:office" xmlns:v="urn:schemas-microsoft-com:vml" xmlns:pvml="urn:schemas-microsoft-com:office:powerpoint" xmlns:com="http://schemas.openxmlformats.org/drawingml/2006/compatibility" xmlns:p14="http://schemas.microsoft.com/office/powerpoint/2010/main" type="blank">
+<p:sldLayout xmlns:a="http://schemas.openxmlformats.org/drawingml/2006/main" xmlns:r="http://schemas.openxmlformats.org/officeDocument/2006/relationships" xmlns:p="http://schemas.openxmlformats.org/presentationml/2006/main" type="blank">
   <p:cSld name="Blank">
     <p:spTree>
       <p:nvGrpSpPr>
-        <p:cNvPr id="79" name="Shape 79"/>
+        <p:cNvPr id="1" name="Shape 79"/>
         <p:cNvGrpSpPr/>
         <p:nvPr/>
       </p:nvGrpSpPr>
@@ -3726,9 +4075,11 @@
       <p:sp>
         <p:nvSpPr>
           <p:cNvPr id="80" name="Shape 80"/>
-          <p:cNvSpPr txBox="1"/>
+          <p:cNvSpPr txBox="1">
+            <a:spLocks noGrp="1"/>
+          </p:cNvSpPr>
           <p:nvPr>
-            <p:ph idx="12" type="sldNum"/>
+            <p:ph type="sldNum" idx="12"/>
           </p:nvPr>
         </p:nvSpPr>
         <p:spPr>
@@ -3741,7 +4092,7 @@
           </a:prstGeom>
         </p:spPr>
         <p:txBody>
-          <a:bodyPr anchorCtr="0" anchor="ctr" bIns="91425" lIns="91425" rIns="91425" tIns="91425">
+          <a:bodyPr lIns="91425" tIns="91425" rIns="91425" bIns="91425" anchor="ctr" anchorCtr="0">
             <a:noAutofit/>
           </a:bodyPr>
           <a:lstStyle/>
@@ -3758,8 +4109,13 @@
                   <a:schemeClr val="dk2"/>
                 </a:solidFill>
               </a:rPr>
-              <a:t>‹#›</a:t>
+              <a:t>‹Nº›</a:t>
             </a:fld>
+            <a:endParaRPr lang="es">
+              <a:solidFill>
+                <a:schemeClr val="dk2"/>
+              </a:solidFill>
+            </a:endParaRPr>
           </a:p>
         </p:txBody>
       </p:sp>
@@ -3772,18 +4128,19 @@
 </file>
 
 <file path=ppt/slideLayouts/slideLayout2.xml><?xml version="1.0" encoding="utf-8"?>
-<p:sldLayout xmlns:a="http://schemas.openxmlformats.org/drawingml/2006/main" xmlns:r="http://schemas.openxmlformats.org/officeDocument/2006/relationships" xmlns:mc="http://schemas.openxmlformats.org/markup-compatibility/2006" xmlns:mv="urn:schemas-microsoft-com:mac:vml" xmlns:p="http://schemas.openxmlformats.org/presentationml/2006/main" xmlns:c="http://schemas.openxmlformats.org/drawingml/2006/chart" xmlns:dgm="http://schemas.openxmlformats.org/drawingml/2006/diagram" xmlns:o="urn:schemas-microsoft-com:office:office" xmlns:v="urn:schemas-microsoft-com:vml" xmlns:pvml="urn:schemas-microsoft-com:office:powerpoint" xmlns:com="http://schemas.openxmlformats.org/drawingml/2006/compatibility" xmlns:p14="http://schemas.microsoft.com/office/powerpoint/2010/main" type="secHead">
+<p:sldLayout xmlns:a="http://schemas.openxmlformats.org/drawingml/2006/main" xmlns:r="http://schemas.openxmlformats.org/officeDocument/2006/relationships" xmlns:p="http://schemas.openxmlformats.org/presentationml/2006/main" type="secHead">
   <p:cSld name="Section header">
     <p:bg>
       <p:bgPr>
         <a:solidFill>
           <a:schemeClr val="dk1"/>
         </a:solidFill>
+        <a:effectLst/>
       </p:bgPr>
     </p:bg>
     <p:spTree>
       <p:nvGrpSpPr>
-        <p:cNvPr id="19" name="Shape 19"/>
+        <p:cNvPr id="1" name="Shape 19"/>
         <p:cNvGrpSpPr/>
         <p:nvPr/>
       </p:nvGrpSpPr>
@@ -3831,7 +4188,7 @@
             </a:ln>
           </p:spPr>
           <p:txBody>
-            <a:bodyPr anchorCtr="0" anchor="ctr" bIns="91425" lIns="91425" rIns="91425" tIns="91425">
+            <a:bodyPr lIns="91425" tIns="91425" rIns="91425" bIns="91425" anchor="ctr" anchorCtr="0">
               <a:noAutofit/>
             </a:bodyPr>
             <a:lstStyle/>
@@ -3842,9 +4199,6 @@
                 </a:spcBef>
                 <a:buNone/>
               </a:pPr>
-              <a:r>
-                <a:t/>
-              </a:r>
               <a:endParaRPr/>
             </a:p>
           </p:txBody>
@@ -3871,7 +4225,7 @@
             </a:ln>
           </p:spPr>
           <p:txBody>
-            <a:bodyPr anchorCtr="0" anchor="ctr" bIns="91425" lIns="91425" rIns="91425" tIns="91425">
+            <a:bodyPr lIns="91425" tIns="91425" rIns="91425" bIns="91425" anchor="ctr" anchorCtr="0">
               <a:noAutofit/>
             </a:bodyPr>
             <a:lstStyle/>
@@ -3882,9 +4236,6 @@
                 </a:spcBef>
                 <a:buNone/>
               </a:pPr>
-              <a:r>
-                <a:t/>
-              </a:r>
               <a:endParaRPr/>
             </a:p>
           </p:txBody>
@@ -3896,7 +4247,7 @@
             <p:nvPr/>
           </p:nvSpPr>
           <p:spPr>
-            <a:xfrm flipH="1" rot="10800000">
+            <a:xfrm rot="10800000" flipH="1">
               <a:off x="7113588" y="106"/>
               <a:ext cx="1015200" cy="1015200"/>
             </a:xfrm>
@@ -3911,7 +4262,7 @@
             </a:ln>
           </p:spPr>
           <p:txBody>
-            <a:bodyPr anchorCtr="0" anchor="ctr" bIns="91425" lIns="91425" rIns="91425" tIns="91425">
+            <a:bodyPr lIns="91425" tIns="91425" rIns="91425" bIns="91425" anchor="ctr" anchorCtr="0">
               <a:noAutofit/>
             </a:bodyPr>
             <a:lstStyle/>
@@ -3922,9 +4273,6 @@
                 </a:spcBef>
                 <a:buNone/>
               </a:pPr>
-              <a:r>
-                <a:t/>
-              </a:r>
               <a:endParaRPr/>
             </a:p>
           </p:txBody>
@@ -3951,7 +4299,7 @@
             </a:ln>
           </p:spPr>
           <p:txBody>
-            <a:bodyPr anchorCtr="0" anchor="ctr" bIns="91425" lIns="91425" rIns="91425" tIns="91425">
+            <a:bodyPr lIns="91425" tIns="91425" rIns="91425" bIns="91425" anchor="ctr" anchorCtr="0">
               <a:noAutofit/>
             </a:bodyPr>
             <a:lstStyle/>
@@ -3962,9 +4310,6 @@
                 </a:spcBef>
                 <a:buNone/>
               </a:pPr>
-              <a:r>
-                <a:t/>
-              </a:r>
               <a:endParaRPr/>
             </a:p>
           </p:txBody>
@@ -3991,7 +4336,7 @@
             </a:ln>
           </p:spPr>
           <p:txBody>
-            <a:bodyPr anchorCtr="0" anchor="ctr" bIns="91425" lIns="91425" rIns="91425" tIns="91425">
+            <a:bodyPr lIns="91425" tIns="91425" rIns="91425" bIns="91425" anchor="ctr" anchorCtr="0">
               <a:noAutofit/>
             </a:bodyPr>
             <a:lstStyle/>
@@ -4002,9 +4347,6 @@
                 </a:spcBef>
                 <a:buNone/>
               </a:pPr>
-              <a:r>
-                <a:t/>
-              </a:r>
               <a:endParaRPr/>
             </a:p>
           </p:txBody>
@@ -4013,7 +4355,9 @@
       <p:sp>
         <p:nvSpPr>
           <p:cNvPr id="26" name="Shape 26"/>
-          <p:cNvSpPr txBox="1"/>
+          <p:cNvSpPr txBox="1">
+            <a:spLocks noGrp="1"/>
+          </p:cNvSpPr>
           <p:nvPr>
             <p:ph type="title"/>
           </p:nvPr>
@@ -4028,7 +4372,7 @@
           </a:prstGeom>
         </p:spPr>
         <p:txBody>
-          <a:bodyPr anchorCtr="0" anchor="ctr" bIns="91425" lIns="91425" rIns="91425" tIns="91425"/>
+          <a:bodyPr lIns="91425" tIns="91425" rIns="91425" bIns="91425" anchor="ctr" anchorCtr="0"/>
           <a:lstStyle>
             <a:lvl1pPr lvl="0">
               <a:spcBef>
@@ -4157,15 +4501,19 @@
               </a:defRPr>
             </a:lvl9pPr>
           </a:lstStyle>
-          <a:p/>
+          <a:p>
+            <a:endParaRPr/>
+          </a:p>
         </p:txBody>
       </p:sp>
       <p:sp>
         <p:nvSpPr>
           <p:cNvPr id="27" name="Shape 27"/>
-          <p:cNvSpPr txBox="1"/>
+          <p:cNvSpPr txBox="1">
+            <a:spLocks noGrp="1"/>
+          </p:cNvSpPr>
           <p:nvPr>
-            <p:ph idx="12" type="sldNum"/>
+            <p:ph type="sldNum" idx="12"/>
           </p:nvPr>
         </p:nvSpPr>
         <p:spPr>
@@ -4178,7 +4526,7 @@
           </a:prstGeom>
         </p:spPr>
         <p:txBody>
-          <a:bodyPr anchorCtr="0" anchor="ctr" bIns="91425" lIns="91425" rIns="91425" tIns="91425">
+          <a:bodyPr lIns="91425" tIns="91425" rIns="91425" bIns="91425" anchor="ctr" anchorCtr="0">
             <a:noAutofit/>
           </a:bodyPr>
           <a:lstStyle/>
@@ -4191,8 +4539,9 @@
             </a:pPr>
             <a:fld id="{00000000-1234-1234-1234-123412341234}" type="slidenum">
               <a:rPr lang="es"/>
-              <a:t>‹#›</a:t>
+              <a:t>‹Nº›</a:t>
             </a:fld>
+            <a:endParaRPr lang="es"/>
           </a:p>
         </p:txBody>
       </p:sp>
@@ -4205,11 +4554,11 @@
 </file>
 
 <file path=ppt/slideLayouts/slideLayout3.xml><?xml version="1.0" encoding="utf-8"?>
-<p:sldLayout xmlns:a="http://schemas.openxmlformats.org/drawingml/2006/main" xmlns:r="http://schemas.openxmlformats.org/officeDocument/2006/relationships" xmlns:mc="http://schemas.openxmlformats.org/markup-compatibility/2006" xmlns:mv="urn:schemas-microsoft-com:mac:vml" xmlns:p="http://schemas.openxmlformats.org/presentationml/2006/main" xmlns:c="http://schemas.openxmlformats.org/drawingml/2006/chart" xmlns:dgm="http://schemas.openxmlformats.org/drawingml/2006/diagram" xmlns:o="urn:schemas-microsoft-com:office:office" xmlns:v="urn:schemas-microsoft-com:vml" xmlns:pvml="urn:schemas-microsoft-com:office:powerpoint" xmlns:com="http://schemas.openxmlformats.org/drawingml/2006/compatibility" xmlns:p14="http://schemas.microsoft.com/office/powerpoint/2010/main" type="tx">
+<p:sldLayout xmlns:a="http://schemas.openxmlformats.org/drawingml/2006/main" xmlns:r="http://schemas.openxmlformats.org/officeDocument/2006/relationships" xmlns:p="http://schemas.openxmlformats.org/presentationml/2006/main" type="tx">
   <p:cSld name="Title and body">
     <p:spTree>
       <p:nvGrpSpPr>
-        <p:cNvPr id="28" name="Shape 28"/>
+        <p:cNvPr id="1" name="Shape 28"/>
         <p:cNvGrpSpPr/>
         <p:nvPr/>
       </p:nvGrpSpPr>
@@ -4257,7 +4606,7 @@
             </a:ln>
           </p:spPr>
           <p:txBody>
-            <a:bodyPr anchorCtr="0" anchor="ctr" bIns="91425" lIns="91425" rIns="91425" tIns="91425">
+            <a:bodyPr lIns="91425" tIns="91425" rIns="91425" bIns="91425" anchor="ctr" anchorCtr="0">
               <a:noAutofit/>
             </a:bodyPr>
             <a:lstStyle/>
@@ -4268,9 +4617,6 @@
                 </a:spcBef>
                 <a:buNone/>
               </a:pPr>
-              <a:r>
-                <a:t/>
-              </a:r>
               <a:endParaRPr/>
             </a:p>
           </p:txBody>
@@ -4297,7 +4643,7 @@
             </a:ln>
           </p:spPr>
           <p:txBody>
-            <a:bodyPr anchorCtr="0" anchor="ctr" bIns="91425" lIns="91425" rIns="91425" tIns="91425">
+            <a:bodyPr lIns="91425" tIns="91425" rIns="91425" bIns="91425" anchor="ctr" anchorCtr="0">
               <a:noAutofit/>
             </a:bodyPr>
             <a:lstStyle/>
@@ -4308,9 +4654,6 @@
                 </a:spcBef>
                 <a:buNone/>
               </a:pPr>
-              <a:r>
-                <a:t/>
-              </a:r>
               <a:endParaRPr/>
             </a:p>
           </p:txBody>
@@ -4337,7 +4680,7 @@
             </a:ln>
           </p:spPr>
           <p:txBody>
-            <a:bodyPr anchorCtr="0" anchor="ctr" bIns="91425" lIns="91425" rIns="91425" tIns="91425">
+            <a:bodyPr lIns="91425" tIns="91425" rIns="91425" bIns="91425" anchor="ctr" anchorCtr="0">
               <a:noAutofit/>
             </a:bodyPr>
             <a:lstStyle/>
@@ -4348,9 +4691,6 @@
                 </a:spcBef>
                 <a:buNone/>
               </a:pPr>
-              <a:r>
-                <a:t/>
-              </a:r>
               <a:endParaRPr/>
             </a:p>
           </p:txBody>
@@ -4377,7 +4717,7 @@
             </a:ln>
           </p:spPr>
           <p:txBody>
-            <a:bodyPr anchorCtr="0" anchor="ctr" bIns="91425" lIns="91425" rIns="91425" tIns="91425">
+            <a:bodyPr lIns="91425" tIns="91425" rIns="91425" bIns="91425" anchor="ctr" anchorCtr="0">
               <a:noAutofit/>
             </a:bodyPr>
             <a:lstStyle/>
@@ -4388,9 +4728,6 @@
                 </a:spcBef>
                 <a:buNone/>
               </a:pPr>
-              <a:r>
-                <a:t/>
-              </a:r>
               <a:endParaRPr/>
             </a:p>
           </p:txBody>
@@ -4417,7 +4754,7 @@
             </a:ln>
           </p:spPr>
           <p:txBody>
-            <a:bodyPr anchorCtr="0" anchor="ctr" bIns="91425" lIns="91425" rIns="91425" tIns="91425">
+            <a:bodyPr lIns="91425" tIns="91425" rIns="91425" bIns="91425" anchor="ctr" anchorCtr="0">
               <a:noAutofit/>
             </a:bodyPr>
             <a:lstStyle/>
@@ -4428,9 +4765,6 @@
                 </a:spcBef>
                 <a:buNone/>
               </a:pPr>
-              <a:r>
-                <a:t/>
-              </a:r>
               <a:endParaRPr/>
             </a:p>
           </p:txBody>
@@ -4439,7 +4773,9 @@
       <p:sp>
         <p:nvSpPr>
           <p:cNvPr id="35" name="Shape 35"/>
-          <p:cNvSpPr txBox="1"/>
+          <p:cNvSpPr txBox="1">
+            <a:spLocks noGrp="1"/>
+          </p:cNvSpPr>
           <p:nvPr>
             <p:ph type="title"/>
           </p:nvPr>
@@ -4454,7 +4790,7 @@
           </a:prstGeom>
         </p:spPr>
         <p:txBody>
-          <a:bodyPr anchorCtr="0" anchor="t" bIns="91425" lIns="91425" rIns="91425" tIns="91425"/>
+          <a:bodyPr lIns="91425" tIns="91425" rIns="91425" bIns="91425" anchor="t" anchorCtr="0"/>
           <a:lstStyle>
             <a:lvl1pPr lvl="0">
               <a:spcBef>
@@ -4511,15 +4847,19 @@
               <a:defRPr/>
             </a:lvl9pPr>
           </a:lstStyle>
-          <a:p/>
+          <a:p>
+            <a:endParaRPr/>
+          </a:p>
         </p:txBody>
       </p:sp>
       <p:sp>
         <p:nvSpPr>
           <p:cNvPr id="36" name="Shape 36"/>
-          <p:cNvSpPr txBox="1"/>
+          <p:cNvSpPr txBox="1">
+            <a:spLocks noGrp="1"/>
+          </p:cNvSpPr>
           <p:nvPr>
-            <p:ph idx="1" type="body"/>
+            <p:ph type="body" idx="1"/>
           </p:nvPr>
         </p:nvSpPr>
         <p:spPr>
@@ -4532,7 +4872,7 @@
           </a:prstGeom>
         </p:spPr>
         <p:txBody>
-          <a:bodyPr anchorCtr="0" anchor="t" bIns="91425" lIns="91425" rIns="91425" tIns="91425"/>
+          <a:bodyPr lIns="91425" tIns="91425" rIns="91425" bIns="91425" anchor="t" anchorCtr="0"/>
           <a:lstStyle>
             <a:lvl1pPr lvl="0">
               <a:spcBef>
@@ -4589,15 +4929,19 @@
               <a:defRPr/>
             </a:lvl9pPr>
           </a:lstStyle>
-          <a:p/>
+          <a:p>
+            <a:endParaRPr/>
+          </a:p>
         </p:txBody>
       </p:sp>
       <p:sp>
         <p:nvSpPr>
           <p:cNvPr id="37" name="Shape 37"/>
-          <p:cNvSpPr txBox="1"/>
+          <p:cNvSpPr txBox="1">
+            <a:spLocks noGrp="1"/>
+          </p:cNvSpPr>
           <p:nvPr>
-            <p:ph idx="12" type="sldNum"/>
+            <p:ph type="sldNum" idx="12"/>
           </p:nvPr>
         </p:nvSpPr>
         <p:spPr>
@@ -4610,7 +4954,7 @@
           </a:prstGeom>
         </p:spPr>
         <p:txBody>
-          <a:bodyPr anchorCtr="0" anchor="ctr" bIns="91425" lIns="91425" rIns="91425" tIns="91425">
+          <a:bodyPr lIns="91425" tIns="91425" rIns="91425" bIns="91425" anchor="ctr" anchorCtr="0">
             <a:noAutofit/>
           </a:bodyPr>
           <a:lstStyle/>
@@ -4623,8 +4967,9 @@
             </a:pPr>
             <a:fld id="{00000000-1234-1234-1234-123412341234}" type="slidenum">
               <a:rPr lang="es"/>
-              <a:t>‹#›</a:t>
+              <a:t>‹Nº›</a:t>
             </a:fld>
+            <a:endParaRPr lang="es"/>
           </a:p>
         </p:txBody>
       </p:sp>
@@ -4637,11 +4982,11 @@
 </file>
 
 <file path=ppt/slideLayouts/slideLayout4.xml><?xml version="1.0" encoding="utf-8"?>
-<p:sldLayout xmlns:a="http://schemas.openxmlformats.org/drawingml/2006/main" xmlns:r="http://schemas.openxmlformats.org/officeDocument/2006/relationships" xmlns:mc="http://schemas.openxmlformats.org/markup-compatibility/2006" xmlns:mv="urn:schemas-microsoft-com:mac:vml" xmlns:p="http://schemas.openxmlformats.org/presentationml/2006/main" xmlns:c="http://schemas.openxmlformats.org/drawingml/2006/chart" xmlns:dgm="http://schemas.openxmlformats.org/drawingml/2006/diagram" xmlns:o="urn:schemas-microsoft-com:office:office" xmlns:v="urn:schemas-microsoft-com:vml" xmlns:pvml="urn:schemas-microsoft-com:office:powerpoint" xmlns:com="http://schemas.openxmlformats.org/drawingml/2006/compatibility" xmlns:p14="http://schemas.microsoft.com/office/powerpoint/2010/main" type="twoColTx">
+<p:sldLayout xmlns:a="http://schemas.openxmlformats.org/drawingml/2006/main" xmlns:r="http://schemas.openxmlformats.org/officeDocument/2006/relationships" xmlns:p="http://schemas.openxmlformats.org/presentationml/2006/main" type="twoColTx">
   <p:cSld name="Title and two columns">
     <p:spTree>
       <p:nvGrpSpPr>
-        <p:cNvPr id="38" name="Shape 38"/>
+        <p:cNvPr id="1" name="Shape 38"/>
         <p:cNvGrpSpPr/>
         <p:nvPr/>
       </p:nvGrpSpPr>
@@ -4656,7 +5001,9 @@
       <p:sp>
         <p:nvSpPr>
           <p:cNvPr id="39" name="Shape 39"/>
-          <p:cNvSpPr txBox="1"/>
+          <p:cNvSpPr txBox="1">
+            <a:spLocks noGrp="1"/>
+          </p:cNvSpPr>
           <p:nvPr>
             <p:ph type="title"/>
           </p:nvPr>
@@ -4671,7 +5018,7 @@
           </a:prstGeom>
         </p:spPr>
         <p:txBody>
-          <a:bodyPr anchorCtr="0" anchor="t" bIns="91425" lIns="91425" rIns="91425" tIns="91425"/>
+          <a:bodyPr lIns="91425" tIns="91425" rIns="91425" bIns="91425" anchor="t" anchorCtr="0"/>
           <a:lstStyle>
             <a:lvl1pPr lvl="0">
               <a:spcBef>
@@ -4728,15 +5075,19 @@
               <a:defRPr/>
             </a:lvl9pPr>
           </a:lstStyle>
-          <a:p/>
+          <a:p>
+            <a:endParaRPr/>
+          </a:p>
         </p:txBody>
       </p:sp>
       <p:sp>
         <p:nvSpPr>
           <p:cNvPr id="40" name="Shape 40"/>
-          <p:cNvSpPr txBox="1"/>
+          <p:cNvSpPr txBox="1">
+            <a:spLocks noGrp="1"/>
+          </p:cNvSpPr>
           <p:nvPr>
-            <p:ph idx="1" type="body"/>
+            <p:ph type="body" idx="1"/>
           </p:nvPr>
         </p:nvSpPr>
         <p:spPr>
@@ -4749,7 +5100,7 @@
           </a:prstGeom>
         </p:spPr>
         <p:txBody>
-          <a:bodyPr anchorCtr="0" anchor="t" bIns="91425" lIns="91425" rIns="91425" tIns="91425"/>
+          <a:bodyPr lIns="91425" tIns="91425" rIns="91425" bIns="91425" anchor="t" anchorCtr="0"/>
           <a:lstStyle>
             <a:lvl1pPr lvl="0">
               <a:spcBef>
@@ -4815,15 +5166,19 @@
               <a:defRPr sz="1200"/>
             </a:lvl9pPr>
           </a:lstStyle>
-          <a:p/>
+          <a:p>
+            <a:endParaRPr/>
+          </a:p>
         </p:txBody>
       </p:sp>
       <p:sp>
         <p:nvSpPr>
           <p:cNvPr id="41" name="Shape 41"/>
-          <p:cNvSpPr txBox="1"/>
+          <p:cNvSpPr txBox="1">
+            <a:spLocks noGrp="1"/>
+          </p:cNvSpPr>
           <p:nvPr>
-            <p:ph idx="2" type="body"/>
+            <p:ph type="body" idx="2"/>
           </p:nvPr>
         </p:nvSpPr>
         <p:spPr>
@@ -4836,7 +5191,7 @@
           </a:prstGeom>
         </p:spPr>
         <p:txBody>
-          <a:bodyPr anchorCtr="0" anchor="t" bIns="91425" lIns="91425" rIns="91425" tIns="91425"/>
+          <a:bodyPr lIns="91425" tIns="91425" rIns="91425" bIns="91425" anchor="t" anchorCtr="0"/>
           <a:lstStyle>
             <a:lvl1pPr lvl="0">
               <a:spcBef>
@@ -4902,15 +5257,19 @@
               <a:defRPr sz="1200"/>
             </a:lvl9pPr>
           </a:lstStyle>
-          <a:p/>
+          <a:p>
+            <a:endParaRPr/>
+          </a:p>
         </p:txBody>
       </p:sp>
       <p:sp>
         <p:nvSpPr>
           <p:cNvPr id="42" name="Shape 42"/>
-          <p:cNvSpPr txBox="1"/>
+          <p:cNvSpPr txBox="1">
+            <a:spLocks noGrp="1"/>
+          </p:cNvSpPr>
           <p:nvPr>
-            <p:ph idx="12" type="sldNum"/>
+            <p:ph type="sldNum" idx="12"/>
           </p:nvPr>
         </p:nvSpPr>
         <p:spPr>
@@ -4923,7 +5282,7 @@
           </a:prstGeom>
         </p:spPr>
         <p:txBody>
-          <a:bodyPr anchorCtr="0" anchor="ctr" bIns="91425" lIns="91425" rIns="91425" tIns="91425">
+          <a:bodyPr lIns="91425" tIns="91425" rIns="91425" bIns="91425" anchor="ctr" anchorCtr="0">
             <a:noAutofit/>
           </a:bodyPr>
           <a:lstStyle/>
@@ -4940,8 +5299,13 @@
                   <a:schemeClr val="dk2"/>
                 </a:solidFill>
               </a:rPr>
-              <a:t>‹#›</a:t>
+              <a:t>‹Nº›</a:t>
             </a:fld>
+            <a:endParaRPr lang="es">
+              <a:solidFill>
+                <a:schemeClr val="dk2"/>
+              </a:solidFill>
+            </a:endParaRPr>
           </a:p>
         </p:txBody>
       </p:sp>
@@ -4954,11 +5318,11 @@
 </file>
 
 <file path=ppt/slideLayouts/slideLayout5.xml><?xml version="1.0" encoding="utf-8"?>
-<p:sldLayout xmlns:a="http://schemas.openxmlformats.org/drawingml/2006/main" xmlns:r="http://schemas.openxmlformats.org/officeDocument/2006/relationships" xmlns:mc="http://schemas.openxmlformats.org/markup-compatibility/2006" xmlns:mv="urn:schemas-microsoft-com:mac:vml" xmlns:p="http://schemas.openxmlformats.org/presentationml/2006/main" xmlns:c="http://schemas.openxmlformats.org/drawingml/2006/chart" xmlns:dgm="http://schemas.openxmlformats.org/drawingml/2006/diagram" xmlns:o="urn:schemas-microsoft-com:office:office" xmlns:v="urn:schemas-microsoft-com:vml" xmlns:pvml="urn:schemas-microsoft-com:office:powerpoint" xmlns:com="http://schemas.openxmlformats.org/drawingml/2006/compatibility" xmlns:p14="http://schemas.microsoft.com/office/powerpoint/2010/main" type="titleOnly">
+<p:sldLayout xmlns:a="http://schemas.openxmlformats.org/drawingml/2006/main" xmlns:r="http://schemas.openxmlformats.org/officeDocument/2006/relationships" xmlns:p="http://schemas.openxmlformats.org/presentationml/2006/main" type="titleOnly">
   <p:cSld name="Title only">
     <p:spTree>
       <p:nvGrpSpPr>
-        <p:cNvPr id="43" name="Shape 43"/>
+        <p:cNvPr id="1" name="Shape 43"/>
         <p:cNvGrpSpPr/>
         <p:nvPr/>
       </p:nvGrpSpPr>
@@ -4973,7 +5337,9 @@
       <p:sp>
         <p:nvSpPr>
           <p:cNvPr id="44" name="Shape 44"/>
-          <p:cNvSpPr txBox="1"/>
+          <p:cNvSpPr txBox="1">
+            <a:spLocks noGrp="1"/>
+          </p:cNvSpPr>
           <p:nvPr>
             <p:ph type="title"/>
           </p:nvPr>
@@ -4988,7 +5354,7 @@
           </a:prstGeom>
         </p:spPr>
         <p:txBody>
-          <a:bodyPr anchorCtr="0" anchor="t" bIns="91425" lIns="91425" rIns="91425" tIns="91425"/>
+          <a:bodyPr lIns="91425" tIns="91425" rIns="91425" bIns="91425" anchor="t" anchorCtr="0"/>
           <a:lstStyle>
             <a:lvl1pPr lvl="0">
               <a:spcBef>
@@ -5045,15 +5411,19 @@
               <a:defRPr/>
             </a:lvl9pPr>
           </a:lstStyle>
-          <a:p/>
+          <a:p>
+            <a:endParaRPr/>
+          </a:p>
         </p:txBody>
       </p:sp>
       <p:sp>
         <p:nvSpPr>
           <p:cNvPr id="45" name="Shape 45"/>
-          <p:cNvSpPr txBox="1"/>
+          <p:cNvSpPr txBox="1">
+            <a:spLocks noGrp="1"/>
+          </p:cNvSpPr>
           <p:nvPr>
-            <p:ph idx="12" type="sldNum"/>
+            <p:ph type="sldNum" idx="12"/>
           </p:nvPr>
         </p:nvSpPr>
         <p:spPr>
@@ -5066,7 +5436,7 @@
           </a:prstGeom>
         </p:spPr>
         <p:txBody>
-          <a:bodyPr anchorCtr="0" anchor="ctr" bIns="91425" lIns="91425" rIns="91425" tIns="91425">
+          <a:bodyPr lIns="91425" tIns="91425" rIns="91425" bIns="91425" anchor="ctr" anchorCtr="0">
             <a:noAutofit/>
           </a:bodyPr>
           <a:lstStyle/>
@@ -5083,8 +5453,13 @@
                   <a:schemeClr val="dk2"/>
                 </a:solidFill>
               </a:rPr>
-              <a:t>‹#›</a:t>
+              <a:t>‹Nº›</a:t>
             </a:fld>
+            <a:endParaRPr lang="es">
+              <a:solidFill>
+                <a:schemeClr val="dk2"/>
+              </a:solidFill>
+            </a:endParaRPr>
           </a:p>
         </p:txBody>
       </p:sp>
@@ -5097,11 +5472,11 @@
 </file>
 
 <file path=ppt/slideLayouts/slideLayout6.xml><?xml version="1.0" encoding="utf-8"?>
-<p:sldLayout xmlns:a="http://schemas.openxmlformats.org/drawingml/2006/main" xmlns:r="http://schemas.openxmlformats.org/officeDocument/2006/relationships" xmlns:mc="http://schemas.openxmlformats.org/markup-compatibility/2006" xmlns:mv="urn:schemas-microsoft-com:mac:vml" xmlns:p="http://schemas.openxmlformats.org/presentationml/2006/main" xmlns:c="http://schemas.openxmlformats.org/drawingml/2006/chart" xmlns:dgm="http://schemas.openxmlformats.org/drawingml/2006/diagram" xmlns:o="urn:schemas-microsoft-com:office:office" xmlns:v="urn:schemas-microsoft-com:vml" xmlns:pvml="urn:schemas-microsoft-com:office:powerpoint" xmlns:com="http://schemas.openxmlformats.org/drawingml/2006/compatibility" xmlns:p14="http://schemas.microsoft.com/office/powerpoint/2010/main">
+<p:sldLayout xmlns:a="http://schemas.openxmlformats.org/drawingml/2006/main" xmlns:r="http://schemas.openxmlformats.org/officeDocument/2006/relationships" xmlns:p="http://schemas.openxmlformats.org/presentationml/2006/main">
   <p:cSld name="One column text">
     <p:spTree>
       <p:nvGrpSpPr>
-        <p:cNvPr id="46" name="Shape 46"/>
+        <p:cNvPr id="1" name="Shape 46"/>
         <p:cNvGrpSpPr/>
         <p:nvPr/>
       </p:nvGrpSpPr>
@@ -5116,7 +5491,9 @@
       <p:sp>
         <p:nvSpPr>
           <p:cNvPr id="47" name="Shape 47"/>
-          <p:cNvSpPr txBox="1"/>
+          <p:cNvSpPr txBox="1">
+            <a:spLocks noGrp="1"/>
+          </p:cNvSpPr>
           <p:nvPr>
             <p:ph type="title"/>
           </p:nvPr>
@@ -5131,7 +5508,7 @@
           </a:prstGeom>
         </p:spPr>
         <p:txBody>
-          <a:bodyPr anchorCtr="0" anchor="b" bIns="91425" lIns="91425" rIns="91425" tIns="91425"/>
+          <a:bodyPr lIns="91425" tIns="91425" rIns="91425" bIns="91425" anchor="b" anchorCtr="0"/>
           <a:lstStyle>
             <a:lvl1pPr lvl="0">
               <a:spcBef>
@@ -5197,15 +5574,19 @@
               <a:defRPr sz="2400"/>
             </a:lvl9pPr>
           </a:lstStyle>
-          <a:p/>
+          <a:p>
+            <a:endParaRPr/>
+          </a:p>
         </p:txBody>
       </p:sp>
       <p:sp>
         <p:nvSpPr>
           <p:cNvPr id="48" name="Shape 48"/>
-          <p:cNvSpPr txBox="1"/>
+          <p:cNvSpPr txBox="1">
+            <a:spLocks noGrp="1"/>
+          </p:cNvSpPr>
           <p:nvPr>
-            <p:ph idx="1" type="body"/>
+            <p:ph type="body" idx="1"/>
           </p:nvPr>
         </p:nvSpPr>
         <p:spPr>
@@ -5218,7 +5599,7 @@
           </a:prstGeom>
         </p:spPr>
         <p:txBody>
-          <a:bodyPr anchorCtr="0" anchor="t" bIns="91425" lIns="91425" rIns="91425" tIns="91425"/>
+          <a:bodyPr lIns="91425" tIns="91425" rIns="91425" bIns="91425" anchor="t" anchorCtr="0"/>
           <a:lstStyle>
             <a:lvl1pPr lvl="0">
               <a:spcBef>
@@ -5284,15 +5665,19 @@
               <a:defRPr sz="1200"/>
             </a:lvl9pPr>
           </a:lstStyle>
-          <a:p/>
+          <a:p>
+            <a:endParaRPr/>
+          </a:p>
         </p:txBody>
       </p:sp>
       <p:sp>
         <p:nvSpPr>
           <p:cNvPr id="49" name="Shape 49"/>
-          <p:cNvSpPr txBox="1"/>
+          <p:cNvSpPr txBox="1">
+            <a:spLocks noGrp="1"/>
+          </p:cNvSpPr>
           <p:nvPr>
-            <p:ph idx="12" type="sldNum"/>
+            <p:ph type="sldNum" idx="12"/>
           </p:nvPr>
         </p:nvSpPr>
         <p:spPr>
@@ -5305,7 +5690,7 @@
           </a:prstGeom>
         </p:spPr>
         <p:txBody>
-          <a:bodyPr anchorCtr="0" anchor="ctr" bIns="91425" lIns="91425" rIns="91425" tIns="91425">
+          <a:bodyPr lIns="91425" tIns="91425" rIns="91425" bIns="91425" anchor="ctr" anchorCtr="0">
             <a:noAutofit/>
           </a:bodyPr>
           <a:lstStyle/>
@@ -5322,8 +5707,13 @@
                   <a:schemeClr val="dk2"/>
                 </a:solidFill>
               </a:rPr>
-              <a:t>‹#›</a:t>
+              <a:t>‹Nº›</a:t>
             </a:fld>
+            <a:endParaRPr lang="es">
+              <a:solidFill>
+                <a:schemeClr val="dk2"/>
+              </a:solidFill>
+            </a:endParaRPr>
           </a:p>
         </p:txBody>
       </p:sp>
@@ -5336,18 +5726,19 @@
 </file>
 
 <file path=ppt/slideLayouts/slideLayout7.xml><?xml version="1.0" encoding="utf-8"?>
-<p:sldLayout xmlns:a="http://schemas.openxmlformats.org/drawingml/2006/main" xmlns:r="http://schemas.openxmlformats.org/officeDocument/2006/relationships" xmlns:mc="http://schemas.openxmlformats.org/markup-compatibility/2006" xmlns:mv="urn:schemas-microsoft-com:mac:vml" xmlns:p="http://schemas.openxmlformats.org/presentationml/2006/main" xmlns:c="http://schemas.openxmlformats.org/drawingml/2006/chart" xmlns:dgm="http://schemas.openxmlformats.org/drawingml/2006/diagram" xmlns:o="urn:schemas-microsoft-com:office:office" xmlns:v="urn:schemas-microsoft-com:vml" xmlns:pvml="urn:schemas-microsoft-com:office:powerpoint" xmlns:com="http://schemas.openxmlformats.org/drawingml/2006/compatibility" xmlns:p14="http://schemas.microsoft.com/office/powerpoint/2010/main">
+<p:sldLayout xmlns:a="http://schemas.openxmlformats.org/drawingml/2006/main" xmlns:r="http://schemas.openxmlformats.org/officeDocument/2006/relationships" xmlns:p="http://schemas.openxmlformats.org/presentationml/2006/main">
   <p:cSld name="Main point">
     <p:bg>
       <p:bgPr>
         <a:solidFill>
           <a:schemeClr val="accent4"/>
         </a:solidFill>
+        <a:effectLst/>
       </p:bgPr>
     </p:bg>
     <p:spTree>
       <p:nvGrpSpPr>
-        <p:cNvPr id="50" name="Shape 50"/>
+        <p:cNvPr id="1" name="Shape 50"/>
         <p:cNvGrpSpPr/>
         <p:nvPr/>
       </p:nvGrpSpPr>
@@ -5395,7 +5786,7 @@
             </a:ln>
           </p:spPr>
           <p:txBody>
-            <a:bodyPr anchorCtr="0" anchor="ctr" bIns="91425" lIns="91425" rIns="91425" tIns="91425">
+            <a:bodyPr lIns="91425" tIns="91425" rIns="91425" bIns="91425" anchor="ctr" anchorCtr="0">
               <a:noAutofit/>
             </a:bodyPr>
             <a:lstStyle/>
@@ -5406,9 +5797,6 @@
                 </a:spcBef>
                 <a:buNone/>
               </a:pPr>
-              <a:r>
-                <a:t/>
-              </a:r>
               <a:endParaRPr/>
             </a:p>
           </p:txBody>
@@ -5435,7 +5823,7 @@
             </a:ln>
           </p:spPr>
           <p:txBody>
-            <a:bodyPr anchorCtr="0" anchor="ctr" bIns="91425" lIns="91425" rIns="91425" tIns="91425">
+            <a:bodyPr lIns="91425" tIns="91425" rIns="91425" bIns="91425" anchor="ctr" anchorCtr="0">
               <a:noAutofit/>
             </a:bodyPr>
             <a:lstStyle/>
@@ -5446,9 +5834,6 @@
                 </a:spcBef>
                 <a:buNone/>
               </a:pPr>
-              <a:r>
-                <a:t/>
-              </a:r>
               <a:endParaRPr/>
             </a:p>
           </p:txBody>
@@ -5460,7 +5845,7 @@
             <p:nvPr/>
           </p:nvSpPr>
           <p:spPr>
-            <a:xfrm flipH="1" rot="10800000">
+            <a:xfrm rot="10800000" flipH="1">
               <a:off x="7113588" y="106"/>
               <a:ext cx="1015200" cy="1015200"/>
             </a:xfrm>
@@ -5475,7 +5860,7 @@
             </a:ln>
           </p:spPr>
           <p:txBody>
-            <a:bodyPr anchorCtr="0" anchor="ctr" bIns="91425" lIns="91425" rIns="91425" tIns="91425">
+            <a:bodyPr lIns="91425" tIns="91425" rIns="91425" bIns="91425" anchor="ctr" anchorCtr="0">
               <a:noAutofit/>
             </a:bodyPr>
             <a:lstStyle/>
@@ -5486,9 +5871,6 @@
                 </a:spcBef>
                 <a:buNone/>
               </a:pPr>
-              <a:r>
-                <a:t/>
-              </a:r>
               <a:endParaRPr/>
             </a:p>
           </p:txBody>
@@ -5515,7 +5897,7 @@
             </a:ln>
           </p:spPr>
           <p:txBody>
-            <a:bodyPr anchorCtr="0" anchor="ctr" bIns="91425" lIns="91425" rIns="91425" tIns="91425">
+            <a:bodyPr lIns="91425" tIns="91425" rIns="91425" bIns="91425" anchor="ctr" anchorCtr="0">
               <a:noAutofit/>
             </a:bodyPr>
             <a:lstStyle/>
@@ -5526,9 +5908,6 @@
                 </a:spcBef>
                 <a:buNone/>
               </a:pPr>
-              <a:r>
-                <a:t/>
-              </a:r>
               <a:endParaRPr/>
             </a:p>
           </p:txBody>
@@ -5555,7 +5934,7 @@
             </a:ln>
           </p:spPr>
           <p:txBody>
-            <a:bodyPr anchorCtr="0" anchor="ctr" bIns="91425" lIns="91425" rIns="91425" tIns="91425">
+            <a:bodyPr lIns="91425" tIns="91425" rIns="91425" bIns="91425" anchor="ctr" anchorCtr="0">
               <a:noAutofit/>
             </a:bodyPr>
             <a:lstStyle/>
@@ -5566,9 +5945,6 @@
                 </a:spcBef>
                 <a:buNone/>
               </a:pPr>
-              <a:r>
-                <a:t/>
-              </a:r>
               <a:endParaRPr/>
             </a:p>
           </p:txBody>
@@ -5577,7 +5953,9 @@
       <p:sp>
         <p:nvSpPr>
           <p:cNvPr id="57" name="Shape 57"/>
-          <p:cNvSpPr txBox="1"/>
+          <p:cNvSpPr txBox="1">
+            <a:spLocks noGrp="1"/>
+          </p:cNvSpPr>
           <p:nvPr>
             <p:ph type="title"/>
           </p:nvPr>
@@ -5592,7 +5970,7 @@
           </a:prstGeom>
         </p:spPr>
         <p:txBody>
-          <a:bodyPr anchorCtr="0" anchor="ctr" bIns="91425" lIns="91425" rIns="91425" tIns="91425"/>
+          <a:bodyPr lIns="91425" tIns="91425" rIns="91425" bIns="91425" anchor="ctr" anchorCtr="0"/>
           <a:lstStyle>
             <a:lvl1pPr lvl="0">
               <a:spcBef>
@@ -5721,15 +6099,19 @@
               </a:defRPr>
             </a:lvl9pPr>
           </a:lstStyle>
-          <a:p/>
+          <a:p>
+            <a:endParaRPr/>
+          </a:p>
         </p:txBody>
       </p:sp>
       <p:sp>
         <p:nvSpPr>
           <p:cNvPr id="58" name="Shape 58"/>
-          <p:cNvSpPr txBox="1"/>
+          <p:cNvSpPr txBox="1">
+            <a:spLocks noGrp="1"/>
+          </p:cNvSpPr>
           <p:nvPr>
-            <p:ph idx="12" type="sldNum"/>
+            <p:ph type="sldNum" idx="12"/>
           </p:nvPr>
         </p:nvSpPr>
         <p:spPr>
@@ -5742,7 +6124,7 @@
           </a:prstGeom>
         </p:spPr>
         <p:txBody>
-          <a:bodyPr anchorCtr="0" anchor="ctr" bIns="91425" lIns="91425" rIns="91425" tIns="91425">
+          <a:bodyPr lIns="91425" tIns="91425" rIns="91425" bIns="91425" anchor="ctr" anchorCtr="0">
             <a:noAutofit/>
           </a:bodyPr>
           <a:lstStyle/>
@@ -5755,8 +6137,9 @@
             </a:pPr>
             <a:fld id="{00000000-1234-1234-1234-123412341234}" type="slidenum">
               <a:rPr lang="es"/>
-              <a:t>‹#›</a:t>
+              <a:t>‹Nº›</a:t>
             </a:fld>
+            <a:endParaRPr lang="es"/>
           </a:p>
         </p:txBody>
       </p:sp>
@@ -5769,11 +6152,11 @@
 </file>
 
 <file path=ppt/slideLayouts/slideLayout8.xml><?xml version="1.0" encoding="utf-8"?>
-<p:sldLayout xmlns:a="http://schemas.openxmlformats.org/drawingml/2006/main" xmlns:r="http://schemas.openxmlformats.org/officeDocument/2006/relationships" xmlns:mc="http://schemas.openxmlformats.org/markup-compatibility/2006" xmlns:mv="urn:schemas-microsoft-com:mac:vml" xmlns:p="http://schemas.openxmlformats.org/presentationml/2006/main" xmlns:c="http://schemas.openxmlformats.org/drawingml/2006/chart" xmlns:dgm="http://schemas.openxmlformats.org/drawingml/2006/diagram" xmlns:o="urn:schemas-microsoft-com:office:office" xmlns:v="urn:schemas-microsoft-com:vml" xmlns:pvml="urn:schemas-microsoft-com:office:powerpoint" xmlns:com="http://schemas.openxmlformats.org/drawingml/2006/compatibility" xmlns:p14="http://schemas.microsoft.com/office/powerpoint/2010/main">
+<p:sldLayout xmlns:a="http://schemas.openxmlformats.org/drawingml/2006/main" xmlns:r="http://schemas.openxmlformats.org/officeDocument/2006/relationships" xmlns:p="http://schemas.openxmlformats.org/presentationml/2006/main">
   <p:cSld name="Section title and description">
     <p:spTree>
       <p:nvGrpSpPr>
-        <p:cNvPr id="59" name="Shape 59"/>
+        <p:cNvPr id="1" name="Shape 59"/>
         <p:cNvGrpSpPr/>
         <p:nvPr/>
       </p:nvGrpSpPr>
@@ -5807,7 +6190,7 @@
           </a:ln>
         </p:spPr>
         <p:txBody>
-          <a:bodyPr anchorCtr="0" anchor="ctr" bIns="91425" lIns="91425" rIns="91425" tIns="91425">
+          <a:bodyPr lIns="91425" tIns="91425" rIns="91425" bIns="91425" anchor="ctr" anchorCtr="0">
             <a:noAutofit/>
           </a:bodyPr>
           <a:lstStyle/>
@@ -5818,9 +6201,6 @@
               </a:spcBef>
               <a:buNone/>
             </a:pPr>
-            <a:r>
-              <a:t/>
-            </a:r>
             <a:endParaRPr/>
           </a:p>
         </p:txBody>
@@ -5840,21 +6220,23 @@
             <a:avLst/>
           </a:prstGeom>
           <a:noFill/>
-          <a:ln cap="flat" cmpd="sng" w="19050">
+          <a:ln w="19050" cap="flat" cmpd="sng">
             <a:solidFill>
               <a:schemeClr val="lt1"/>
             </a:solidFill>
             <a:prstDash val="solid"/>
             <a:round/>
-            <a:headEnd len="med" w="med" type="none"/>
-            <a:tailEnd len="med" w="med" type="none"/>
+            <a:headEnd type="none" w="med" len="med"/>
+            <a:tailEnd type="none" w="med" len="med"/>
           </a:ln>
         </p:spPr>
       </p:cxnSp>
       <p:sp>
         <p:nvSpPr>
           <p:cNvPr id="62" name="Shape 62"/>
-          <p:cNvSpPr txBox="1"/>
+          <p:cNvSpPr txBox="1">
+            <a:spLocks noGrp="1"/>
+          </p:cNvSpPr>
           <p:nvPr>
             <p:ph type="title"/>
           </p:nvPr>
@@ -5869,7 +6251,7 @@
           </a:prstGeom>
         </p:spPr>
         <p:txBody>
-          <a:bodyPr anchorCtr="0" anchor="b" bIns="91425" lIns="91425" rIns="91425" tIns="91425"/>
+          <a:bodyPr lIns="91425" tIns="91425" rIns="91425" bIns="91425" anchor="b" anchorCtr="0"/>
           <a:lstStyle>
             <a:lvl1pPr lvl="0" algn="ctr">
               <a:spcBef>
@@ -5935,15 +6317,19 @@
               <a:defRPr sz="4200"/>
             </a:lvl9pPr>
           </a:lstStyle>
-          <a:p/>
+          <a:p>
+            <a:endParaRPr/>
+          </a:p>
         </p:txBody>
       </p:sp>
       <p:sp>
         <p:nvSpPr>
           <p:cNvPr id="63" name="Shape 63"/>
-          <p:cNvSpPr txBox="1"/>
+          <p:cNvSpPr txBox="1">
+            <a:spLocks noGrp="1"/>
+          </p:cNvSpPr>
           <p:nvPr>
-            <p:ph idx="1" type="subTitle"/>
+            <p:ph type="subTitle" idx="1"/>
           </p:nvPr>
         </p:nvSpPr>
         <p:spPr>
@@ -5956,7 +6342,7 @@
           </a:prstGeom>
         </p:spPr>
         <p:txBody>
-          <a:bodyPr anchorCtr="0" anchor="t" bIns="91425" lIns="91425" rIns="91425" tIns="91425"/>
+          <a:bodyPr lIns="91425" tIns="91425" rIns="91425" bIns="91425" anchor="t" anchorCtr="0"/>
           <a:lstStyle>
             <a:lvl1pPr lvl="0" algn="ctr">
               <a:lnSpc>
@@ -6085,15 +6471,19 @@
               <a:defRPr sz="2100"/>
             </a:lvl9pPr>
           </a:lstStyle>
-          <a:p/>
+          <a:p>
+            <a:endParaRPr/>
+          </a:p>
         </p:txBody>
       </p:sp>
       <p:sp>
         <p:nvSpPr>
           <p:cNvPr id="64" name="Shape 64"/>
-          <p:cNvSpPr txBox="1"/>
+          <p:cNvSpPr txBox="1">
+            <a:spLocks noGrp="1"/>
+          </p:cNvSpPr>
           <p:nvPr>
-            <p:ph idx="2" type="body"/>
+            <p:ph type="body" idx="2"/>
           </p:nvPr>
         </p:nvSpPr>
         <p:spPr>
@@ -6106,7 +6496,7 @@
           </a:prstGeom>
         </p:spPr>
         <p:txBody>
-          <a:bodyPr anchorCtr="0" anchor="ctr" bIns="91425" lIns="91425" rIns="91425" tIns="91425"/>
+          <a:bodyPr lIns="91425" tIns="91425" rIns="91425" bIns="91425" anchor="ctr" anchorCtr="0"/>
           <a:lstStyle>
             <a:lvl1pPr lvl="0">
               <a:spcBef>
@@ -6226,15 +6616,19 @@
               </a:defRPr>
             </a:lvl9pPr>
           </a:lstStyle>
-          <a:p/>
+          <a:p>
+            <a:endParaRPr/>
+          </a:p>
         </p:txBody>
       </p:sp>
       <p:sp>
         <p:nvSpPr>
           <p:cNvPr id="65" name="Shape 65"/>
-          <p:cNvSpPr txBox="1"/>
+          <p:cNvSpPr txBox="1">
+            <a:spLocks noGrp="1"/>
+          </p:cNvSpPr>
           <p:nvPr>
-            <p:ph idx="12" type="sldNum"/>
+            <p:ph type="sldNum" idx="12"/>
           </p:nvPr>
         </p:nvSpPr>
         <p:spPr>
@@ -6247,7 +6641,7 @@
           </a:prstGeom>
         </p:spPr>
         <p:txBody>
-          <a:bodyPr anchorCtr="0" anchor="ctr" bIns="91425" lIns="91425" rIns="91425" tIns="91425">
+          <a:bodyPr lIns="91425" tIns="91425" rIns="91425" bIns="91425" anchor="ctr" anchorCtr="0">
             <a:noAutofit/>
           </a:bodyPr>
           <a:lstStyle/>
@@ -6260,8 +6654,9 @@
             </a:pPr>
             <a:fld id="{00000000-1234-1234-1234-123412341234}" type="slidenum">
               <a:rPr lang="es"/>
-              <a:t>‹#›</a:t>
+              <a:t>‹Nº›</a:t>
             </a:fld>
+            <a:endParaRPr lang="es"/>
           </a:p>
         </p:txBody>
       </p:sp>
@@ -6274,11 +6669,11 @@
 </file>
 
 <file path=ppt/slideLayouts/slideLayout9.xml><?xml version="1.0" encoding="utf-8"?>
-<p:sldLayout xmlns:a="http://schemas.openxmlformats.org/drawingml/2006/main" xmlns:r="http://schemas.openxmlformats.org/officeDocument/2006/relationships" xmlns:mc="http://schemas.openxmlformats.org/markup-compatibility/2006" xmlns:mv="urn:schemas-microsoft-com:mac:vml" xmlns:p="http://schemas.openxmlformats.org/presentationml/2006/main" xmlns:c="http://schemas.openxmlformats.org/drawingml/2006/chart" xmlns:dgm="http://schemas.openxmlformats.org/drawingml/2006/diagram" xmlns:o="urn:schemas-microsoft-com:office:office" xmlns:v="urn:schemas-microsoft-com:vml" xmlns:pvml="urn:schemas-microsoft-com:office:powerpoint" xmlns:com="http://schemas.openxmlformats.org/drawingml/2006/compatibility" xmlns:p14="http://schemas.microsoft.com/office/powerpoint/2010/main">
+<p:sldLayout xmlns:a="http://schemas.openxmlformats.org/drawingml/2006/main" xmlns:r="http://schemas.openxmlformats.org/officeDocument/2006/relationships" xmlns:p="http://schemas.openxmlformats.org/presentationml/2006/main">
   <p:cSld name="Caption">
     <p:spTree>
       <p:nvGrpSpPr>
-        <p:cNvPr id="66" name="Shape 66"/>
+        <p:cNvPr id="1" name="Shape 66"/>
         <p:cNvGrpSpPr/>
         <p:nvPr/>
       </p:nvGrpSpPr>
@@ -6293,9 +6688,11 @@
       <p:sp>
         <p:nvSpPr>
           <p:cNvPr id="67" name="Shape 67"/>
-          <p:cNvSpPr txBox="1"/>
+          <p:cNvSpPr txBox="1">
+            <a:spLocks noGrp="1"/>
+          </p:cNvSpPr>
           <p:nvPr>
-            <p:ph idx="1" type="body"/>
+            <p:ph type="body" idx="1"/>
           </p:nvPr>
         </p:nvSpPr>
         <p:spPr>
@@ -6308,7 +6705,7 @@
           </a:prstGeom>
         </p:spPr>
         <p:txBody>
-          <a:bodyPr anchorCtr="0" anchor="ctr" bIns="91425" lIns="91425" rIns="91425" tIns="91425"/>
+          <a:bodyPr lIns="91425" tIns="91425" rIns="91425" bIns="91425" anchor="ctr" anchorCtr="0"/>
           <a:lstStyle>
             <a:lvl1pPr lvl="0">
               <a:lnSpc>
@@ -6324,15 +6721,19 @@
               <a:defRPr/>
             </a:lvl1pPr>
           </a:lstStyle>
-          <a:p/>
+          <a:p>
+            <a:endParaRPr/>
+          </a:p>
         </p:txBody>
       </p:sp>
       <p:sp>
         <p:nvSpPr>
           <p:cNvPr id="68" name="Shape 68"/>
-          <p:cNvSpPr txBox="1"/>
+          <p:cNvSpPr txBox="1">
+            <a:spLocks noGrp="1"/>
+          </p:cNvSpPr>
           <p:nvPr>
-            <p:ph idx="12" type="sldNum"/>
+            <p:ph type="sldNum" idx="12"/>
           </p:nvPr>
         </p:nvSpPr>
         <p:spPr>
@@ -6345,7 +6746,7 @@
           </a:prstGeom>
         </p:spPr>
         <p:txBody>
-          <a:bodyPr anchorCtr="0" anchor="ctr" bIns="91425" lIns="91425" rIns="91425" tIns="91425">
+          <a:bodyPr lIns="91425" tIns="91425" rIns="91425" bIns="91425" anchor="ctr" anchorCtr="0">
             <a:noAutofit/>
           </a:bodyPr>
           <a:lstStyle/>
@@ -6362,8 +6763,13 @@
                   <a:schemeClr val="dk2"/>
                 </a:solidFill>
               </a:rPr>
-              <a:t>‹#›</a:t>
+              <a:t>‹Nº›</a:t>
             </a:fld>
+            <a:endParaRPr lang="es">
+              <a:solidFill>
+                <a:schemeClr val="dk2"/>
+              </a:solidFill>
+            </a:endParaRPr>
           </a:p>
         </p:txBody>
       </p:sp>
@@ -6376,18 +6782,19 @@
 </file>
 
 <file path=ppt/slideMasters/slideMaster1.xml><?xml version="1.0" encoding="utf-8"?>
-<p:sldMaster xmlns:a="http://schemas.openxmlformats.org/drawingml/2006/main" xmlns:r="http://schemas.openxmlformats.org/officeDocument/2006/relationships" xmlns:mc="http://schemas.openxmlformats.org/markup-compatibility/2006" xmlns:mv="urn:schemas-microsoft-com:mac:vml" xmlns:p="http://schemas.openxmlformats.org/presentationml/2006/main" xmlns:c="http://schemas.openxmlformats.org/drawingml/2006/chart" xmlns:dgm="http://schemas.openxmlformats.org/drawingml/2006/diagram" xmlns:o="urn:schemas-microsoft-com:office:office" xmlns:v="urn:schemas-microsoft-com:vml" xmlns:pvml="urn:schemas-microsoft-com:office:powerpoint" xmlns:com="http://schemas.openxmlformats.org/drawingml/2006/compatibility" xmlns:p14="http://schemas.microsoft.com/office/powerpoint/2010/main">
+<p:sldMaster xmlns:a="http://schemas.openxmlformats.org/drawingml/2006/main" xmlns:r="http://schemas.openxmlformats.org/officeDocument/2006/relationships" xmlns:p="http://schemas.openxmlformats.org/presentationml/2006/main">
   <p:cSld>
     <p:bg>
       <p:bgPr>
         <a:solidFill>
           <a:schemeClr val="lt1"/>
         </a:solidFill>
+        <a:effectLst/>
       </p:bgPr>
     </p:bg>
     <p:spTree>
       <p:nvGrpSpPr>
-        <p:cNvPr id="5" name="Shape 5"/>
+        <p:cNvPr id="1" name="Shape 5"/>
         <p:cNvGrpSpPr/>
         <p:nvPr/>
       </p:nvGrpSpPr>
@@ -6402,7 +6809,9 @@
       <p:sp>
         <p:nvSpPr>
           <p:cNvPr id="6" name="Shape 6"/>
-          <p:cNvSpPr txBox="1"/>
+          <p:cNvSpPr txBox="1">
+            <a:spLocks noGrp="1"/>
+          </p:cNvSpPr>
           <p:nvPr>
             <p:ph type="title"/>
           </p:nvPr>
@@ -6421,7 +6830,7 @@
           </a:ln>
         </p:spPr>
         <p:txBody>
-          <a:bodyPr anchorCtr="0" anchor="t" bIns="91425" lIns="91425" rIns="91425" tIns="91425"/>
+          <a:bodyPr lIns="91425" tIns="91425" rIns="91425" bIns="91425" anchor="t" anchorCtr="0"/>
           <a:lstStyle>
             <a:lvl1pPr lvl="0">
               <a:spcBef>
@@ -6604,15 +7013,19 @@
               </a:defRPr>
             </a:lvl9pPr>
           </a:lstStyle>
-          <a:p/>
+          <a:p>
+            <a:endParaRPr/>
+          </a:p>
         </p:txBody>
       </p:sp>
       <p:sp>
         <p:nvSpPr>
           <p:cNvPr id="7" name="Shape 7"/>
-          <p:cNvSpPr txBox="1"/>
+          <p:cNvSpPr txBox="1">
+            <a:spLocks noGrp="1"/>
+          </p:cNvSpPr>
           <p:nvPr>
-            <p:ph idx="1" type="body"/>
+            <p:ph type="body" idx="1"/>
           </p:nvPr>
         </p:nvSpPr>
         <p:spPr>
@@ -6629,7 +7042,7 @@
           </a:ln>
         </p:spPr>
         <p:txBody>
-          <a:bodyPr anchorCtr="0" anchor="t" bIns="91425" lIns="91425" rIns="91425" tIns="91425"/>
+          <a:bodyPr lIns="91425" tIns="91425" rIns="91425" bIns="91425" anchor="t" anchorCtr="0"/>
           <a:lstStyle>
             <a:lvl1pPr lvl="0">
               <a:lnSpc>
@@ -6849,15 +7262,19 @@
               </a:defRPr>
             </a:lvl9pPr>
           </a:lstStyle>
-          <a:p/>
+          <a:p>
+            <a:endParaRPr/>
+          </a:p>
         </p:txBody>
       </p:sp>
       <p:sp>
         <p:nvSpPr>
           <p:cNvPr id="8" name="Shape 8"/>
-          <p:cNvSpPr txBox="1"/>
+          <p:cNvSpPr txBox="1">
+            <a:spLocks noGrp="1"/>
+          </p:cNvSpPr>
           <p:nvPr>
-            <p:ph idx="12" type="sldNum"/>
+            <p:ph type="sldNum" idx="12"/>
           </p:nvPr>
         </p:nvSpPr>
         <p:spPr>
@@ -6874,7 +7291,7 @@
           </a:ln>
         </p:spPr>
         <p:txBody>
-          <a:bodyPr anchorCtr="0" anchor="ctr" bIns="91425" lIns="91425" rIns="91425" tIns="91425">
+          <a:bodyPr lIns="91425" tIns="91425" rIns="91425" bIns="91425" anchor="ctr" anchorCtr="0">
             <a:noAutofit/>
           </a:bodyPr>
           <a:lstStyle/>
@@ -6895,14 +7312,23 @@
                 <a:cs typeface="Roboto"/>
                 <a:sym typeface="Roboto"/>
               </a:rPr>
-              <a:t>‹#›</a:t>
+              <a:t>‹Nº›</a:t>
             </a:fld>
+            <a:endParaRPr lang="es" sz="1000">
+              <a:solidFill>
+                <a:schemeClr val="lt1"/>
+              </a:solidFill>
+              <a:latin typeface="Roboto"/>
+              <a:ea typeface="Roboto"/>
+              <a:cs typeface="Roboto"/>
+              <a:sym typeface="Roboto"/>
+            </a:endParaRPr>
           </a:p>
         </p:txBody>
       </p:sp>
     </p:spTree>
   </p:cSld>
-  <p:clrMap accent1="accent1" accent2="accent2" accent3="accent3" accent4="accent4" accent5="accent5" accent6="accent6" bg1="lt1" bg2="dk2" tx1="dk1" tx2="lt2" folHlink="folHlink" hlink="hlink"/>
+  <p:clrMap bg1="lt1" tx1="dk1" bg2="dk2" tx2="lt2" accent1="accent1" accent2="accent2" accent3="accent3" accent4="accent4" accent5="accent5" accent6="accent6" hlink="hlink" folHlink="folHlink"/>
   <p:sldLayoutIdLst>
     <p:sldLayoutId id="2147483648" r:id="rId1"/>
     <p:sldLayoutId id="2147483649" r:id="rId2"/>
@@ -6916,10 +7342,10 @@
     <p:sldLayoutId id="2147483657" r:id="rId10"/>
     <p:sldLayoutId id="2147483658" r:id="rId11"/>
   </p:sldLayoutIdLst>
-  <p:hf dt="0" ftr="0" hdr="0" sldNum="0"/>
+  <p:hf sldNum="0" hdr="0" ftr="0" dt="0"/>
   <p:txStyles>
     <p:titleStyle>
-      <a:defPPr lvl="0" marR="0" rtl="0" algn="l">
+      <a:defPPr marR="0" lvl="0" algn="l" rtl="0">
         <a:lnSpc>
           <a:spcPct val="100000"/>
         </a:lnSpc>
@@ -6930,7 +7356,7 @@
           <a:spcPts val="0"/>
         </a:spcAft>
       </a:defPPr>
-      <a:lvl1pPr lvl="0" marR="0" rtl="0" algn="l">
+      <a:lvl1pPr marR="0" lvl="0" algn="l" rtl="0">
         <a:lnSpc>
           <a:spcPct val="100000"/>
         </a:lnSpc>
@@ -6941,7 +7367,7 @@
           <a:spcPts val="0"/>
         </a:spcAft>
         <a:buNone/>
-        <a:defRPr b="0" i="0" sz="1400" u="none" cap="none" strike="noStrike">
+        <a:defRPr sz="1400" b="0" i="0" u="none" strike="noStrike" cap="none">
           <a:solidFill>
             <a:srgbClr val="000000"/>
           </a:solidFill>
@@ -6953,7 +7379,7 @@
       </a:lvl1pPr>
     </p:titleStyle>
     <p:bodyStyle>
-      <a:defPPr lvl="0" marR="0" rtl="0" algn="l">
+      <a:defPPr marR="0" lvl="0" algn="l" rtl="0">
         <a:lnSpc>
           <a:spcPct val="100000"/>
         </a:lnSpc>
@@ -6964,7 +7390,7 @@
           <a:spcPts val="0"/>
         </a:spcAft>
       </a:defPPr>
-      <a:lvl1pPr lvl="0" marR="0" rtl="0" algn="l">
+      <a:lvl1pPr marR="0" lvl="0" algn="l" rtl="0">
         <a:lnSpc>
           <a:spcPct val="100000"/>
         </a:lnSpc>
@@ -6975,7 +7401,7 @@
           <a:spcPts val="0"/>
         </a:spcAft>
         <a:buNone/>
-        <a:defRPr b="0" i="0" sz="1400" u="none" cap="none" strike="noStrike">
+        <a:defRPr sz="1400" b="0" i="0" u="none" strike="noStrike" cap="none">
           <a:solidFill>
             <a:srgbClr val="000000"/>
           </a:solidFill>
@@ -6985,7 +7411,7 @@
           <a:sym typeface="Arial"/>
         </a:defRPr>
       </a:lvl1pPr>
-      <a:lvl2pPr lvl="1" marR="0" rtl="0" algn="l">
+      <a:lvl2pPr marR="0" lvl="1" algn="l" rtl="0">
         <a:lnSpc>
           <a:spcPct val="100000"/>
         </a:lnSpc>
@@ -6996,7 +7422,7 @@
           <a:spcPts val="0"/>
         </a:spcAft>
         <a:buNone/>
-        <a:defRPr b="0" i="0" sz="1400" u="none" cap="none" strike="noStrike">
+        <a:defRPr sz="1400" b="0" i="0" u="none" strike="noStrike" cap="none">
           <a:solidFill>
             <a:srgbClr val="000000"/>
           </a:solidFill>
@@ -7006,7 +7432,7 @@
           <a:sym typeface="Arial"/>
         </a:defRPr>
       </a:lvl2pPr>
-      <a:lvl3pPr lvl="2" marR="0" rtl="0" algn="l">
+      <a:lvl3pPr marR="0" lvl="2" algn="l" rtl="0">
         <a:lnSpc>
           <a:spcPct val="100000"/>
         </a:lnSpc>
@@ -7017,7 +7443,7 @@
           <a:spcPts val="0"/>
         </a:spcAft>
         <a:buNone/>
-        <a:defRPr b="0" i="0" sz="1400" u="none" cap="none" strike="noStrike">
+        <a:defRPr sz="1400" b="0" i="0" u="none" strike="noStrike" cap="none">
           <a:solidFill>
             <a:srgbClr val="000000"/>
           </a:solidFill>
@@ -7027,7 +7453,7 @@
           <a:sym typeface="Arial"/>
         </a:defRPr>
       </a:lvl3pPr>
-      <a:lvl4pPr lvl="3" marR="0" rtl="0" algn="l">
+      <a:lvl4pPr marR="0" lvl="3" algn="l" rtl="0">
         <a:lnSpc>
           <a:spcPct val="100000"/>
         </a:lnSpc>
@@ -7038,7 +7464,7 @@
           <a:spcPts val="0"/>
         </a:spcAft>
         <a:buNone/>
-        <a:defRPr b="0" i="0" sz="1400" u="none" cap="none" strike="noStrike">
+        <a:defRPr sz="1400" b="0" i="0" u="none" strike="noStrike" cap="none">
           <a:solidFill>
             <a:srgbClr val="000000"/>
           </a:solidFill>
@@ -7048,7 +7474,7 @@
           <a:sym typeface="Arial"/>
         </a:defRPr>
       </a:lvl4pPr>
-      <a:lvl5pPr lvl="4" marR="0" rtl="0" algn="l">
+      <a:lvl5pPr marR="0" lvl="4" algn="l" rtl="0">
         <a:lnSpc>
           <a:spcPct val="100000"/>
         </a:lnSpc>
@@ -7059,7 +7485,7 @@
           <a:spcPts val="0"/>
         </a:spcAft>
         <a:buNone/>
-        <a:defRPr b="0" i="0" sz="1400" u="none" cap="none" strike="noStrike">
+        <a:defRPr sz="1400" b="0" i="0" u="none" strike="noStrike" cap="none">
           <a:solidFill>
             <a:srgbClr val="000000"/>
           </a:solidFill>
@@ -7069,7 +7495,7 @@
           <a:sym typeface="Arial"/>
         </a:defRPr>
       </a:lvl5pPr>
-      <a:lvl6pPr lvl="5" marR="0" rtl="0" algn="l">
+      <a:lvl6pPr marR="0" lvl="5" algn="l" rtl="0">
         <a:lnSpc>
           <a:spcPct val="100000"/>
         </a:lnSpc>
@@ -7080,7 +7506,7 @@
           <a:spcPts val="0"/>
         </a:spcAft>
         <a:buNone/>
-        <a:defRPr b="0" i="0" sz="1400" u="none" cap="none" strike="noStrike">
+        <a:defRPr sz="1400" b="0" i="0" u="none" strike="noStrike" cap="none">
           <a:solidFill>
             <a:srgbClr val="000000"/>
           </a:solidFill>
@@ -7090,7 +7516,7 @@
           <a:sym typeface="Arial"/>
         </a:defRPr>
       </a:lvl6pPr>
-      <a:lvl7pPr lvl="6" marR="0" rtl="0" algn="l">
+      <a:lvl7pPr marR="0" lvl="6" algn="l" rtl="0">
         <a:lnSpc>
           <a:spcPct val="100000"/>
         </a:lnSpc>
@@ -7101,7 +7527,7 @@
           <a:spcPts val="0"/>
         </a:spcAft>
         <a:buNone/>
-        <a:defRPr b="0" i="0" sz="1400" u="none" cap="none" strike="noStrike">
+        <a:defRPr sz="1400" b="0" i="0" u="none" strike="noStrike" cap="none">
           <a:solidFill>
             <a:srgbClr val="000000"/>
           </a:solidFill>
@@ -7111,7 +7537,7 @@
           <a:sym typeface="Arial"/>
         </a:defRPr>
       </a:lvl7pPr>
-      <a:lvl8pPr lvl="7" marR="0" rtl="0" algn="l">
+      <a:lvl8pPr marR="0" lvl="7" algn="l" rtl="0">
         <a:lnSpc>
           <a:spcPct val="100000"/>
         </a:lnSpc>
@@ -7122,7 +7548,7 @@
           <a:spcPts val="0"/>
         </a:spcAft>
         <a:buNone/>
-        <a:defRPr b="0" i="0" sz="1400" u="none" cap="none" strike="noStrike">
+        <a:defRPr sz="1400" b="0" i="0" u="none" strike="noStrike" cap="none">
           <a:solidFill>
             <a:srgbClr val="000000"/>
           </a:solidFill>
@@ -7132,7 +7558,7 @@
           <a:sym typeface="Arial"/>
         </a:defRPr>
       </a:lvl8pPr>
-      <a:lvl9pPr lvl="8" marR="0" rtl="0" algn="l">
+      <a:lvl9pPr marR="0" lvl="8" algn="l" rtl="0">
         <a:lnSpc>
           <a:spcPct val="100000"/>
         </a:lnSpc>
@@ -7143,7 +7569,7 @@
           <a:spcPts val="0"/>
         </a:spcAft>
         <a:buNone/>
-        <a:defRPr b="0" i="0" sz="1400" u="none" cap="none" strike="noStrike">
+        <a:defRPr sz="1400" b="0" i="0" u="none" strike="noStrike" cap="none">
           <a:solidFill>
             <a:srgbClr val="000000"/>
           </a:solidFill>
@@ -7155,7 +7581,7 @@
       </a:lvl9pPr>
     </p:bodyStyle>
     <p:otherStyle>
-      <a:defPPr lvl="0" marR="0" rtl="0" algn="l">
+      <a:defPPr marR="0" lvl="0" algn="l" rtl="0">
         <a:lnSpc>
           <a:spcPct val="100000"/>
         </a:lnSpc>
@@ -7166,7 +7592,7 @@
           <a:spcPts val="0"/>
         </a:spcAft>
       </a:defPPr>
-      <a:lvl1pPr lvl="0" marR="0" rtl="0" algn="l">
+      <a:lvl1pPr marR="0" lvl="0" algn="l" rtl="0">
         <a:lnSpc>
           <a:spcPct val="100000"/>
         </a:lnSpc>
@@ -7177,7 +7603,7 @@
           <a:spcPts val="0"/>
         </a:spcAft>
         <a:buNone/>
-        <a:defRPr b="0" i="0" sz="1400" u="none" cap="none" strike="noStrike">
+        <a:defRPr sz="1400" b="0" i="0" u="none" strike="noStrike" cap="none">
           <a:solidFill>
             <a:srgbClr val="000000"/>
           </a:solidFill>
@@ -7187,7 +7613,7 @@
           <a:sym typeface="Arial"/>
         </a:defRPr>
       </a:lvl1pPr>
-      <a:lvl2pPr lvl="1" marR="0" rtl="0" algn="l">
+      <a:lvl2pPr marR="0" lvl="1" algn="l" rtl="0">
         <a:lnSpc>
           <a:spcPct val="100000"/>
         </a:lnSpc>
@@ -7198,7 +7624,7 @@
           <a:spcPts val="0"/>
         </a:spcAft>
         <a:buNone/>
-        <a:defRPr b="0" i="0" sz="1400" u="none" cap="none" strike="noStrike">
+        <a:defRPr sz="1400" b="0" i="0" u="none" strike="noStrike" cap="none">
           <a:solidFill>
             <a:srgbClr val="000000"/>
           </a:solidFill>
@@ -7208,7 +7634,7 @@
           <a:sym typeface="Arial"/>
         </a:defRPr>
       </a:lvl2pPr>
-      <a:lvl3pPr lvl="2" marR="0" rtl="0" algn="l">
+      <a:lvl3pPr marR="0" lvl="2" algn="l" rtl="0">
         <a:lnSpc>
           <a:spcPct val="100000"/>
         </a:lnSpc>
@@ -7219,7 +7645,7 @@
           <a:spcPts val="0"/>
         </a:spcAft>
         <a:buNone/>
-        <a:defRPr b="0" i="0" sz="1400" u="none" cap="none" strike="noStrike">
+        <a:defRPr sz="1400" b="0" i="0" u="none" strike="noStrike" cap="none">
           <a:solidFill>
             <a:srgbClr val="000000"/>
           </a:solidFill>
@@ -7229,7 +7655,7 @@
           <a:sym typeface="Arial"/>
         </a:defRPr>
       </a:lvl3pPr>
-      <a:lvl4pPr lvl="3" marR="0" rtl="0" algn="l">
+      <a:lvl4pPr marR="0" lvl="3" algn="l" rtl="0">
         <a:lnSpc>
           <a:spcPct val="100000"/>
         </a:lnSpc>
@@ -7240,7 +7666,7 @@
           <a:spcPts val="0"/>
         </a:spcAft>
         <a:buNone/>
-        <a:defRPr b="0" i="0" sz="1400" u="none" cap="none" strike="noStrike">
+        <a:defRPr sz="1400" b="0" i="0" u="none" strike="noStrike" cap="none">
           <a:solidFill>
             <a:srgbClr val="000000"/>
           </a:solidFill>
@@ -7250,7 +7676,7 @@
           <a:sym typeface="Arial"/>
         </a:defRPr>
       </a:lvl4pPr>
-      <a:lvl5pPr lvl="4" marR="0" rtl="0" algn="l">
+      <a:lvl5pPr marR="0" lvl="4" algn="l" rtl="0">
         <a:lnSpc>
           <a:spcPct val="100000"/>
         </a:lnSpc>
@@ -7261,7 +7687,7 @@
           <a:spcPts val="0"/>
         </a:spcAft>
         <a:buNone/>
-        <a:defRPr b="0" i="0" sz="1400" u="none" cap="none" strike="noStrike">
+        <a:defRPr sz="1400" b="0" i="0" u="none" strike="noStrike" cap="none">
           <a:solidFill>
             <a:srgbClr val="000000"/>
           </a:solidFill>
@@ -7271,7 +7697,7 @@
           <a:sym typeface="Arial"/>
         </a:defRPr>
       </a:lvl5pPr>
-      <a:lvl6pPr lvl="5" marR="0" rtl="0" algn="l">
+      <a:lvl6pPr marR="0" lvl="5" algn="l" rtl="0">
         <a:lnSpc>
           <a:spcPct val="100000"/>
         </a:lnSpc>
@@ -7282,7 +7708,7 @@
           <a:spcPts val="0"/>
         </a:spcAft>
         <a:buNone/>
-        <a:defRPr b="0" i="0" sz="1400" u="none" cap="none" strike="noStrike">
+        <a:defRPr sz="1400" b="0" i="0" u="none" strike="noStrike" cap="none">
           <a:solidFill>
             <a:srgbClr val="000000"/>
           </a:solidFill>
@@ -7292,7 +7718,7 @@
           <a:sym typeface="Arial"/>
         </a:defRPr>
       </a:lvl6pPr>
-      <a:lvl7pPr lvl="6" marR="0" rtl="0" algn="l">
+      <a:lvl7pPr marR="0" lvl="6" algn="l" rtl="0">
         <a:lnSpc>
           <a:spcPct val="100000"/>
         </a:lnSpc>
@@ -7303,7 +7729,7 @@
           <a:spcPts val="0"/>
         </a:spcAft>
         <a:buNone/>
-        <a:defRPr b="0" i="0" sz="1400" u="none" cap="none" strike="noStrike">
+        <a:defRPr sz="1400" b="0" i="0" u="none" strike="noStrike" cap="none">
           <a:solidFill>
             <a:srgbClr val="000000"/>
           </a:solidFill>
@@ -7313,7 +7739,7 @@
           <a:sym typeface="Arial"/>
         </a:defRPr>
       </a:lvl7pPr>
-      <a:lvl8pPr lvl="7" marR="0" rtl="0" algn="l">
+      <a:lvl8pPr marR="0" lvl="7" algn="l" rtl="0">
         <a:lnSpc>
           <a:spcPct val="100000"/>
         </a:lnSpc>
@@ -7324,7 +7750,7 @@
           <a:spcPts val="0"/>
         </a:spcAft>
         <a:buNone/>
-        <a:defRPr b="0" i="0" sz="1400" u="none" cap="none" strike="noStrike">
+        <a:defRPr sz="1400" b="0" i="0" u="none" strike="noStrike" cap="none">
           <a:solidFill>
             <a:srgbClr val="000000"/>
           </a:solidFill>
@@ -7334,7 +7760,7 @@
           <a:sym typeface="Arial"/>
         </a:defRPr>
       </a:lvl8pPr>
-      <a:lvl9pPr lvl="8" marR="0" rtl="0" algn="l">
+      <a:lvl9pPr marR="0" lvl="8" algn="l" rtl="0">
         <a:lnSpc>
           <a:spcPct val="100000"/>
         </a:lnSpc>
@@ -7345,7 +7771,7 @@
           <a:spcPts val="0"/>
         </a:spcAft>
         <a:buNone/>
-        <a:defRPr b="0" i="0" sz="1400" u="none" cap="none" strike="noStrike">
+        <a:defRPr sz="1400" b="0" i="0" u="none" strike="noStrike" cap="none">
           <a:solidFill>
             <a:srgbClr val="000000"/>
           </a:solidFill>
@@ -7361,11 +7787,11 @@
 </file>
 
 <file path=ppt/slides/slide1.xml><?xml version="1.0" encoding="utf-8"?>
-<p:sld xmlns:a="http://schemas.openxmlformats.org/drawingml/2006/main" xmlns:r="http://schemas.openxmlformats.org/officeDocument/2006/relationships" xmlns:mc="http://schemas.openxmlformats.org/markup-compatibility/2006" xmlns:mv="urn:schemas-microsoft-com:mac:vml" xmlns:p="http://schemas.openxmlformats.org/presentationml/2006/main" xmlns:c="http://schemas.openxmlformats.org/drawingml/2006/chart" xmlns:dgm="http://schemas.openxmlformats.org/drawingml/2006/diagram" xmlns:o="urn:schemas-microsoft-com:office:office" xmlns:v="urn:schemas-microsoft-com:vml" xmlns:pvml="urn:schemas-microsoft-com:office:powerpoint" xmlns:com="http://schemas.openxmlformats.org/drawingml/2006/compatibility" xmlns:p14="http://schemas.microsoft.com/office/powerpoint/2010/main">
+<p:sld xmlns:a="http://schemas.openxmlformats.org/drawingml/2006/main" xmlns:r="http://schemas.openxmlformats.org/officeDocument/2006/relationships" xmlns:p="http://schemas.openxmlformats.org/presentationml/2006/main">
   <p:cSld>
     <p:spTree>
       <p:nvGrpSpPr>
-        <p:cNvPr id="84" name="Shape 84"/>
+        <p:cNvPr id="1" name="Shape 84"/>
         <p:cNvGrpSpPr/>
         <p:nvPr/>
       </p:nvGrpSpPr>
@@ -7380,7 +7806,9 @@
       <p:sp>
         <p:nvSpPr>
           <p:cNvPr id="85" name="Shape 85"/>
-          <p:cNvSpPr txBox="1"/>
+          <p:cNvSpPr txBox="1">
+            <a:spLocks noGrp="1"/>
+          </p:cNvSpPr>
           <p:nvPr>
             <p:ph type="ctrTitle"/>
           </p:nvPr>
@@ -7395,7 +7823,7 @@
           </a:prstGeom>
         </p:spPr>
         <p:txBody>
-          <a:bodyPr anchorCtr="0" anchor="b" bIns="91425" lIns="91425" rIns="91425" tIns="91425">
+          <a:bodyPr lIns="91425" tIns="91425" rIns="91425" bIns="91425" anchor="b" anchorCtr="0">
             <a:noAutofit/>
           </a:bodyPr>
           <a:lstStyle/>
@@ -7416,9 +7844,11 @@
       <p:sp>
         <p:nvSpPr>
           <p:cNvPr id="86" name="Shape 86"/>
-          <p:cNvSpPr txBox="1"/>
+          <p:cNvSpPr txBox="1">
+            <a:spLocks noGrp="1"/>
+          </p:cNvSpPr>
           <p:nvPr>
-            <p:ph idx="1" type="subTitle"/>
+            <p:ph type="subTitle" idx="1"/>
           </p:nvPr>
         </p:nvSpPr>
         <p:spPr>
@@ -7431,7 +7861,7 @@
           </a:prstGeom>
         </p:spPr>
         <p:txBody>
-          <a:bodyPr anchorCtr="0" anchor="t" bIns="91425" lIns="91425" rIns="91425" tIns="91425">
+          <a:bodyPr lIns="91425" tIns="91425" rIns="91425" bIns="91425" anchor="t" anchorCtr="0">
             <a:noAutofit/>
           </a:bodyPr>
           <a:lstStyle/>
@@ -7485,11 +7915,11 @@
 </file>
 
 <file path=ppt/slides/slide10.xml><?xml version="1.0" encoding="utf-8"?>
-<p:sld xmlns:a="http://schemas.openxmlformats.org/drawingml/2006/main" xmlns:r="http://schemas.openxmlformats.org/officeDocument/2006/relationships" xmlns:mc="http://schemas.openxmlformats.org/markup-compatibility/2006" xmlns:mv="urn:schemas-microsoft-com:mac:vml" xmlns:p="http://schemas.openxmlformats.org/presentationml/2006/main" xmlns:c="http://schemas.openxmlformats.org/drawingml/2006/chart" xmlns:dgm="http://schemas.openxmlformats.org/drawingml/2006/diagram" xmlns:o="urn:schemas-microsoft-com:office:office" xmlns:v="urn:schemas-microsoft-com:vml" xmlns:pvml="urn:schemas-microsoft-com:office:powerpoint" xmlns:com="http://schemas.openxmlformats.org/drawingml/2006/compatibility" xmlns:p14="http://schemas.microsoft.com/office/powerpoint/2010/main">
+<p:sld xmlns:a="http://schemas.openxmlformats.org/drawingml/2006/main" xmlns:r="http://schemas.openxmlformats.org/officeDocument/2006/relationships" xmlns:p="http://schemas.openxmlformats.org/presentationml/2006/main">
   <p:cSld>
     <p:spTree>
       <p:nvGrpSpPr>
-        <p:cNvPr id="143" name="Shape 143"/>
+        <p:cNvPr id="1" name="Shape 143"/>
         <p:cNvGrpSpPr/>
         <p:nvPr/>
       </p:nvGrpSpPr>
@@ -7504,7 +7934,9 @@
       <p:sp>
         <p:nvSpPr>
           <p:cNvPr id="144" name="Shape 144"/>
-          <p:cNvSpPr txBox="1"/>
+          <p:cNvSpPr txBox="1">
+            <a:spLocks noGrp="1"/>
+          </p:cNvSpPr>
           <p:nvPr>
             <p:ph type="title"/>
           </p:nvPr>
@@ -7519,7 +7951,7 @@
           </a:prstGeom>
         </p:spPr>
         <p:txBody>
-          <a:bodyPr anchorCtr="0" anchor="t" bIns="91425" lIns="91425" rIns="91425" tIns="91425">
+          <a:bodyPr lIns="91425" tIns="91425" rIns="91425" bIns="91425" anchor="t" anchorCtr="0">
             <a:noAutofit/>
           </a:bodyPr>
           <a:lstStyle/>
@@ -7542,16 +7974,13 @@
               </a:spcBef>
               <a:buNone/>
             </a:pPr>
-            <a:r>
-              <a:t/>
-            </a:r>
             <a:endParaRPr/>
           </a:p>
         </p:txBody>
       </p:sp>
       <p:pic>
         <p:nvPicPr>
-          <p:cNvPr descr="CU_Jugar_Alto_Nivel.png" id="145" name="Shape 145"/>
+          <p:cNvPr id="145" name="Shape 145" descr="CU_Jugar_Alto_Nivel.png"/>
           <p:cNvPicPr preferRelativeResize="0"/>
           <p:nvPr/>
         </p:nvPicPr>
@@ -7559,7 +7988,7 @@
           <a:blip r:embed="rId3">
             <a:alphaModFix/>
           </a:blip>
-          <a:srcRect b="25545" l="0" r="0" t="0"/>
+          <a:srcRect b="25545"/>
           <a:stretch/>
         </p:blipFill>
         <p:spPr>
@@ -7585,11 +8014,11 @@
 </file>
 
 <file path=ppt/slides/slide11.xml><?xml version="1.0" encoding="utf-8"?>
-<p:sld xmlns:a="http://schemas.openxmlformats.org/drawingml/2006/main" xmlns:r="http://schemas.openxmlformats.org/officeDocument/2006/relationships" xmlns:mc="http://schemas.openxmlformats.org/markup-compatibility/2006" xmlns:mv="urn:schemas-microsoft-com:mac:vml" xmlns:p="http://schemas.openxmlformats.org/presentationml/2006/main" xmlns:c="http://schemas.openxmlformats.org/drawingml/2006/chart" xmlns:dgm="http://schemas.openxmlformats.org/drawingml/2006/diagram" xmlns:o="urn:schemas-microsoft-com:office:office" xmlns:v="urn:schemas-microsoft-com:vml" xmlns:pvml="urn:schemas-microsoft-com:office:powerpoint" xmlns:com="http://schemas.openxmlformats.org/drawingml/2006/compatibility" xmlns:p14="http://schemas.microsoft.com/office/powerpoint/2010/main">
+<p:sld xmlns:a="http://schemas.openxmlformats.org/drawingml/2006/main" xmlns:r="http://schemas.openxmlformats.org/officeDocument/2006/relationships" xmlns:p="http://schemas.openxmlformats.org/presentationml/2006/main">
   <p:cSld>
     <p:spTree>
       <p:nvGrpSpPr>
-        <p:cNvPr id="149" name="Shape 149"/>
+        <p:cNvPr id="1" name="Shape 149"/>
         <p:cNvGrpSpPr/>
         <p:nvPr/>
       </p:nvGrpSpPr>
@@ -7604,7 +8033,9 @@
       <p:sp>
         <p:nvSpPr>
           <p:cNvPr id="150" name="Shape 150"/>
-          <p:cNvSpPr txBox="1"/>
+          <p:cNvSpPr txBox="1">
+            <a:spLocks noGrp="1"/>
+          </p:cNvSpPr>
           <p:nvPr>
             <p:ph type="title"/>
           </p:nvPr>
@@ -7619,7 +8050,7 @@
           </a:prstGeom>
         </p:spPr>
         <p:txBody>
-          <a:bodyPr anchorCtr="0" anchor="t" bIns="91425" lIns="91425" rIns="91425" tIns="91425">
+          <a:bodyPr lIns="91425" tIns="91425" rIns="91425" bIns="91425" anchor="t" anchorCtr="0">
             <a:noAutofit/>
           </a:bodyPr>
           <a:lstStyle/>
@@ -7640,9 +8071,11 @@
       <p:sp>
         <p:nvSpPr>
           <p:cNvPr id="151" name="Shape 151"/>
-          <p:cNvSpPr txBox="1"/>
+          <p:cNvSpPr txBox="1">
+            <a:spLocks noGrp="1"/>
+          </p:cNvSpPr>
           <p:nvPr>
-            <p:ph idx="1" type="body"/>
+            <p:ph type="body" idx="1"/>
           </p:nvPr>
         </p:nvSpPr>
         <p:spPr>
@@ -7655,7 +8088,7 @@
           </a:prstGeom>
         </p:spPr>
         <p:txBody>
-          <a:bodyPr anchorCtr="0" anchor="t" bIns="91425" lIns="91425" rIns="91425" tIns="91425">
+          <a:bodyPr lIns="91425" tIns="91425" rIns="91425" bIns="91425" anchor="t" anchorCtr="0">
             <a:noAutofit/>
           </a:bodyPr>
           <a:lstStyle/>
@@ -7666,9 +8099,6 @@
               </a:spcBef>
               <a:buNone/>
             </a:pPr>
-            <a:r>
-              <a:t/>
-            </a:r>
             <a:endParaRPr/>
           </a:p>
           <a:p>
@@ -7678,9 +8108,6 @@
               </a:spcBef>
               <a:buNone/>
             </a:pPr>
-            <a:r>
-              <a:t/>
-            </a:r>
             <a:endParaRPr/>
           </a:p>
         </p:txBody>
@@ -7722,11 +8149,11 @@
 </file>
 
 <file path=ppt/slides/slide12.xml><?xml version="1.0" encoding="utf-8"?>
-<p:sld xmlns:a="http://schemas.openxmlformats.org/drawingml/2006/main" xmlns:r="http://schemas.openxmlformats.org/officeDocument/2006/relationships" xmlns:mc="http://schemas.openxmlformats.org/markup-compatibility/2006" xmlns:mv="urn:schemas-microsoft-com:mac:vml" xmlns:p="http://schemas.openxmlformats.org/presentationml/2006/main" xmlns:c="http://schemas.openxmlformats.org/drawingml/2006/chart" xmlns:dgm="http://schemas.openxmlformats.org/drawingml/2006/diagram" xmlns:o="urn:schemas-microsoft-com:office:office" xmlns:v="urn:schemas-microsoft-com:vml" xmlns:pvml="urn:schemas-microsoft-com:office:powerpoint" xmlns:com="http://schemas.openxmlformats.org/drawingml/2006/compatibility" xmlns:p14="http://schemas.microsoft.com/office/powerpoint/2010/main">
+<p:sld xmlns:a="http://schemas.openxmlformats.org/drawingml/2006/main" xmlns:r="http://schemas.openxmlformats.org/officeDocument/2006/relationships" xmlns:p="http://schemas.openxmlformats.org/presentationml/2006/main">
   <p:cSld>
     <p:spTree>
       <p:nvGrpSpPr>
-        <p:cNvPr id="156" name="Shape 156"/>
+        <p:cNvPr id="1" name="Shape 156"/>
         <p:cNvGrpSpPr/>
         <p:nvPr/>
       </p:nvGrpSpPr>
@@ -7741,7 +8168,9 @@
       <p:sp>
         <p:nvSpPr>
           <p:cNvPr id="157" name="Shape 157"/>
-          <p:cNvSpPr txBox="1"/>
+          <p:cNvSpPr txBox="1">
+            <a:spLocks noGrp="1"/>
+          </p:cNvSpPr>
           <p:nvPr>
             <p:ph type="title"/>
           </p:nvPr>
@@ -7756,7 +8185,7 @@
           </a:prstGeom>
         </p:spPr>
         <p:txBody>
-          <a:bodyPr anchorCtr="0" anchor="t" bIns="91425" lIns="91425" rIns="91425" tIns="91425">
+          <a:bodyPr lIns="91425" tIns="91425" rIns="91425" bIns="91425" anchor="t" anchorCtr="0">
             <a:noAutofit/>
           </a:bodyPr>
           <a:lstStyle/>
@@ -7776,13 +8205,19 @@
       </p:sp>
       <p:pic>
         <p:nvPicPr>
-          <p:cNvPr id="158" name="Shape 158"/>
-          <p:cNvPicPr preferRelativeResize="0"/>
+          <p:cNvPr id="2" name="Imagen 1"/>
+          <p:cNvPicPr>
+            <a:picLocks noChangeAspect="1"/>
+          </p:cNvPicPr>
           <p:nvPr/>
         </p:nvPicPr>
         <p:blipFill>
           <a:blip r:embed="rId3">
-            <a:alphaModFix/>
+            <a:extLst>
+              <a:ext uri="{28A0092B-C50C-407E-A947-70E740481C1C}">
+                <a14:useLocalDpi xmlns:a14="http://schemas.microsoft.com/office/drawing/2010/main" val="0"/>
+              </a:ext>
+            </a:extLst>
           </a:blip>
           <a:stretch>
             <a:fillRect/>
@@ -7790,16 +8225,12 @@
         </p:blipFill>
         <p:spPr>
           <a:xfrm>
-            <a:off x="591325" y="1017800"/>
-            <a:ext cx="8079850" cy="4343625"/>
-          </a:xfrm>
-          <a:prstGeom prst="rect">
-            <a:avLst/>
-          </a:prstGeom>
-          <a:noFill/>
-          <a:ln>
-            <a:noFill/>
-          </a:ln>
+            <a:off x="241825" y="928153"/>
+            <a:ext cx="8247751" cy="4125700"/>
+          </a:xfrm>
+          <a:prstGeom prst="rect">
+            <a:avLst/>
+          </a:prstGeom>
         </p:spPr>
       </p:pic>
     </p:spTree>
@@ -7811,11 +8242,11 @@
 </file>
 
 <file path=ppt/slides/slide13.xml><?xml version="1.0" encoding="utf-8"?>
-<p:sld xmlns:a="http://schemas.openxmlformats.org/drawingml/2006/main" xmlns:r="http://schemas.openxmlformats.org/officeDocument/2006/relationships" xmlns:mc="http://schemas.openxmlformats.org/markup-compatibility/2006" xmlns:mv="urn:schemas-microsoft-com:mac:vml" xmlns:p="http://schemas.openxmlformats.org/presentationml/2006/main" xmlns:c="http://schemas.openxmlformats.org/drawingml/2006/chart" xmlns:dgm="http://schemas.openxmlformats.org/drawingml/2006/diagram" xmlns:o="urn:schemas-microsoft-com:office:office" xmlns:v="urn:schemas-microsoft-com:vml" xmlns:pvml="urn:schemas-microsoft-com:office:powerpoint" xmlns:com="http://schemas.openxmlformats.org/drawingml/2006/compatibility" xmlns:p14="http://schemas.microsoft.com/office/powerpoint/2010/main">
+<p:sld xmlns:a="http://schemas.openxmlformats.org/drawingml/2006/main" xmlns:r="http://schemas.openxmlformats.org/officeDocument/2006/relationships" xmlns:p="http://schemas.openxmlformats.org/presentationml/2006/main">
   <p:cSld>
     <p:spTree>
       <p:nvGrpSpPr>
-        <p:cNvPr id="162" name="Shape 162"/>
+        <p:cNvPr id="1" name="Shape 162"/>
         <p:cNvGrpSpPr/>
         <p:nvPr/>
       </p:nvGrpSpPr>
@@ -7830,7 +8261,9 @@
       <p:sp>
         <p:nvSpPr>
           <p:cNvPr id="163" name="Shape 163"/>
-          <p:cNvSpPr txBox="1"/>
+          <p:cNvSpPr txBox="1">
+            <a:spLocks noGrp="1"/>
+          </p:cNvSpPr>
           <p:nvPr>
             <p:ph type="title"/>
           </p:nvPr>
@@ -7845,7 +8278,7 @@
           </a:prstGeom>
         </p:spPr>
         <p:txBody>
-          <a:bodyPr anchorCtr="0" anchor="t" bIns="91425" lIns="91425" rIns="91425" tIns="91425">
+          <a:bodyPr lIns="91425" tIns="91425" rIns="91425" bIns="91425" anchor="t" anchorCtr="0">
             <a:noAutofit/>
           </a:bodyPr>
           <a:lstStyle/>
@@ -7900,11 +8333,11 @@
 </file>
 
 <file path=ppt/slides/slide14.xml><?xml version="1.0" encoding="utf-8"?>
-<p:sld xmlns:a="http://schemas.openxmlformats.org/drawingml/2006/main" xmlns:r="http://schemas.openxmlformats.org/officeDocument/2006/relationships" xmlns:mc="http://schemas.openxmlformats.org/markup-compatibility/2006" xmlns:mv="urn:schemas-microsoft-com:mac:vml" xmlns:p="http://schemas.openxmlformats.org/presentationml/2006/main" xmlns:c="http://schemas.openxmlformats.org/drawingml/2006/chart" xmlns:dgm="http://schemas.openxmlformats.org/drawingml/2006/diagram" xmlns:o="urn:schemas-microsoft-com:office:office" xmlns:v="urn:schemas-microsoft-com:vml" xmlns:pvml="urn:schemas-microsoft-com:office:powerpoint" xmlns:com="http://schemas.openxmlformats.org/drawingml/2006/compatibility" xmlns:p14="http://schemas.microsoft.com/office/powerpoint/2010/main">
+<p:sld xmlns:a="http://schemas.openxmlformats.org/drawingml/2006/main" xmlns:r="http://schemas.openxmlformats.org/officeDocument/2006/relationships" xmlns:p="http://schemas.openxmlformats.org/presentationml/2006/main">
   <p:cSld>
     <p:spTree>
       <p:nvGrpSpPr>
-        <p:cNvPr id="168" name="Shape 168"/>
+        <p:cNvPr id="1" name="Shape 168"/>
         <p:cNvGrpSpPr/>
         <p:nvPr/>
       </p:nvGrpSpPr>
@@ -7919,7 +8352,9 @@
       <p:sp>
         <p:nvSpPr>
           <p:cNvPr id="169" name="Shape 169"/>
-          <p:cNvSpPr txBox="1"/>
+          <p:cNvSpPr txBox="1">
+            <a:spLocks noGrp="1"/>
+          </p:cNvSpPr>
           <p:nvPr>
             <p:ph type="title"/>
           </p:nvPr>
@@ -7934,7 +8369,7 @@
           </a:prstGeom>
         </p:spPr>
         <p:txBody>
-          <a:bodyPr anchorCtr="0" anchor="t" bIns="91425" lIns="91425" rIns="91425" tIns="91425">
+          <a:bodyPr lIns="91425" tIns="91425" rIns="91425" bIns="91425" anchor="t" anchorCtr="0">
             <a:noAutofit/>
           </a:bodyPr>
           <a:lstStyle/>
@@ -7989,11 +8424,11 @@
 </file>
 
 <file path=ppt/slides/slide15.xml><?xml version="1.0" encoding="utf-8"?>
-<p:sld xmlns:a="http://schemas.openxmlformats.org/drawingml/2006/main" xmlns:r="http://schemas.openxmlformats.org/officeDocument/2006/relationships" xmlns:mc="http://schemas.openxmlformats.org/markup-compatibility/2006" xmlns:mv="urn:schemas-microsoft-com:mac:vml" xmlns:p="http://schemas.openxmlformats.org/presentationml/2006/main" xmlns:c="http://schemas.openxmlformats.org/drawingml/2006/chart" xmlns:dgm="http://schemas.openxmlformats.org/drawingml/2006/diagram" xmlns:o="urn:schemas-microsoft-com:office:office" xmlns:v="urn:schemas-microsoft-com:vml" xmlns:pvml="urn:schemas-microsoft-com:office:powerpoint" xmlns:com="http://schemas.openxmlformats.org/drawingml/2006/compatibility" xmlns:p14="http://schemas.microsoft.com/office/powerpoint/2010/main">
+<p:sld xmlns:a="http://schemas.openxmlformats.org/drawingml/2006/main" xmlns:r="http://schemas.openxmlformats.org/officeDocument/2006/relationships" xmlns:p="http://schemas.openxmlformats.org/presentationml/2006/main">
   <p:cSld>
     <p:spTree>
       <p:nvGrpSpPr>
-        <p:cNvPr id="174" name="Shape 174"/>
+        <p:cNvPr id="1" name="Shape 174"/>
         <p:cNvGrpSpPr/>
         <p:nvPr/>
       </p:nvGrpSpPr>
@@ -8008,7 +8443,9 @@
       <p:sp>
         <p:nvSpPr>
           <p:cNvPr id="175" name="Shape 175"/>
-          <p:cNvSpPr txBox="1"/>
+          <p:cNvSpPr txBox="1">
+            <a:spLocks noGrp="1"/>
+          </p:cNvSpPr>
           <p:nvPr>
             <p:ph type="title"/>
           </p:nvPr>
@@ -8023,7 +8460,7 @@
           </a:prstGeom>
         </p:spPr>
         <p:txBody>
-          <a:bodyPr anchorCtr="0" anchor="t" bIns="91425" lIns="91425" rIns="91425" tIns="91425">
+          <a:bodyPr lIns="91425" tIns="91425" rIns="91425" bIns="91425" anchor="t" anchorCtr="0">
             <a:noAutofit/>
           </a:bodyPr>
           <a:lstStyle/>
@@ -8078,11 +8515,11 @@
 </file>
 
 <file path=ppt/slides/slide16.xml><?xml version="1.0" encoding="utf-8"?>
-<p:sld xmlns:a="http://schemas.openxmlformats.org/drawingml/2006/main" xmlns:r="http://schemas.openxmlformats.org/officeDocument/2006/relationships" xmlns:mc="http://schemas.openxmlformats.org/markup-compatibility/2006" xmlns:mv="urn:schemas-microsoft-com:mac:vml" xmlns:p="http://schemas.openxmlformats.org/presentationml/2006/main" xmlns:c="http://schemas.openxmlformats.org/drawingml/2006/chart" xmlns:dgm="http://schemas.openxmlformats.org/drawingml/2006/diagram" xmlns:o="urn:schemas-microsoft-com:office:office" xmlns:v="urn:schemas-microsoft-com:vml" xmlns:pvml="urn:schemas-microsoft-com:office:powerpoint" xmlns:com="http://schemas.openxmlformats.org/drawingml/2006/compatibility" xmlns:p14="http://schemas.microsoft.com/office/powerpoint/2010/main">
+<p:sld xmlns:a="http://schemas.openxmlformats.org/drawingml/2006/main" xmlns:r="http://schemas.openxmlformats.org/officeDocument/2006/relationships" xmlns:p="http://schemas.openxmlformats.org/presentationml/2006/main">
   <p:cSld>
     <p:spTree>
       <p:nvGrpSpPr>
-        <p:cNvPr id="180" name="Shape 180"/>
+        <p:cNvPr id="1" name="Shape 180"/>
         <p:cNvGrpSpPr/>
         <p:nvPr/>
       </p:nvGrpSpPr>
@@ -8097,7 +8534,9 @@
       <p:sp>
         <p:nvSpPr>
           <p:cNvPr id="181" name="Shape 181"/>
-          <p:cNvSpPr txBox="1"/>
+          <p:cNvSpPr txBox="1">
+            <a:spLocks noGrp="1"/>
+          </p:cNvSpPr>
           <p:nvPr>
             <p:ph type="title"/>
           </p:nvPr>
@@ -8112,7 +8551,7 @@
           </a:prstGeom>
         </p:spPr>
         <p:txBody>
-          <a:bodyPr anchorCtr="0" anchor="t" bIns="91425" lIns="91425" rIns="91425" tIns="91425">
+          <a:bodyPr lIns="91425" tIns="91425" rIns="91425" bIns="91425" anchor="t" anchorCtr="0">
             <a:noAutofit/>
           </a:bodyPr>
           <a:lstStyle/>
@@ -8133,9 +8572,11 @@
       <p:sp>
         <p:nvSpPr>
           <p:cNvPr id="182" name="Shape 182"/>
-          <p:cNvSpPr txBox="1"/>
+          <p:cNvSpPr txBox="1">
+            <a:spLocks noGrp="1"/>
+          </p:cNvSpPr>
           <p:nvPr>
-            <p:ph idx="1" type="body"/>
+            <p:ph type="body" idx="1"/>
           </p:nvPr>
         </p:nvSpPr>
         <p:spPr>
@@ -8148,7 +8589,7 @@
           </a:prstGeom>
         </p:spPr>
         <p:txBody>
-          <a:bodyPr anchorCtr="0" anchor="t" bIns="91425" lIns="91425" rIns="91425" tIns="91425">
+          <a:bodyPr lIns="91425" tIns="91425" rIns="91425" bIns="91425" anchor="t" anchorCtr="0">
             <a:noAutofit/>
           </a:bodyPr>
           <a:lstStyle/>
@@ -8168,7 +8609,7 @@
       </p:sp>
       <p:pic>
         <p:nvPicPr>
-          <p:cNvPr descr="Captura.PNG" id="183" name="Shape 183"/>
+          <p:cNvPr id="183" name="Shape 183" descr="Captura.PNG"/>
           <p:cNvPicPr preferRelativeResize="0"/>
           <p:nvPr/>
         </p:nvPicPr>
@@ -8231,11 +8672,11 @@
 </file>
 
 <file path=ppt/slides/slide17.xml><?xml version="1.0" encoding="utf-8"?>
-<p:sld xmlns:a="http://schemas.openxmlformats.org/drawingml/2006/main" xmlns:r="http://schemas.openxmlformats.org/officeDocument/2006/relationships" xmlns:mc="http://schemas.openxmlformats.org/markup-compatibility/2006" xmlns:mv="urn:schemas-microsoft-com:mac:vml" xmlns:p="http://schemas.openxmlformats.org/presentationml/2006/main" xmlns:c="http://schemas.openxmlformats.org/drawingml/2006/chart" xmlns:dgm="http://schemas.openxmlformats.org/drawingml/2006/diagram" xmlns:o="urn:schemas-microsoft-com:office:office" xmlns:v="urn:schemas-microsoft-com:vml" xmlns:pvml="urn:schemas-microsoft-com:office:powerpoint" xmlns:com="http://schemas.openxmlformats.org/drawingml/2006/compatibility" xmlns:p14="http://schemas.microsoft.com/office/powerpoint/2010/main">
+<p:sld xmlns:a="http://schemas.openxmlformats.org/drawingml/2006/main" xmlns:r="http://schemas.openxmlformats.org/officeDocument/2006/relationships" xmlns:p="http://schemas.openxmlformats.org/presentationml/2006/main">
   <p:cSld>
     <p:spTree>
       <p:nvGrpSpPr>
-        <p:cNvPr id="188" name="Shape 188"/>
+        <p:cNvPr id="1" name="Shape 188"/>
         <p:cNvGrpSpPr/>
         <p:nvPr/>
       </p:nvGrpSpPr>
@@ -8250,7 +8691,9 @@
       <p:sp>
         <p:nvSpPr>
           <p:cNvPr id="189" name="Shape 189"/>
-          <p:cNvSpPr txBox="1"/>
+          <p:cNvSpPr txBox="1">
+            <a:spLocks noGrp="1"/>
+          </p:cNvSpPr>
           <p:nvPr>
             <p:ph type="title"/>
           </p:nvPr>
@@ -8265,7 +8708,7 @@
           </a:prstGeom>
         </p:spPr>
         <p:txBody>
-          <a:bodyPr anchorCtr="0" anchor="t" bIns="91425" lIns="91425" rIns="91425" tIns="91425">
+          <a:bodyPr lIns="91425" tIns="91425" rIns="91425" bIns="91425" anchor="t" anchorCtr="0">
             <a:noAutofit/>
           </a:bodyPr>
           <a:lstStyle/>
@@ -8286,9 +8729,11 @@
       <p:sp>
         <p:nvSpPr>
           <p:cNvPr id="190" name="Shape 190"/>
-          <p:cNvSpPr txBox="1"/>
+          <p:cNvSpPr txBox="1">
+            <a:spLocks noGrp="1"/>
+          </p:cNvSpPr>
           <p:nvPr>
-            <p:ph idx="1" type="body"/>
+            <p:ph type="body" idx="1"/>
           </p:nvPr>
         </p:nvSpPr>
         <p:spPr>
@@ -8301,7 +8746,7 @@
           </a:prstGeom>
         </p:spPr>
         <p:txBody>
-          <a:bodyPr anchorCtr="0" anchor="t" bIns="91425" lIns="91425" rIns="91425" tIns="91425">
+          <a:bodyPr lIns="91425" tIns="91425" rIns="91425" bIns="91425" anchor="t" anchorCtr="0">
             <a:noAutofit/>
           </a:bodyPr>
           <a:lstStyle/>
@@ -8384,11 +8829,11 @@
 </file>
 
 <file path=ppt/slides/slide18.xml><?xml version="1.0" encoding="utf-8"?>
-<p:sld xmlns:a="http://schemas.openxmlformats.org/drawingml/2006/main" xmlns:r="http://schemas.openxmlformats.org/officeDocument/2006/relationships" xmlns:mc="http://schemas.openxmlformats.org/markup-compatibility/2006" xmlns:mv="urn:schemas-microsoft-com:mac:vml" xmlns:p="http://schemas.openxmlformats.org/presentationml/2006/main" xmlns:c="http://schemas.openxmlformats.org/drawingml/2006/chart" xmlns:dgm="http://schemas.openxmlformats.org/drawingml/2006/diagram" xmlns:o="urn:schemas-microsoft-com:office:office" xmlns:v="urn:schemas-microsoft-com:vml" xmlns:pvml="urn:schemas-microsoft-com:office:powerpoint" xmlns:com="http://schemas.openxmlformats.org/drawingml/2006/compatibility" xmlns:p14="http://schemas.microsoft.com/office/powerpoint/2010/main">
+<p:sld xmlns:a="http://schemas.openxmlformats.org/drawingml/2006/main" xmlns:r="http://schemas.openxmlformats.org/officeDocument/2006/relationships" xmlns:p="http://schemas.openxmlformats.org/presentationml/2006/main">
   <p:cSld>
     <p:spTree>
       <p:nvGrpSpPr>
-        <p:cNvPr id="196" name="Shape 196"/>
+        <p:cNvPr id="1" name="Shape 196"/>
         <p:cNvGrpSpPr/>
         <p:nvPr/>
       </p:nvGrpSpPr>
@@ -8403,7 +8848,9 @@
       <p:sp>
         <p:nvSpPr>
           <p:cNvPr id="197" name="Shape 197"/>
-          <p:cNvSpPr txBox="1"/>
+          <p:cNvSpPr txBox="1">
+            <a:spLocks noGrp="1"/>
+          </p:cNvSpPr>
           <p:nvPr>
             <p:ph type="title"/>
           </p:nvPr>
@@ -8418,7 +8865,7 @@
           </a:prstGeom>
         </p:spPr>
         <p:txBody>
-          <a:bodyPr anchorCtr="0" anchor="t" bIns="91425" lIns="91425" rIns="91425" tIns="91425">
+          <a:bodyPr lIns="91425" tIns="91425" rIns="91425" bIns="91425" anchor="t" anchorCtr="0">
             <a:noAutofit/>
           </a:bodyPr>
           <a:lstStyle/>
@@ -8446,7 +8893,7 @@
           <a:blip r:embed="rId3">
             <a:alphaModFix/>
           </a:blip>
-          <a:srcRect b="-9194" l="-1303" r="-1334" t="0"/>
+          <a:srcRect l="-1303" r="-1334" b="-9194"/>
           <a:stretch/>
         </p:blipFill>
         <p:spPr>
@@ -8472,11 +8919,11 @@
 </file>
 
 <file path=ppt/slides/slide19.xml><?xml version="1.0" encoding="utf-8"?>
-<p:sld xmlns:a="http://schemas.openxmlformats.org/drawingml/2006/main" xmlns:r="http://schemas.openxmlformats.org/officeDocument/2006/relationships" xmlns:mc="http://schemas.openxmlformats.org/markup-compatibility/2006" xmlns:mv="urn:schemas-microsoft-com:mac:vml" xmlns:p="http://schemas.openxmlformats.org/presentationml/2006/main" xmlns:c="http://schemas.openxmlformats.org/drawingml/2006/chart" xmlns:dgm="http://schemas.openxmlformats.org/drawingml/2006/diagram" xmlns:o="urn:schemas-microsoft-com:office:office" xmlns:v="urn:schemas-microsoft-com:vml" xmlns:pvml="urn:schemas-microsoft-com:office:powerpoint" xmlns:com="http://schemas.openxmlformats.org/drawingml/2006/compatibility" xmlns:p14="http://schemas.microsoft.com/office/powerpoint/2010/main">
+<p:sld xmlns:a="http://schemas.openxmlformats.org/drawingml/2006/main" xmlns:r="http://schemas.openxmlformats.org/officeDocument/2006/relationships" xmlns:p="http://schemas.openxmlformats.org/presentationml/2006/main">
   <p:cSld>
     <p:spTree>
       <p:nvGrpSpPr>
-        <p:cNvPr id="202" name="Shape 202"/>
+        <p:cNvPr id="1" name="Shape 202"/>
         <p:cNvGrpSpPr/>
         <p:nvPr/>
       </p:nvGrpSpPr>
@@ -8491,7 +8938,9 @@
       <p:sp>
         <p:nvSpPr>
           <p:cNvPr id="203" name="Shape 203"/>
-          <p:cNvSpPr txBox="1"/>
+          <p:cNvSpPr txBox="1">
+            <a:spLocks noGrp="1"/>
+          </p:cNvSpPr>
           <p:nvPr>
             <p:ph type="title"/>
           </p:nvPr>
@@ -8506,7 +8955,7 @@
           </a:prstGeom>
         </p:spPr>
         <p:txBody>
-          <a:bodyPr anchorCtr="0" anchor="t" bIns="91425" lIns="91425" rIns="91425" tIns="91425">
+          <a:bodyPr lIns="91425" tIns="91425" rIns="91425" bIns="91425" anchor="t" anchorCtr="0">
             <a:noAutofit/>
           </a:bodyPr>
           <a:lstStyle/>
@@ -8527,9 +8976,11 @@
       <p:sp>
         <p:nvSpPr>
           <p:cNvPr id="204" name="Shape 204"/>
-          <p:cNvSpPr txBox="1"/>
+          <p:cNvSpPr txBox="1">
+            <a:spLocks noGrp="1"/>
+          </p:cNvSpPr>
           <p:nvPr>
-            <p:ph idx="1" type="body"/>
+            <p:ph type="body" idx="1"/>
           </p:nvPr>
         </p:nvSpPr>
         <p:spPr>
@@ -8542,7 +8993,7 @@
           </a:prstGeom>
         </p:spPr>
         <p:txBody>
-          <a:bodyPr anchorCtr="0" anchor="t" bIns="91425" lIns="91425" rIns="91425" tIns="91425">
+          <a:bodyPr lIns="91425" tIns="91425" rIns="91425" bIns="91425" anchor="t" anchorCtr="0">
             <a:noAutofit/>
           </a:bodyPr>
           <a:lstStyle/>
@@ -8597,11 +9048,11 @@
 </file>
 
 <file path=ppt/slides/slide2.xml><?xml version="1.0" encoding="utf-8"?>
-<p:sld xmlns:a="http://schemas.openxmlformats.org/drawingml/2006/main" xmlns:r="http://schemas.openxmlformats.org/officeDocument/2006/relationships" xmlns:mc="http://schemas.openxmlformats.org/markup-compatibility/2006" xmlns:mv="urn:schemas-microsoft-com:mac:vml" xmlns:p="http://schemas.openxmlformats.org/presentationml/2006/main" xmlns:c="http://schemas.openxmlformats.org/drawingml/2006/chart" xmlns:dgm="http://schemas.openxmlformats.org/drawingml/2006/diagram" xmlns:o="urn:schemas-microsoft-com:office:office" xmlns:v="urn:schemas-microsoft-com:vml" xmlns:pvml="urn:schemas-microsoft-com:office:powerpoint" xmlns:com="http://schemas.openxmlformats.org/drawingml/2006/compatibility" xmlns:p14="http://schemas.microsoft.com/office/powerpoint/2010/main">
+<p:sld xmlns:a="http://schemas.openxmlformats.org/drawingml/2006/main" xmlns:r="http://schemas.openxmlformats.org/officeDocument/2006/relationships" xmlns:p="http://schemas.openxmlformats.org/presentationml/2006/main">
   <p:cSld>
     <p:spTree>
       <p:nvGrpSpPr>
-        <p:cNvPr id="90" name="Shape 90"/>
+        <p:cNvPr id="1" name="Shape 90"/>
         <p:cNvGrpSpPr/>
         <p:nvPr/>
       </p:nvGrpSpPr>
@@ -8616,7 +9067,9 @@
       <p:sp>
         <p:nvSpPr>
           <p:cNvPr id="91" name="Shape 91"/>
-          <p:cNvSpPr txBox="1"/>
+          <p:cNvSpPr txBox="1">
+            <a:spLocks noGrp="1"/>
+          </p:cNvSpPr>
           <p:nvPr>
             <p:ph type="title"/>
           </p:nvPr>
@@ -8631,7 +9084,7 @@
           </a:prstGeom>
         </p:spPr>
         <p:txBody>
-          <a:bodyPr anchorCtr="0" anchor="t" bIns="91425" lIns="91425" rIns="91425" tIns="91425">
+          <a:bodyPr lIns="91425" tIns="91425" rIns="91425" bIns="91425" anchor="t" anchorCtr="0">
             <a:noAutofit/>
           </a:bodyPr>
           <a:lstStyle/>
@@ -8680,9 +9133,11 @@
       <p:sp>
         <p:nvSpPr>
           <p:cNvPr id="93" name="Shape 93"/>
-          <p:cNvSpPr txBox="1"/>
+          <p:cNvSpPr txBox="1">
+            <a:spLocks noGrp="1"/>
+          </p:cNvSpPr>
           <p:nvPr>
-            <p:ph idx="1" type="body"/>
+            <p:ph type="body" idx="1"/>
           </p:nvPr>
         </p:nvSpPr>
         <p:spPr>
@@ -8695,7 +9150,7 @@
           </a:prstGeom>
         </p:spPr>
         <p:txBody>
-          <a:bodyPr anchorCtr="0" anchor="t" bIns="91425" lIns="91425" rIns="91425" tIns="91425">
+          <a:bodyPr lIns="91425" tIns="91425" rIns="91425" bIns="91425" anchor="t" anchorCtr="0">
             <a:noAutofit/>
           </a:bodyPr>
           <a:lstStyle/>
@@ -8718,9 +9173,6 @@
               </a:spcBef>
               <a:buNone/>
             </a:pPr>
-            <a:r>
-              <a:t/>
-            </a:r>
             <a:endParaRPr/>
           </a:p>
         </p:txBody>
@@ -8734,11 +9186,11 @@
 </file>
 
 <file path=ppt/slides/slide20.xml><?xml version="1.0" encoding="utf-8"?>
-<p:sld xmlns:a="http://schemas.openxmlformats.org/drawingml/2006/main" xmlns:r="http://schemas.openxmlformats.org/officeDocument/2006/relationships" xmlns:mc="http://schemas.openxmlformats.org/markup-compatibility/2006" xmlns:mv="urn:schemas-microsoft-com:mac:vml" xmlns:p="http://schemas.openxmlformats.org/presentationml/2006/main" xmlns:c="http://schemas.openxmlformats.org/drawingml/2006/chart" xmlns:dgm="http://schemas.openxmlformats.org/drawingml/2006/diagram" xmlns:o="urn:schemas-microsoft-com:office:office" xmlns:v="urn:schemas-microsoft-com:vml" xmlns:pvml="urn:schemas-microsoft-com:office:powerpoint" xmlns:com="http://schemas.openxmlformats.org/drawingml/2006/compatibility" xmlns:p14="http://schemas.microsoft.com/office/powerpoint/2010/main">
+<p:sld xmlns:a="http://schemas.openxmlformats.org/drawingml/2006/main" xmlns:r="http://schemas.openxmlformats.org/officeDocument/2006/relationships" xmlns:p="http://schemas.openxmlformats.org/presentationml/2006/main">
   <p:cSld>
     <p:spTree>
       <p:nvGrpSpPr>
-        <p:cNvPr id="209" name="Shape 209"/>
+        <p:cNvPr id="1" name="Shape 209"/>
         <p:cNvGrpSpPr/>
         <p:nvPr/>
       </p:nvGrpSpPr>
@@ -8753,7 +9205,9 @@
       <p:sp>
         <p:nvSpPr>
           <p:cNvPr id="210" name="Shape 210"/>
-          <p:cNvSpPr txBox="1"/>
+          <p:cNvSpPr txBox="1">
+            <a:spLocks noGrp="1"/>
+          </p:cNvSpPr>
           <p:nvPr>
             <p:ph type="title"/>
           </p:nvPr>
@@ -8768,7 +9222,7 @@
           </a:prstGeom>
         </p:spPr>
         <p:txBody>
-          <a:bodyPr anchorCtr="0" anchor="t" bIns="91425" lIns="91425" rIns="91425" tIns="91425">
+          <a:bodyPr lIns="91425" tIns="91425" rIns="91425" bIns="91425" anchor="t" anchorCtr="0">
             <a:noAutofit/>
           </a:bodyPr>
           <a:lstStyle/>
@@ -8789,9 +9243,11 @@
       <p:sp>
         <p:nvSpPr>
           <p:cNvPr id="211" name="Shape 211"/>
-          <p:cNvSpPr txBox="1"/>
+          <p:cNvSpPr txBox="1">
+            <a:spLocks noGrp="1"/>
+          </p:cNvSpPr>
           <p:nvPr>
-            <p:ph idx="1" type="body"/>
+            <p:ph type="body" idx="1"/>
           </p:nvPr>
         </p:nvSpPr>
         <p:spPr>
@@ -8804,7 +9260,7 @@
           </a:prstGeom>
         </p:spPr>
         <p:txBody>
-          <a:bodyPr anchorCtr="0" anchor="t" bIns="91425" lIns="91425" rIns="91425" tIns="91425">
+          <a:bodyPr lIns="91425" tIns="91425" rIns="91425" bIns="91425" anchor="t" anchorCtr="0">
             <a:noAutofit/>
           </a:bodyPr>
           <a:lstStyle/>
@@ -8859,11 +9315,11 @@
 </file>
 
 <file path=ppt/slides/slide21.xml><?xml version="1.0" encoding="utf-8"?>
-<p:sld xmlns:a="http://schemas.openxmlformats.org/drawingml/2006/main" xmlns:r="http://schemas.openxmlformats.org/officeDocument/2006/relationships" xmlns:mc="http://schemas.openxmlformats.org/markup-compatibility/2006" xmlns:mv="urn:schemas-microsoft-com:mac:vml" xmlns:p="http://schemas.openxmlformats.org/presentationml/2006/main" xmlns:c="http://schemas.openxmlformats.org/drawingml/2006/chart" xmlns:dgm="http://schemas.openxmlformats.org/drawingml/2006/diagram" xmlns:o="urn:schemas-microsoft-com:office:office" xmlns:v="urn:schemas-microsoft-com:vml" xmlns:pvml="urn:schemas-microsoft-com:office:powerpoint" xmlns:com="http://schemas.openxmlformats.org/drawingml/2006/compatibility" xmlns:p14="http://schemas.microsoft.com/office/powerpoint/2010/main">
+<p:sld xmlns:a="http://schemas.openxmlformats.org/drawingml/2006/main" xmlns:r="http://schemas.openxmlformats.org/officeDocument/2006/relationships" xmlns:p="http://schemas.openxmlformats.org/presentationml/2006/main">
   <p:cSld>
     <p:spTree>
       <p:nvGrpSpPr>
-        <p:cNvPr id="216" name="Shape 216"/>
+        <p:cNvPr id="1" name="Shape 216"/>
         <p:cNvGrpSpPr/>
         <p:nvPr/>
       </p:nvGrpSpPr>
@@ -8878,7 +9334,9 @@
       <p:sp>
         <p:nvSpPr>
           <p:cNvPr id="217" name="Shape 217"/>
-          <p:cNvSpPr txBox="1"/>
+          <p:cNvSpPr txBox="1">
+            <a:spLocks noGrp="1"/>
+          </p:cNvSpPr>
           <p:nvPr>
             <p:ph type="title"/>
           </p:nvPr>
@@ -8893,7 +9351,7 @@
           </a:prstGeom>
         </p:spPr>
         <p:txBody>
-          <a:bodyPr anchorCtr="0" anchor="t" bIns="91425" lIns="91425" rIns="91425" tIns="91425">
+          <a:bodyPr lIns="91425" tIns="91425" rIns="91425" bIns="91425" anchor="t" anchorCtr="0">
             <a:noAutofit/>
           </a:bodyPr>
           <a:lstStyle/>
@@ -8914,9 +9372,11 @@
       <p:sp>
         <p:nvSpPr>
           <p:cNvPr id="218" name="Shape 218"/>
-          <p:cNvSpPr txBox="1"/>
+          <p:cNvSpPr txBox="1">
+            <a:spLocks noGrp="1"/>
+          </p:cNvSpPr>
           <p:nvPr>
-            <p:ph idx="1" type="body"/>
+            <p:ph type="body" idx="1"/>
           </p:nvPr>
         </p:nvSpPr>
         <p:spPr>
@@ -8929,7 +9389,7 @@
           </a:prstGeom>
         </p:spPr>
         <p:txBody>
-          <a:bodyPr anchorCtr="0" anchor="t" bIns="91425" lIns="91425" rIns="91425" tIns="91425">
+          <a:bodyPr lIns="91425" tIns="91425" rIns="91425" bIns="91425" anchor="t" anchorCtr="0">
             <a:noAutofit/>
           </a:bodyPr>
           <a:lstStyle/>
@@ -8941,7 +9401,7 @@
               <a:buNone/>
             </a:pPr>
             <a:r>
-              <a:rPr b="1" lang="es"/>
+              <a:rPr lang="es" b="1"/>
               <a:t>Mensajes de Concientización</a:t>
             </a:r>
           </a:p>
@@ -9040,11 +9500,11 @@
 </file>
 
 <file path=ppt/slides/slide22.xml><?xml version="1.0" encoding="utf-8"?>
-<p:sld xmlns:a="http://schemas.openxmlformats.org/drawingml/2006/main" xmlns:r="http://schemas.openxmlformats.org/officeDocument/2006/relationships" xmlns:mc="http://schemas.openxmlformats.org/markup-compatibility/2006" xmlns:mv="urn:schemas-microsoft-com:mac:vml" xmlns:p="http://schemas.openxmlformats.org/presentationml/2006/main" xmlns:c="http://schemas.openxmlformats.org/drawingml/2006/chart" xmlns:dgm="http://schemas.openxmlformats.org/drawingml/2006/diagram" xmlns:o="urn:schemas-microsoft-com:office:office" xmlns:v="urn:schemas-microsoft-com:vml" xmlns:pvml="urn:schemas-microsoft-com:office:powerpoint" xmlns:com="http://schemas.openxmlformats.org/drawingml/2006/compatibility" xmlns:p14="http://schemas.microsoft.com/office/powerpoint/2010/main">
+<p:sld xmlns:a="http://schemas.openxmlformats.org/drawingml/2006/main" xmlns:r="http://schemas.openxmlformats.org/officeDocument/2006/relationships" xmlns:p="http://schemas.openxmlformats.org/presentationml/2006/main">
   <p:cSld>
     <p:spTree>
       <p:nvGrpSpPr>
-        <p:cNvPr id="225" name="Shape 225"/>
+        <p:cNvPr id="1" name="Shape 225"/>
         <p:cNvGrpSpPr/>
         <p:nvPr/>
       </p:nvGrpSpPr>
@@ -9059,7 +9519,9 @@
       <p:sp>
         <p:nvSpPr>
           <p:cNvPr id="226" name="Shape 226"/>
-          <p:cNvSpPr txBox="1"/>
+          <p:cNvSpPr txBox="1">
+            <a:spLocks noGrp="1"/>
+          </p:cNvSpPr>
           <p:nvPr>
             <p:ph type="title"/>
           </p:nvPr>
@@ -9074,7 +9536,7 @@
           </a:prstGeom>
         </p:spPr>
         <p:txBody>
-          <a:bodyPr anchorCtr="0" anchor="t" bIns="91425" lIns="91425" rIns="91425" tIns="91425">
+          <a:bodyPr lIns="91425" tIns="91425" rIns="91425" bIns="91425" anchor="t" anchorCtr="0">
             <a:noAutofit/>
           </a:bodyPr>
           <a:lstStyle/>
@@ -9129,11 +9591,11 @@
 </file>
 
 <file path=ppt/slides/slide3.xml><?xml version="1.0" encoding="utf-8"?>
-<p:sld xmlns:a="http://schemas.openxmlformats.org/drawingml/2006/main" xmlns:r="http://schemas.openxmlformats.org/officeDocument/2006/relationships" xmlns:mc="http://schemas.openxmlformats.org/markup-compatibility/2006" xmlns:mv="urn:schemas-microsoft-com:mac:vml" xmlns:p="http://schemas.openxmlformats.org/presentationml/2006/main" xmlns:c="http://schemas.openxmlformats.org/drawingml/2006/chart" xmlns:dgm="http://schemas.openxmlformats.org/drawingml/2006/diagram" xmlns:o="urn:schemas-microsoft-com:office:office" xmlns:v="urn:schemas-microsoft-com:vml" xmlns:pvml="urn:schemas-microsoft-com:office:powerpoint" xmlns:com="http://schemas.openxmlformats.org/drawingml/2006/compatibility" xmlns:p14="http://schemas.microsoft.com/office/powerpoint/2010/main">
+<p:sld xmlns:a="http://schemas.openxmlformats.org/drawingml/2006/main" xmlns:r="http://schemas.openxmlformats.org/officeDocument/2006/relationships" xmlns:p="http://schemas.openxmlformats.org/presentationml/2006/main">
   <p:cSld>
     <p:spTree>
       <p:nvGrpSpPr>
-        <p:cNvPr id="97" name="Shape 97"/>
+        <p:cNvPr id="1" name="Shape 97"/>
         <p:cNvGrpSpPr/>
         <p:nvPr/>
       </p:nvGrpSpPr>
@@ -9148,7 +9610,9 @@
       <p:sp>
         <p:nvSpPr>
           <p:cNvPr id="98" name="Shape 98"/>
-          <p:cNvSpPr txBox="1"/>
+          <p:cNvSpPr txBox="1">
+            <a:spLocks noGrp="1"/>
+          </p:cNvSpPr>
           <p:nvPr>
             <p:ph type="title"/>
           </p:nvPr>
@@ -9163,7 +9627,7 @@
           </a:prstGeom>
         </p:spPr>
         <p:txBody>
-          <a:bodyPr anchorCtr="0" anchor="t" bIns="91425" lIns="91425" rIns="91425" tIns="91425">
+          <a:bodyPr lIns="91425" tIns="91425" rIns="91425" bIns="91425" anchor="t" anchorCtr="0">
             <a:noAutofit/>
           </a:bodyPr>
           <a:lstStyle/>
@@ -9222,25 +9686,25 @@
           </a:xfrm>
           <a:prstGeom prst="stripedRightArrow">
             <a:avLst>
-              <a:gd fmla="val 54375" name="adj1"/>
-              <a:gd fmla="val 71158" name="adj2"/>
+              <a:gd name="adj1" fmla="val 54375"/>
+              <a:gd name="adj2" fmla="val 71158"/>
             </a:avLst>
           </a:prstGeom>
           <a:solidFill>
             <a:srgbClr val="FF0000"/>
           </a:solidFill>
-          <a:ln cap="flat" cmpd="sng" w="9525">
+          <a:ln w="9525" cap="flat" cmpd="sng">
             <a:solidFill>
               <a:schemeClr val="dk2"/>
             </a:solidFill>
             <a:prstDash val="solid"/>
             <a:round/>
-            <a:headEnd len="med" w="med" type="none"/>
-            <a:tailEnd len="med" w="med" type="none"/>
+            <a:headEnd type="none" w="med" len="med"/>
+            <a:tailEnd type="none" w="med" len="med"/>
           </a:ln>
         </p:spPr>
         <p:txBody>
-          <a:bodyPr anchorCtr="0" anchor="ctr" bIns="91425" lIns="91425" rIns="91425" tIns="91425">
+          <a:bodyPr lIns="91425" tIns="91425" rIns="91425" bIns="91425" anchor="ctr" anchorCtr="0">
             <a:noAutofit/>
           </a:bodyPr>
           <a:lstStyle/>
@@ -9251,9 +9715,6 @@
               </a:spcBef>
               <a:buNone/>
             </a:pPr>
-            <a:r>
-              <a:t/>
-            </a:r>
             <a:endParaRPr/>
           </a:p>
         </p:txBody>
@@ -9323,11 +9784,11 @@
 </file>
 
 <file path=ppt/slides/slide4.xml><?xml version="1.0" encoding="utf-8"?>
-<p:sld xmlns:a="http://schemas.openxmlformats.org/drawingml/2006/main" xmlns:r="http://schemas.openxmlformats.org/officeDocument/2006/relationships" xmlns:mc="http://schemas.openxmlformats.org/markup-compatibility/2006" xmlns:mv="urn:schemas-microsoft-com:mac:vml" xmlns:p="http://schemas.openxmlformats.org/presentationml/2006/main" xmlns:c="http://schemas.openxmlformats.org/drawingml/2006/chart" xmlns:dgm="http://schemas.openxmlformats.org/drawingml/2006/diagram" xmlns:o="urn:schemas-microsoft-com:office:office" xmlns:v="urn:schemas-microsoft-com:vml" xmlns:pvml="urn:schemas-microsoft-com:office:powerpoint" xmlns:com="http://schemas.openxmlformats.org/drawingml/2006/compatibility" xmlns:p14="http://schemas.microsoft.com/office/powerpoint/2010/main">
+<p:sld xmlns:a="http://schemas.openxmlformats.org/drawingml/2006/main" xmlns:r="http://schemas.openxmlformats.org/officeDocument/2006/relationships" xmlns:p="http://schemas.openxmlformats.org/presentationml/2006/main">
   <p:cSld>
     <p:spTree>
       <p:nvGrpSpPr>
-        <p:cNvPr id="106" name="Shape 106"/>
+        <p:cNvPr id="1" name="Shape 106"/>
         <p:cNvGrpSpPr/>
         <p:nvPr/>
       </p:nvGrpSpPr>
@@ -9342,7 +9803,9 @@
       <p:sp>
         <p:nvSpPr>
           <p:cNvPr id="107" name="Shape 107"/>
-          <p:cNvSpPr txBox="1"/>
+          <p:cNvSpPr txBox="1">
+            <a:spLocks noGrp="1"/>
+          </p:cNvSpPr>
           <p:nvPr>
             <p:ph type="title"/>
           </p:nvPr>
@@ -9357,7 +9820,7 @@
           </a:prstGeom>
         </p:spPr>
         <p:txBody>
-          <a:bodyPr anchorCtr="0" anchor="t" bIns="91425" lIns="91425" rIns="91425" tIns="91425">
+          <a:bodyPr lIns="91425" tIns="91425" rIns="91425" bIns="91425" anchor="t" anchorCtr="0">
             <a:noAutofit/>
           </a:bodyPr>
           <a:lstStyle/>
@@ -9412,11 +9875,11 @@
 </file>
 
 <file path=ppt/slides/slide5.xml><?xml version="1.0" encoding="utf-8"?>
-<p:sld xmlns:a="http://schemas.openxmlformats.org/drawingml/2006/main" xmlns:r="http://schemas.openxmlformats.org/officeDocument/2006/relationships" xmlns:mc="http://schemas.openxmlformats.org/markup-compatibility/2006" xmlns:mv="urn:schemas-microsoft-com:mac:vml" xmlns:p="http://schemas.openxmlformats.org/presentationml/2006/main" xmlns:c="http://schemas.openxmlformats.org/drawingml/2006/chart" xmlns:dgm="http://schemas.openxmlformats.org/drawingml/2006/diagram" xmlns:o="urn:schemas-microsoft-com:office:office" xmlns:v="urn:schemas-microsoft-com:vml" xmlns:pvml="urn:schemas-microsoft-com:office:powerpoint" xmlns:com="http://schemas.openxmlformats.org/drawingml/2006/compatibility" xmlns:p14="http://schemas.microsoft.com/office/powerpoint/2010/main">
+<p:sld xmlns:a="http://schemas.openxmlformats.org/drawingml/2006/main" xmlns:r="http://schemas.openxmlformats.org/officeDocument/2006/relationships" xmlns:p="http://schemas.openxmlformats.org/presentationml/2006/main">
   <p:cSld>
     <p:spTree>
       <p:nvGrpSpPr>
-        <p:cNvPr id="112" name="Shape 112"/>
+        <p:cNvPr id="1" name="Shape 112"/>
         <p:cNvGrpSpPr/>
         <p:nvPr/>
       </p:nvGrpSpPr>
@@ -9431,7 +9894,9 @@
       <p:sp>
         <p:nvSpPr>
           <p:cNvPr id="113" name="Shape 113"/>
-          <p:cNvSpPr txBox="1"/>
+          <p:cNvSpPr txBox="1">
+            <a:spLocks noGrp="1"/>
+          </p:cNvSpPr>
           <p:nvPr>
             <p:ph type="title"/>
           </p:nvPr>
@@ -9446,7 +9911,7 @@
           </a:prstGeom>
         </p:spPr>
         <p:txBody>
-          <a:bodyPr anchorCtr="0" anchor="t" bIns="91425" lIns="91425" rIns="91425" tIns="91425">
+          <a:bodyPr lIns="91425" tIns="91425" rIns="91425" bIns="91425" anchor="t" anchorCtr="0">
             <a:noAutofit/>
           </a:bodyPr>
           <a:lstStyle/>
@@ -9469,9 +9934,6 @@
               </a:spcBef>
               <a:buNone/>
             </a:pPr>
-            <a:r>
-              <a:t/>
-            </a:r>
             <a:endParaRPr/>
           </a:p>
         </p:txBody>
@@ -9479,9 +9941,11 @@
       <p:sp>
         <p:nvSpPr>
           <p:cNvPr id="114" name="Shape 114"/>
-          <p:cNvSpPr txBox="1"/>
+          <p:cNvSpPr txBox="1">
+            <a:spLocks noGrp="1"/>
+          </p:cNvSpPr>
           <p:nvPr>
-            <p:ph idx="1" type="body"/>
+            <p:ph type="body" idx="1"/>
           </p:nvPr>
         </p:nvSpPr>
         <p:spPr>
@@ -9494,7 +9958,7 @@
           </a:prstGeom>
         </p:spPr>
         <p:txBody>
-          <a:bodyPr anchorCtr="0" anchor="t" bIns="91425" lIns="91425" rIns="91425" tIns="91425">
+          <a:bodyPr lIns="91425" tIns="91425" rIns="91425" bIns="91425" anchor="t" anchorCtr="0">
             <a:noAutofit/>
           </a:bodyPr>
           <a:lstStyle/>
@@ -9506,7 +9970,7 @@
               <a:buNone/>
             </a:pPr>
             <a:r>
-              <a:rPr b="1" lang="es"/>
+              <a:rPr lang="es" b="1"/>
               <a:t>Objetivo General</a:t>
             </a:r>
           </a:p>
@@ -9537,7 +10001,7 @@
               <a:t> </a:t>
             </a:r>
             <a:r>
-              <a:rPr b="1" lang="es"/>
+              <a:rPr lang="es" b="1"/>
               <a:t>Objetivos específicos</a:t>
             </a:r>
           </a:p>
@@ -9593,9 +10057,6 @@
               </a:spcBef>
               <a:buNone/>
             </a:pPr>
-            <a:r>
-              <a:t/>
-            </a:r>
             <a:endParaRPr/>
           </a:p>
         </p:txBody>
@@ -9609,11 +10070,11 @@
 </file>
 
 <file path=ppt/slides/slide6.xml><?xml version="1.0" encoding="utf-8"?>
-<p:sld xmlns:a="http://schemas.openxmlformats.org/drawingml/2006/main" xmlns:r="http://schemas.openxmlformats.org/officeDocument/2006/relationships" xmlns:mc="http://schemas.openxmlformats.org/markup-compatibility/2006" xmlns:mv="urn:schemas-microsoft-com:mac:vml" xmlns:p="http://schemas.openxmlformats.org/presentationml/2006/main" xmlns:c="http://schemas.openxmlformats.org/drawingml/2006/chart" xmlns:dgm="http://schemas.openxmlformats.org/drawingml/2006/diagram" xmlns:o="urn:schemas-microsoft-com:office:office" xmlns:v="urn:schemas-microsoft-com:vml" xmlns:pvml="urn:schemas-microsoft-com:office:powerpoint" xmlns:com="http://schemas.openxmlformats.org/drawingml/2006/compatibility" xmlns:p14="http://schemas.microsoft.com/office/powerpoint/2010/main">
+<p:sld xmlns:a="http://schemas.openxmlformats.org/drawingml/2006/main" xmlns:r="http://schemas.openxmlformats.org/officeDocument/2006/relationships" xmlns:p="http://schemas.openxmlformats.org/presentationml/2006/main">
   <p:cSld>
     <p:spTree>
       <p:nvGrpSpPr>
-        <p:cNvPr id="118" name="Shape 118"/>
+        <p:cNvPr id="1" name="Shape 118"/>
         <p:cNvGrpSpPr/>
         <p:nvPr/>
       </p:nvGrpSpPr>
@@ -9628,7 +10089,9 @@
       <p:sp>
         <p:nvSpPr>
           <p:cNvPr id="119" name="Shape 119"/>
-          <p:cNvSpPr txBox="1"/>
+          <p:cNvSpPr txBox="1">
+            <a:spLocks noGrp="1"/>
+          </p:cNvSpPr>
           <p:nvPr>
             <p:ph type="title"/>
           </p:nvPr>
@@ -9643,7 +10106,7 @@
           </a:prstGeom>
         </p:spPr>
         <p:txBody>
-          <a:bodyPr anchorCtr="0" anchor="t" bIns="91425" lIns="91425" rIns="91425" tIns="91425">
+          <a:bodyPr lIns="91425" tIns="91425" rIns="91425" bIns="91425" anchor="t" anchorCtr="0">
             <a:noAutofit/>
           </a:bodyPr>
           <a:lstStyle/>
@@ -9656,11 +10119,7 @@
             </a:pPr>
             <a:r>
               <a:rPr lang="es"/>
-              <a:t>Inicio -  </a:t>
-            </a:r>
-            <a:r>
-              <a:rPr lang="es"/>
-              <a:t>Requerimientos Funcionales</a:t>
+              <a:t>Inicio -  Requerimientos Funcionales</a:t>
             </a:r>
           </a:p>
           <a:p>
@@ -9670,9 +10129,6 @@
               </a:spcBef>
               <a:buNone/>
             </a:pPr>
-            <a:r>
-              <a:t/>
-            </a:r>
             <a:endParaRPr/>
           </a:p>
         </p:txBody>
@@ -9680,9 +10136,11 @@
       <p:sp>
         <p:nvSpPr>
           <p:cNvPr id="120" name="Shape 120"/>
-          <p:cNvSpPr txBox="1"/>
+          <p:cNvSpPr txBox="1">
+            <a:spLocks noGrp="1"/>
+          </p:cNvSpPr>
           <p:nvPr>
-            <p:ph idx="1" type="body"/>
+            <p:ph type="body" idx="1"/>
           </p:nvPr>
         </p:nvSpPr>
         <p:spPr>
@@ -9695,7 +10153,7 @@
           </a:prstGeom>
         </p:spPr>
         <p:txBody>
-          <a:bodyPr anchorCtr="0" anchor="t" bIns="91425" lIns="91425" rIns="91425" tIns="91425">
+          <a:bodyPr lIns="91425" tIns="91425" rIns="91425" bIns="91425" anchor="t" anchorCtr="0">
             <a:noAutofit/>
           </a:bodyPr>
           <a:lstStyle/>
@@ -9707,20 +10165,17 @@
               <a:buNone/>
             </a:pPr>
             <a:r>
-              <a:rPr b="1" lang="es"/>
+              <a:rPr lang="es" b="1"/>
               <a:t>	</a:t>
             </a:r>
           </a:p>
           <a:p>
-            <a:pPr indent="-228600" lvl="0" marL="457200" rtl="0">
+            <a:pPr marL="457200" lvl="0" indent="-228600" rtl="0">
               <a:spcBef>
                 <a:spcPts val="0"/>
               </a:spcBef>
               <a:buChar char="-"/>
             </a:pPr>
-            <a:r>
-              <a:t/>
-            </a:r>
             <a:endParaRPr/>
           </a:p>
           <a:p>
@@ -9730,9 +10185,6 @@
               </a:spcBef>
               <a:buNone/>
             </a:pPr>
-            <a:r>
-              <a:t/>
-            </a:r>
             <a:endParaRPr/>
           </a:p>
           <a:p>
@@ -9742,21 +10194,15 @@
               </a:spcBef>
               <a:buNone/>
             </a:pPr>
-            <a:r>
-              <a:t/>
-            </a:r>
             <a:endParaRPr/>
           </a:p>
           <a:p>
-            <a:pPr indent="-228600" lvl="0" marL="457200" rtl="0">
+            <a:pPr marL="457200" lvl="0" indent="-228600" rtl="0">
               <a:spcBef>
                 <a:spcPts val="0"/>
               </a:spcBef>
               <a:buChar char="-"/>
             </a:pPr>
-            <a:r>
-              <a:t/>
-            </a:r>
             <a:endParaRPr/>
           </a:p>
           <a:p>
@@ -9766,9 +10212,6 @@
               </a:spcBef>
               <a:buNone/>
             </a:pPr>
-            <a:r>
-              <a:t/>
-            </a:r>
             <a:endParaRPr/>
           </a:p>
           <a:p>
@@ -9778,9 +10221,6 @@
               </a:spcBef>
               <a:buNone/>
             </a:pPr>
-            <a:r>
-              <a:t/>
-            </a:r>
             <a:endParaRPr/>
           </a:p>
           <a:p>
@@ -9790,9 +10230,6 @@
               </a:spcBef>
               <a:buNone/>
             </a:pPr>
-            <a:r>
-              <a:t/>
-            </a:r>
             <a:endParaRPr/>
           </a:p>
         </p:txBody>
@@ -9834,11 +10271,11 @@
 </file>
 
 <file path=ppt/slides/slide7.xml><?xml version="1.0" encoding="utf-8"?>
-<p:sld xmlns:a="http://schemas.openxmlformats.org/drawingml/2006/main" xmlns:r="http://schemas.openxmlformats.org/officeDocument/2006/relationships" xmlns:mc="http://schemas.openxmlformats.org/markup-compatibility/2006" xmlns:mv="urn:schemas-microsoft-com:mac:vml" xmlns:p="http://schemas.openxmlformats.org/presentationml/2006/main" xmlns:c="http://schemas.openxmlformats.org/drawingml/2006/chart" xmlns:dgm="http://schemas.openxmlformats.org/drawingml/2006/diagram" xmlns:o="urn:schemas-microsoft-com:office:office" xmlns:v="urn:schemas-microsoft-com:vml" xmlns:pvml="urn:schemas-microsoft-com:office:powerpoint" xmlns:com="http://schemas.openxmlformats.org/drawingml/2006/compatibility" xmlns:p14="http://schemas.microsoft.com/office/powerpoint/2010/main">
+<p:sld xmlns:a="http://schemas.openxmlformats.org/drawingml/2006/main" xmlns:r="http://schemas.openxmlformats.org/officeDocument/2006/relationships" xmlns:p="http://schemas.openxmlformats.org/presentationml/2006/main">
   <p:cSld>
     <p:spTree>
       <p:nvGrpSpPr>
-        <p:cNvPr id="125" name="Shape 125"/>
+        <p:cNvPr id="1" name="Shape 125"/>
         <p:cNvGrpSpPr/>
         <p:nvPr/>
       </p:nvGrpSpPr>
@@ -9853,7 +10290,9 @@
       <p:sp>
         <p:nvSpPr>
           <p:cNvPr id="126" name="Shape 126"/>
-          <p:cNvSpPr txBox="1"/>
+          <p:cNvSpPr txBox="1">
+            <a:spLocks noGrp="1"/>
+          </p:cNvSpPr>
           <p:nvPr>
             <p:ph type="title"/>
           </p:nvPr>
@@ -9868,7 +10307,7 @@
           </a:prstGeom>
         </p:spPr>
         <p:txBody>
-          <a:bodyPr anchorCtr="0" anchor="t" bIns="91425" lIns="91425" rIns="91425" tIns="91425">
+          <a:bodyPr lIns="91425" tIns="91425" rIns="91425" bIns="91425" anchor="t" anchorCtr="0">
             <a:noAutofit/>
           </a:bodyPr>
           <a:lstStyle/>
@@ -9923,11 +10362,11 @@
 </file>
 
 <file path=ppt/slides/slide8.xml><?xml version="1.0" encoding="utf-8"?>
-<p:sld xmlns:a="http://schemas.openxmlformats.org/drawingml/2006/main" xmlns:r="http://schemas.openxmlformats.org/officeDocument/2006/relationships" xmlns:mc="http://schemas.openxmlformats.org/markup-compatibility/2006" xmlns:mv="urn:schemas-microsoft-com:mac:vml" xmlns:p="http://schemas.openxmlformats.org/presentationml/2006/main" xmlns:c="http://schemas.openxmlformats.org/drawingml/2006/chart" xmlns:dgm="http://schemas.openxmlformats.org/drawingml/2006/diagram" xmlns:o="urn:schemas-microsoft-com:office:office" xmlns:v="urn:schemas-microsoft-com:vml" xmlns:pvml="urn:schemas-microsoft-com:office:powerpoint" xmlns:com="http://schemas.openxmlformats.org/drawingml/2006/compatibility" xmlns:p14="http://schemas.microsoft.com/office/powerpoint/2010/main">
+<p:sld xmlns:a="http://schemas.openxmlformats.org/drawingml/2006/main" xmlns:r="http://schemas.openxmlformats.org/officeDocument/2006/relationships" xmlns:p="http://schemas.openxmlformats.org/presentationml/2006/main">
   <p:cSld>
     <p:spTree>
       <p:nvGrpSpPr>
-        <p:cNvPr id="131" name="Shape 131"/>
+        <p:cNvPr id="1" name="Shape 131"/>
         <p:cNvGrpSpPr/>
         <p:nvPr/>
       </p:nvGrpSpPr>
@@ -9942,7 +10381,9 @@
       <p:sp>
         <p:nvSpPr>
           <p:cNvPr id="132" name="Shape 132"/>
-          <p:cNvSpPr txBox="1"/>
+          <p:cNvSpPr txBox="1">
+            <a:spLocks noGrp="1"/>
+          </p:cNvSpPr>
           <p:nvPr>
             <p:ph type="title"/>
           </p:nvPr>
@@ -9957,7 +10398,7 @@
           </a:prstGeom>
         </p:spPr>
         <p:txBody>
-          <a:bodyPr anchorCtr="0" anchor="t" bIns="91425" lIns="91425" rIns="91425" tIns="91425">
+          <a:bodyPr lIns="91425" tIns="91425" rIns="91425" bIns="91425" anchor="t" anchorCtr="0">
             <a:noAutofit/>
           </a:bodyPr>
           <a:lstStyle/>
@@ -10012,11 +10453,11 @@
 </file>
 
 <file path=ppt/slides/slide9.xml><?xml version="1.0" encoding="utf-8"?>
-<p:sld xmlns:a="http://schemas.openxmlformats.org/drawingml/2006/main" xmlns:r="http://schemas.openxmlformats.org/officeDocument/2006/relationships" xmlns:mc="http://schemas.openxmlformats.org/markup-compatibility/2006" xmlns:mv="urn:schemas-microsoft-com:mac:vml" xmlns:p="http://schemas.openxmlformats.org/presentationml/2006/main" xmlns:c="http://schemas.openxmlformats.org/drawingml/2006/chart" xmlns:dgm="http://schemas.openxmlformats.org/drawingml/2006/diagram" xmlns:o="urn:schemas-microsoft-com:office:office" xmlns:v="urn:schemas-microsoft-com:vml" xmlns:pvml="urn:schemas-microsoft-com:office:powerpoint" xmlns:com="http://schemas.openxmlformats.org/drawingml/2006/compatibility" xmlns:p14="http://schemas.microsoft.com/office/powerpoint/2010/main">
+<p:sld xmlns:a="http://schemas.openxmlformats.org/drawingml/2006/main" xmlns:r="http://schemas.openxmlformats.org/officeDocument/2006/relationships" xmlns:p="http://schemas.openxmlformats.org/presentationml/2006/main">
   <p:cSld>
     <p:spTree>
       <p:nvGrpSpPr>
-        <p:cNvPr id="137" name="Shape 137"/>
+        <p:cNvPr id="1" name="Shape 137"/>
         <p:cNvGrpSpPr/>
         <p:nvPr/>
       </p:nvGrpSpPr>
@@ -10031,7 +10472,9 @@
       <p:sp>
         <p:nvSpPr>
           <p:cNvPr id="138" name="Shape 138"/>
-          <p:cNvSpPr txBox="1"/>
+          <p:cNvSpPr txBox="1">
+            <a:spLocks noGrp="1"/>
+          </p:cNvSpPr>
           <p:nvPr>
             <p:ph type="title"/>
           </p:nvPr>
@@ -10046,7 +10489,7 @@
           </a:prstGeom>
         </p:spPr>
         <p:txBody>
-          <a:bodyPr anchorCtr="0" anchor="t" bIns="91425" lIns="91425" rIns="91425" tIns="91425">
+          <a:bodyPr lIns="91425" tIns="91425" rIns="91425" bIns="91425" anchor="t" anchorCtr="0">
             <a:noAutofit/>
           </a:bodyPr>
           <a:lstStyle/>
@@ -10101,7 +10544,7 @@
 </file>
 
 <file path=ppt/theme/theme1.xml><?xml version="1.0" encoding="utf-8"?>
-<a:theme xmlns:a="http://schemas.openxmlformats.org/drawingml/2006/main" xmlns:r="http://schemas.openxmlformats.org/officeDocument/2006/relationships" name="geometric">
+<a:theme xmlns:a="http://schemas.openxmlformats.org/drawingml/2006/main" name="geometric">
   <a:themeElements>
     <a:clrScheme name="Geometric">
       <a:dk1>
@@ -10376,11 +10819,13 @@
       </a:bgFillStyleLst>
     </a:fmtScheme>
   </a:themeElements>
+  <a:objectDefaults/>
+  <a:extraClrSchemeLst/>
 </a:theme>
 </file>
 
 <file path=ppt/theme/theme2.xml><?xml version="1.0" encoding="utf-8"?>
-<a:theme xmlns:a="http://schemas.openxmlformats.org/drawingml/2006/main" xmlns:r="http://schemas.openxmlformats.org/officeDocument/2006/relationships" name="Custom Theme">
+<a:theme xmlns:a="http://schemas.openxmlformats.org/drawingml/2006/main" name="Custom Theme">
   <a:themeElements>
     <a:clrScheme name="Default">
       <a:dk1>
@@ -10655,5 +11100,7 @@
       </a:bgFillStyleLst>
     </a:fmtScheme>
   </a:themeElements>
+  <a:objectDefaults/>
+  <a:extraClrSchemeLst/>
 </a:theme>
 </file>